--- a/CalendarioAgo23/Presentaciones/7_RedesInalambricasR.pptx
+++ b/CalendarioAgo23/Presentaciones/7_RedesInalambricasR.pptx
@@ -5,10 +5,10 @@
     <p:sldMasterId id="2147483648" r:id="rId1"/>
   </p:sldMasterIdLst>
   <p:notesMasterIdLst>
-    <p:notesMasterId r:id="rId19"/>
+    <p:notesMasterId r:id="rId21"/>
   </p:notesMasterIdLst>
   <p:handoutMasterIdLst>
-    <p:handoutMasterId r:id="rId20"/>
+    <p:handoutMasterId r:id="rId22"/>
   </p:handoutMasterIdLst>
   <p:sldIdLst>
     <p:sldId id="341" r:id="rId2"/>
@@ -20,14 +20,16 @@
     <p:sldId id="853" r:id="rId8"/>
     <p:sldId id="628" r:id="rId9"/>
     <p:sldId id="855" r:id="rId10"/>
-    <p:sldId id="857" r:id="rId11"/>
-    <p:sldId id="629" r:id="rId12"/>
-    <p:sldId id="630" r:id="rId13"/>
-    <p:sldId id="632" r:id="rId14"/>
-    <p:sldId id="631" r:id="rId15"/>
-    <p:sldId id="636" r:id="rId16"/>
-    <p:sldId id="482" r:id="rId17"/>
-    <p:sldId id="484" r:id="rId18"/>
+    <p:sldId id="858" r:id="rId11"/>
+    <p:sldId id="859" r:id="rId12"/>
+    <p:sldId id="857" r:id="rId13"/>
+    <p:sldId id="629" r:id="rId14"/>
+    <p:sldId id="630" r:id="rId15"/>
+    <p:sldId id="632" r:id="rId16"/>
+    <p:sldId id="631" r:id="rId17"/>
+    <p:sldId id="636" r:id="rId18"/>
+    <p:sldId id="482" r:id="rId19"/>
+    <p:sldId id="484" r:id="rId20"/>
   </p:sldIdLst>
   <p:sldSz cx="9144000" cy="6858000" type="screen4x3"/>
   <p:notesSz cx="6858000" cy="9144000"/>
@@ -227,7 +229,7 @@
           <a:p>
             <a:fld id="{CFD15F0F-6D28-499C-8425-A9347399C9A5}" type="datetimeFigureOut">
               <a:rPr lang="es-MX" smtClean="0"/>
-              <a:t>18/05/2023</a:t>
+              <a:t>27/10/2023</a:t>
             </a:fld>
             <a:endParaRPr lang="es-MX" dirty="0"/>
           </a:p>
@@ -392,7 +394,7 @@
           <a:p>
             <a:fld id="{2D445F07-8756-451B-A938-0248325FC7BB}" type="datetimeFigureOut">
               <a:rPr lang="es-MX" smtClean="0"/>
-              <a:t>18/05/2023</a:t>
+              <a:t>27/10/2023</a:t>
             </a:fld>
             <a:endParaRPr lang="es-MX" dirty="0"/>
           </a:p>
@@ -744,6 +746,127 @@
 </p:notes>
 </file>
 
+<file path=ppt/notesSlides/notesSlide10.xml><?xml version="1.0" encoding="utf-8"?>
+<p:notes xmlns:a="http://schemas.openxmlformats.org/drawingml/2006/main" xmlns:r="http://schemas.openxmlformats.org/officeDocument/2006/relationships" xmlns:p="http://schemas.openxmlformats.org/presentationml/2006/main">
+  <p:cSld>
+    <p:spTree>
+      <p:nvGrpSpPr>
+        <p:cNvPr id="1" name=""/>
+        <p:cNvGrpSpPr/>
+        <p:nvPr/>
+      </p:nvGrpSpPr>
+      <p:grpSpPr>
+        <a:xfrm>
+          <a:off x="0" y="0"/>
+          <a:ext cx="0" cy="0"/>
+          <a:chOff x="0" y="0"/>
+          <a:chExt cx="0" cy="0"/>
+        </a:xfrm>
+      </p:grpSpPr>
+      <p:sp>
+        <p:nvSpPr>
+          <p:cNvPr id="112643" name="Rectangle 2"/>
+          <p:cNvSpPr>
+            <a:spLocks noGrp="1" noRot="1" noChangeAspect="1" noChangeArrowheads="1" noTextEdit="1"/>
+          </p:cNvSpPr>
+          <p:nvPr>
+            <p:ph type="sldImg"/>
+          </p:nvPr>
+        </p:nvSpPr>
+        <p:spPr>
+          <a:ln/>
+        </p:spPr>
+      </p:sp>
+      <p:sp>
+        <p:nvSpPr>
+          <p:cNvPr id="112644" name="Rectangle 3"/>
+          <p:cNvSpPr>
+            <a:spLocks noGrp="1" noChangeArrowheads="1"/>
+          </p:cNvSpPr>
+          <p:nvPr>
+            <p:ph type="body" idx="1"/>
+          </p:nvPr>
+        </p:nvSpPr>
+        <p:spPr>
+          <a:noFill/>
+          <a:ln/>
+          <a:extLst>
+            <a:ext uri="{909E8E84-426E-40DD-AFC4-6F175D3DCCD1}">
+              <a14:hiddenFill xmlns:a14="http://schemas.microsoft.com/office/drawing/2010/main">
+                <a:solidFill>
+                  <a:srgbClr val="FFFFFF"/>
+                </a:solidFill>
+              </a14:hiddenFill>
+            </a:ext>
+            <a:ext uri="{91240B29-F687-4F45-9708-019B960494DF}">
+              <a14:hiddenLine xmlns:a14="http://schemas.microsoft.com/office/drawing/2010/main" w="9525">
+                <a:solidFill>
+                  <a:srgbClr val="000000"/>
+                </a:solidFill>
+                <a:miter lim="800000"/>
+                <a:headEnd/>
+                <a:tailEnd/>
+              </a14:hiddenLine>
+            </a:ext>
+          </a:extLst>
+        </p:spPr>
+        <p:txBody>
+          <a:bodyPr/>
+          <a:lstStyle/>
+          <a:p>
+            <a:pPr>
+              <a:lnSpc>
+                <a:spcPct val="80000"/>
+              </a:lnSpc>
+              <a:buFontTx/>
+              <a:buNone/>
+            </a:pPr>
+            <a:endParaRPr lang="es-ES" dirty="0"/>
+          </a:p>
+        </p:txBody>
+      </p:sp>
+      <p:sp>
+        <p:nvSpPr>
+          <p:cNvPr id="5" name="Slide Number Placeholder 3"/>
+          <p:cNvSpPr>
+            <a:spLocks noGrp="1"/>
+          </p:cNvSpPr>
+          <p:nvPr>
+            <p:ph type="sldNum" sz="quarter" idx="5"/>
+          </p:nvPr>
+        </p:nvSpPr>
+        <p:spPr>
+          <a:xfrm>
+            <a:off x="3884613" y="8685213"/>
+            <a:ext cx="2971800" cy="457200"/>
+          </a:xfrm>
+        </p:spPr>
+        <p:txBody>
+          <a:bodyPr/>
+          <a:lstStyle/>
+          <a:p>
+            <a:fld id="{5641018C-6CAF-B84E-B92C-ECB119457FBA}" type="slidenum">
+              <a:rPr lang="en-US" smtClean="0"/>
+              <a:pPr/>
+              <a:t>16</a:t>
+            </a:fld>
+            <a:endParaRPr lang="es-ES" dirty="0"/>
+          </a:p>
+        </p:txBody>
+      </p:sp>
+    </p:spTree>
+    <p:extLst>
+      <p:ext uri="{BB962C8B-B14F-4D97-AF65-F5344CB8AC3E}">
+        <p14:creationId xmlns:p14="http://schemas.microsoft.com/office/powerpoint/2010/main" val="3888555747"/>
+      </p:ext>
+    </p:extLst>
+  </p:cSld>
+  <p:clrMapOvr>
+    <a:masterClrMapping/>
+  </p:clrMapOvr>
+</p:notes>
+</file>
+
 <file path=ppt/notesSlides/notesSlide2.xml><?xml version="1.0" encoding="utf-8"?>
 <p:notes xmlns:a="http://schemas.openxmlformats.org/drawingml/2006/main" xmlns:r="http://schemas.openxmlformats.org/officeDocument/2006/relationships" xmlns:p="http://schemas.openxmlformats.org/presentationml/2006/main">
   <p:cSld>
@@ -1109,7 +1232,7 @@
     </p:spTree>
     <p:extLst>
       <p:ext uri="{BB962C8B-B14F-4D97-AF65-F5344CB8AC3E}">
-        <p14:creationId xmlns:p14="http://schemas.microsoft.com/office/powerpoint/2010/main" val="4273812158"/>
+        <p14:creationId xmlns:p14="http://schemas.microsoft.com/office/powerpoint/2010/main" val="2338723105"/>
       </p:ext>
     </p:extLst>
   </p:cSld>
@@ -1194,18 +1317,6 @@
               <a:buFontTx/>
               <a:buNone/>
             </a:pPr>
-            <a:endParaRPr lang="es-ES" baseline="0" dirty="0">
-              <a:latin typeface="Arial" charset="0"/>
-            </a:endParaRPr>
-          </a:p>
-          <a:p>
-            <a:pPr>
-              <a:lnSpc>
-                <a:spcPct val="80000"/>
-              </a:lnSpc>
-              <a:buFontTx/>
-              <a:buNone/>
-            </a:pPr>
             <a:endParaRPr lang="es-ES" dirty="0"/>
           </a:p>
         </p:txBody>
@@ -1242,7 +1353,7 @@
     </p:spTree>
     <p:extLst>
       <p:ext uri="{BB962C8B-B14F-4D97-AF65-F5344CB8AC3E}">
-        <p14:creationId xmlns:p14="http://schemas.microsoft.com/office/powerpoint/2010/main" val="208357160"/>
+        <p14:creationId xmlns:p14="http://schemas.microsoft.com/office/powerpoint/2010/main" val="1942438857"/>
       </p:ext>
     </p:extLst>
   </p:cSld>
@@ -1363,7 +1474,7 @@
     </p:spTree>
     <p:extLst>
       <p:ext uri="{BB962C8B-B14F-4D97-AF65-F5344CB8AC3E}">
-        <p14:creationId xmlns:p14="http://schemas.microsoft.com/office/powerpoint/2010/main" val="2605086003"/>
+        <p14:creationId xmlns:p14="http://schemas.microsoft.com/office/powerpoint/2010/main" val="4273812158"/>
       </p:ext>
     </p:extLst>
   </p:cSld>
@@ -1496,7 +1607,7 @@
     </p:spTree>
     <p:extLst>
       <p:ext uri="{BB962C8B-B14F-4D97-AF65-F5344CB8AC3E}">
-        <p14:creationId xmlns:p14="http://schemas.microsoft.com/office/powerpoint/2010/main" val="4070859965"/>
+        <p14:creationId xmlns:p14="http://schemas.microsoft.com/office/powerpoint/2010/main" val="208357160"/>
       </p:ext>
     </p:extLst>
   </p:cSld>
@@ -1617,7 +1728,140 @@
     </p:spTree>
     <p:extLst>
       <p:ext uri="{BB962C8B-B14F-4D97-AF65-F5344CB8AC3E}">
-        <p14:creationId xmlns:p14="http://schemas.microsoft.com/office/powerpoint/2010/main" val="3888555747"/>
+        <p14:creationId xmlns:p14="http://schemas.microsoft.com/office/powerpoint/2010/main" val="2605086003"/>
+      </p:ext>
+    </p:extLst>
+  </p:cSld>
+  <p:clrMapOvr>
+    <a:masterClrMapping/>
+  </p:clrMapOvr>
+</p:notes>
+</file>
+
+<file path=ppt/notesSlides/notesSlide9.xml><?xml version="1.0" encoding="utf-8"?>
+<p:notes xmlns:a="http://schemas.openxmlformats.org/drawingml/2006/main" xmlns:r="http://schemas.openxmlformats.org/officeDocument/2006/relationships" xmlns:p="http://schemas.openxmlformats.org/presentationml/2006/main">
+  <p:cSld>
+    <p:spTree>
+      <p:nvGrpSpPr>
+        <p:cNvPr id="1" name=""/>
+        <p:cNvGrpSpPr/>
+        <p:nvPr/>
+      </p:nvGrpSpPr>
+      <p:grpSpPr>
+        <a:xfrm>
+          <a:off x="0" y="0"/>
+          <a:ext cx="0" cy="0"/>
+          <a:chOff x="0" y="0"/>
+          <a:chExt cx="0" cy="0"/>
+        </a:xfrm>
+      </p:grpSpPr>
+      <p:sp>
+        <p:nvSpPr>
+          <p:cNvPr id="112643" name="Rectangle 2"/>
+          <p:cNvSpPr>
+            <a:spLocks noGrp="1" noRot="1" noChangeAspect="1" noChangeArrowheads="1" noTextEdit="1"/>
+          </p:cNvSpPr>
+          <p:nvPr>
+            <p:ph type="sldImg"/>
+          </p:nvPr>
+        </p:nvSpPr>
+        <p:spPr>
+          <a:ln/>
+        </p:spPr>
+      </p:sp>
+      <p:sp>
+        <p:nvSpPr>
+          <p:cNvPr id="112644" name="Rectangle 3"/>
+          <p:cNvSpPr>
+            <a:spLocks noGrp="1" noChangeArrowheads="1"/>
+          </p:cNvSpPr>
+          <p:nvPr>
+            <p:ph type="body" idx="1"/>
+          </p:nvPr>
+        </p:nvSpPr>
+        <p:spPr>
+          <a:noFill/>
+          <a:ln/>
+          <a:extLst>
+            <a:ext uri="{909E8E84-426E-40DD-AFC4-6F175D3DCCD1}">
+              <a14:hiddenFill xmlns:a14="http://schemas.microsoft.com/office/drawing/2010/main">
+                <a:solidFill>
+                  <a:srgbClr val="FFFFFF"/>
+                </a:solidFill>
+              </a14:hiddenFill>
+            </a:ext>
+            <a:ext uri="{91240B29-F687-4F45-9708-019B960494DF}">
+              <a14:hiddenLine xmlns:a14="http://schemas.microsoft.com/office/drawing/2010/main" w="9525">
+                <a:solidFill>
+                  <a:srgbClr val="000000"/>
+                </a:solidFill>
+                <a:miter lim="800000"/>
+                <a:headEnd/>
+                <a:tailEnd/>
+              </a14:hiddenLine>
+            </a:ext>
+          </a:extLst>
+        </p:spPr>
+        <p:txBody>
+          <a:bodyPr/>
+          <a:lstStyle/>
+          <a:p>
+            <a:pPr>
+              <a:lnSpc>
+                <a:spcPct val="80000"/>
+              </a:lnSpc>
+              <a:buFontTx/>
+              <a:buNone/>
+            </a:pPr>
+            <a:endParaRPr lang="es-ES" baseline="0" dirty="0">
+              <a:latin typeface="Arial" charset="0"/>
+            </a:endParaRPr>
+          </a:p>
+          <a:p>
+            <a:pPr>
+              <a:lnSpc>
+                <a:spcPct val="80000"/>
+              </a:lnSpc>
+              <a:buFontTx/>
+              <a:buNone/>
+            </a:pPr>
+            <a:endParaRPr lang="es-ES" dirty="0"/>
+          </a:p>
+        </p:txBody>
+      </p:sp>
+      <p:sp>
+        <p:nvSpPr>
+          <p:cNvPr id="5" name="Slide Number Placeholder 3"/>
+          <p:cNvSpPr>
+            <a:spLocks noGrp="1"/>
+          </p:cNvSpPr>
+          <p:nvPr>
+            <p:ph type="sldNum" sz="quarter" idx="5"/>
+          </p:nvPr>
+        </p:nvSpPr>
+        <p:spPr>
+          <a:xfrm>
+            <a:off x="3884613" y="8685213"/>
+            <a:ext cx="2971800" cy="457200"/>
+          </a:xfrm>
+        </p:spPr>
+        <p:txBody>
+          <a:bodyPr/>
+          <a:lstStyle/>
+          <a:p>
+            <a:fld id="{5641018C-6CAF-B84E-B92C-ECB119457FBA}" type="slidenum">
+              <a:rPr lang="en-US" smtClean="0"/>
+              <a:pPr/>
+              <a:t>15</a:t>
+            </a:fld>
+            <a:endParaRPr lang="es-ES" dirty="0"/>
+          </a:p>
+        </p:txBody>
+      </p:sp>
+    </p:spTree>
+    <p:extLst>
+      <p:ext uri="{BB962C8B-B14F-4D97-AF65-F5344CB8AC3E}">
+        <p14:creationId xmlns:p14="http://schemas.microsoft.com/office/powerpoint/2010/main" val="4070859965"/>
       </p:ext>
     </p:extLst>
   </p:cSld>
@@ -1808,7 +2052,7 @@
           <a:p>
             <a:fld id="{5E75A0DC-66C6-4CEC-A5EB-F8C97CEC3796}" type="datetimeFigureOut">
               <a:rPr lang="es-MX" smtClean="0"/>
-              <a:t>18/05/2023</a:t>
+              <a:t>27/10/2023</a:t>
             </a:fld>
             <a:endParaRPr lang="es-MX" dirty="0"/>
           </a:p>
@@ -1978,7 +2222,7 @@
           <a:p>
             <a:fld id="{5E75A0DC-66C6-4CEC-A5EB-F8C97CEC3796}" type="datetimeFigureOut">
               <a:rPr lang="es-MX" smtClean="0"/>
-              <a:t>18/05/2023</a:t>
+              <a:t>27/10/2023</a:t>
             </a:fld>
             <a:endParaRPr lang="es-MX" dirty="0"/>
           </a:p>
@@ -2158,7 +2402,7 @@
           <a:p>
             <a:fld id="{5E75A0DC-66C6-4CEC-A5EB-F8C97CEC3796}" type="datetimeFigureOut">
               <a:rPr lang="es-MX" smtClean="0"/>
-              <a:t>18/05/2023</a:t>
+              <a:t>27/10/2023</a:t>
             </a:fld>
             <a:endParaRPr lang="es-MX" dirty="0"/>
           </a:p>
@@ -2633,7 +2877,7 @@
           <a:p>
             <a:fld id="{5E75A0DC-66C6-4CEC-A5EB-F8C97CEC3796}" type="datetimeFigureOut">
               <a:rPr lang="es-MX" smtClean="0"/>
-              <a:t>18/05/2023</a:t>
+              <a:t>27/10/2023</a:t>
             </a:fld>
             <a:endParaRPr lang="es-MX" dirty="0"/>
           </a:p>
@@ -2879,7 +3123,7 @@
           <a:p>
             <a:fld id="{5E75A0DC-66C6-4CEC-A5EB-F8C97CEC3796}" type="datetimeFigureOut">
               <a:rPr lang="es-MX" smtClean="0"/>
-              <a:t>18/05/2023</a:t>
+              <a:t>27/10/2023</a:t>
             </a:fld>
             <a:endParaRPr lang="es-MX" dirty="0"/>
           </a:p>
@@ -3167,7 +3411,7 @@
           <a:p>
             <a:fld id="{5E75A0DC-66C6-4CEC-A5EB-F8C97CEC3796}" type="datetimeFigureOut">
               <a:rPr lang="es-MX" smtClean="0"/>
-              <a:t>18/05/2023</a:t>
+              <a:t>27/10/2023</a:t>
             </a:fld>
             <a:endParaRPr lang="es-MX" dirty="0"/>
           </a:p>
@@ -3589,7 +3833,7 @@
           <a:p>
             <a:fld id="{5E75A0DC-66C6-4CEC-A5EB-F8C97CEC3796}" type="datetimeFigureOut">
               <a:rPr lang="es-MX" smtClean="0"/>
-              <a:t>18/05/2023</a:t>
+              <a:t>27/10/2023</a:t>
             </a:fld>
             <a:endParaRPr lang="es-MX" dirty="0"/>
           </a:p>
@@ -3707,7 +3951,7 @@
           <a:p>
             <a:fld id="{5E75A0DC-66C6-4CEC-A5EB-F8C97CEC3796}" type="datetimeFigureOut">
               <a:rPr lang="es-MX" smtClean="0"/>
-              <a:t>18/05/2023</a:t>
+              <a:t>27/10/2023</a:t>
             </a:fld>
             <a:endParaRPr lang="es-MX" dirty="0"/>
           </a:p>
@@ -3802,7 +4046,7 @@
           <a:p>
             <a:fld id="{5E75A0DC-66C6-4CEC-A5EB-F8C97CEC3796}" type="datetimeFigureOut">
               <a:rPr lang="es-MX" smtClean="0"/>
-              <a:t>18/05/2023</a:t>
+              <a:t>27/10/2023</a:t>
             </a:fld>
             <a:endParaRPr lang="es-MX" dirty="0"/>
           </a:p>
@@ -4079,7 +4323,7 @@
           <a:p>
             <a:fld id="{5E75A0DC-66C6-4CEC-A5EB-F8C97CEC3796}" type="datetimeFigureOut">
               <a:rPr lang="es-MX" smtClean="0"/>
-              <a:t>18/05/2023</a:t>
+              <a:t>27/10/2023</a:t>
             </a:fld>
             <a:endParaRPr lang="es-MX" dirty="0"/>
           </a:p>
@@ -4332,7 +4576,7 @@
           <a:p>
             <a:fld id="{5E75A0DC-66C6-4CEC-A5EB-F8C97CEC3796}" type="datetimeFigureOut">
               <a:rPr lang="es-MX" smtClean="0"/>
-              <a:t>18/05/2023</a:t>
+              <a:t>27/10/2023</a:t>
             </a:fld>
             <a:endParaRPr lang="es-MX" dirty="0"/>
           </a:p>
@@ -4545,7 +4789,7 @@
           <a:p>
             <a:fld id="{5E75A0DC-66C6-4CEC-A5EB-F8C97CEC3796}" type="datetimeFigureOut">
               <a:rPr lang="es-MX" smtClean="0"/>
-              <a:t>18/05/2023</a:t>
+              <a:t>27/10/2023</a:t>
             </a:fld>
             <a:endParaRPr lang="es-MX" dirty="0"/>
           </a:p>
@@ -5144,6 +5388,1192 @@
         </p:blipFill>
         <p:spPr>
           <a:xfrm>
+            <a:off x="5724378" y="1299294"/>
+            <a:ext cx="3334851" cy="2016223"/>
+          </a:xfrm>
+          <a:prstGeom prst="rect">
+            <a:avLst/>
+          </a:prstGeom>
+        </p:spPr>
+      </p:pic>
+      <p:sp>
+        <p:nvSpPr>
+          <p:cNvPr id="6" name="Rectangle 2">
+            <a:extLst>
+              <a:ext uri="{FF2B5EF4-FFF2-40B4-BE49-F238E27FC236}">
+                <a16:creationId xmlns:a16="http://schemas.microsoft.com/office/drawing/2014/main" id="{C2EE2F51-F651-41B2-9513-9FDF35897CA6}"/>
+              </a:ext>
+            </a:extLst>
+          </p:cNvPr>
+          <p:cNvSpPr txBox="1">
+            <a:spLocks noChangeArrowheads="1"/>
+          </p:cNvSpPr>
+          <p:nvPr/>
+        </p:nvSpPr>
+        <p:spPr>
+          <a:xfrm>
+            <a:off x="89756" y="0"/>
+            <a:ext cx="8730716" cy="1143000"/>
+          </a:xfrm>
+          <a:prstGeom prst="rect">
+            <a:avLst/>
+          </a:prstGeom>
+        </p:spPr>
+        <p:txBody>
+          <a:bodyPr vert="horz" lIns="92075" tIns="46038" rIns="92075" bIns="46038" rtlCol="0" anchor="ctr">
+            <a:noAutofit/>
+          </a:bodyPr>
+          <a:lstStyle>
+            <a:lvl1pPr algn="ctr" defTabSz="914400" rtl="0" eaLnBrk="1" latinLnBrk="0" hangingPunct="1">
+              <a:spcBef>
+                <a:spcPct val="0"/>
+              </a:spcBef>
+              <a:buNone/>
+              <a:defRPr sz="4400" kern="1200">
+                <a:solidFill>
+                  <a:schemeClr val="tx1"/>
+                </a:solidFill>
+                <a:latin typeface="+mj-lt"/>
+                <a:ea typeface="+mj-ea"/>
+                <a:cs typeface="+mj-cs"/>
+              </a:defRPr>
+            </a:lvl1pPr>
+          </a:lstStyle>
+          <a:p>
+            <a:pPr>
+              <a:defRPr/>
+            </a:pPr>
+            <a:r>
+              <a:rPr lang="es-ES_tradnl" sz="3200" dirty="0">
+                <a:solidFill>
+                  <a:srgbClr val="3333CC"/>
+                </a:solidFill>
+                <a:effectLst>
+                  <a:outerShdw blurRad="38100" dist="38100" dir="2700000" algn="tl">
+                    <a:srgbClr val="C0C0C0"/>
+                  </a:outerShdw>
+                </a:effectLst>
+                <a:latin typeface="Dom Casual" charset="0"/>
+              </a:rPr>
+              <a:t> </a:t>
+            </a:r>
+            <a:r>
+              <a:rPr lang="es-ES_tradnl" sz="3200" b="1" dirty="0">
+                <a:solidFill>
+                  <a:schemeClr val="accent4">
+                    <a:lumMod val="50000"/>
+                  </a:schemeClr>
+                </a:solidFill>
+                <a:effectLst>
+                  <a:outerShdw blurRad="38100" dist="38100" dir="2700000" algn="tl">
+                    <a:srgbClr val="C0C0C0"/>
+                  </a:outerShdw>
+                </a:effectLst>
+                <a:latin typeface="Dom Casual" charset="0"/>
+              </a:rPr>
+              <a:t>Tipos de señales </a:t>
+            </a:r>
+            <a:r>
+              <a:rPr lang="es-ES_tradnl" sz="3200" b="1" dirty="0" err="1">
+                <a:solidFill>
+                  <a:schemeClr val="accent4">
+                    <a:lumMod val="50000"/>
+                  </a:schemeClr>
+                </a:solidFill>
+                <a:effectLst>
+                  <a:outerShdw blurRad="38100" dist="38100" dir="2700000" algn="tl">
+                    <a:srgbClr val="C0C0C0"/>
+                  </a:outerShdw>
+                </a:effectLst>
+                <a:latin typeface="Dom Casual" charset="0"/>
+              </a:rPr>
+              <a:t>Wi</a:t>
+            </a:r>
+            <a:r>
+              <a:rPr lang="es-ES_tradnl" sz="3200" b="1" dirty="0">
+                <a:solidFill>
+                  <a:schemeClr val="accent4">
+                    <a:lumMod val="50000"/>
+                  </a:schemeClr>
+                </a:solidFill>
+                <a:effectLst>
+                  <a:outerShdw blurRad="38100" dist="38100" dir="2700000" algn="tl">
+                    <a:srgbClr val="C0C0C0"/>
+                  </a:outerShdw>
+                </a:effectLst>
+                <a:latin typeface="Dom Casual" charset="0"/>
+              </a:rPr>
+              <a:t>-Fi</a:t>
+            </a:r>
+          </a:p>
+        </p:txBody>
+      </p:sp>
+      <p:sp>
+        <p:nvSpPr>
+          <p:cNvPr id="7" name="2 Marcador de contenido">
+            <a:extLst>
+              <a:ext uri="{FF2B5EF4-FFF2-40B4-BE49-F238E27FC236}">
+                <a16:creationId xmlns:a16="http://schemas.microsoft.com/office/drawing/2014/main" id="{81B15081-762F-4B85-82C8-46A3C9FC4613}"/>
+              </a:ext>
+            </a:extLst>
+          </p:cNvPr>
+          <p:cNvSpPr>
+            <a:spLocks noGrp="1"/>
+          </p:cNvSpPr>
+          <p:nvPr>
+            <p:ph idx="1"/>
+          </p:nvPr>
+        </p:nvSpPr>
+        <p:spPr>
+          <a:xfrm>
+            <a:off x="611560" y="1582193"/>
+            <a:ext cx="4896544" cy="782960"/>
+          </a:xfrm>
+        </p:spPr>
+        <p:txBody>
+          <a:bodyPr>
+            <a:noAutofit/>
+          </a:bodyPr>
+          <a:lstStyle/>
+          <a:p>
+            <a:pPr marL="0" indent="0" algn="just">
+              <a:lnSpc>
+                <a:spcPts val="2600"/>
+              </a:lnSpc>
+              <a:spcBef>
+                <a:spcPts val="0"/>
+              </a:spcBef>
+              <a:spcAft>
+                <a:spcPts val="0"/>
+              </a:spcAft>
+              <a:buNone/>
+            </a:pPr>
+            <a:r>
+              <a:rPr lang="es-ES" sz="1600" b="0" i="0" dirty="0">
+                <a:solidFill>
+                  <a:srgbClr val="333333"/>
+                </a:solidFill>
+                <a:effectLst/>
+              </a:rPr>
+              <a:t>Hay </a:t>
+            </a:r>
+            <a:r>
+              <a:rPr lang="es-ES" sz="1600" dirty="0">
+                <a:solidFill>
+                  <a:srgbClr val="333333"/>
+                </a:solidFill>
+              </a:rPr>
+              <a:t>tres</a:t>
+            </a:r>
+            <a:r>
+              <a:rPr lang="es-ES" sz="1600" b="0" i="0" dirty="0">
+                <a:solidFill>
+                  <a:srgbClr val="333333"/>
+                </a:solidFill>
+                <a:effectLst/>
+              </a:rPr>
+              <a:t> tipos de señal </a:t>
+            </a:r>
+            <a:r>
+              <a:rPr lang="es-ES" sz="1600" b="0" i="0" dirty="0" err="1">
+                <a:solidFill>
+                  <a:srgbClr val="333333"/>
+                </a:solidFill>
+                <a:effectLst/>
+              </a:rPr>
+              <a:t>Wi</a:t>
+            </a:r>
+            <a:r>
+              <a:rPr lang="es-ES" sz="1600" b="0" i="0" dirty="0">
+                <a:solidFill>
+                  <a:srgbClr val="333333"/>
+                </a:solidFill>
+                <a:effectLst/>
+              </a:rPr>
+              <a:t>-Fi, basada en las frecuencias que usa:</a:t>
+            </a:r>
+            <a:endParaRPr lang="es-ES" altLang="es-MX" sz="1600" dirty="0"/>
+          </a:p>
+        </p:txBody>
+      </p:sp>
+      <p:sp>
+        <p:nvSpPr>
+          <p:cNvPr id="8" name="2 Marcador de contenido">
+            <a:extLst>
+              <a:ext uri="{FF2B5EF4-FFF2-40B4-BE49-F238E27FC236}">
+                <a16:creationId xmlns:a16="http://schemas.microsoft.com/office/drawing/2014/main" id="{5B9A2CDA-3CF6-4395-BD8D-C8982D44F9AB}"/>
+              </a:ext>
+            </a:extLst>
+          </p:cNvPr>
+          <p:cNvSpPr txBox="1">
+            <a:spLocks/>
+          </p:cNvSpPr>
+          <p:nvPr/>
+        </p:nvSpPr>
+        <p:spPr bwMode="auto">
+          <a:xfrm>
+            <a:off x="595167" y="2508061"/>
+            <a:ext cx="7344816" cy="3050645"/>
+          </a:xfrm>
+          <a:prstGeom prst="rect">
+            <a:avLst/>
+          </a:prstGeom>
+          <a:noFill/>
+          <a:ln>
+            <a:noFill/>
+          </a:ln>
+          <a:extLst>
+            <a:ext uri="{909E8E84-426E-40DD-AFC4-6F175D3DCCD1}">
+              <a14:hiddenFill xmlns:a14="http://schemas.microsoft.com/office/drawing/2010/main">
+                <a:solidFill>
+                  <a:srgbClr val="FFFFFF"/>
+                </a:solidFill>
+              </a14:hiddenFill>
+            </a:ext>
+            <a:ext uri="{91240B29-F687-4F45-9708-019B960494DF}">
+              <a14:hiddenLine xmlns:a14="http://schemas.microsoft.com/office/drawing/2010/main" w="12700">
+                <a:solidFill>
+                  <a:srgbClr val="000000"/>
+                </a:solidFill>
+                <a:miter lim="800000"/>
+                <a:headEnd/>
+                <a:tailEnd/>
+              </a14:hiddenLine>
+            </a:ext>
+          </a:extLst>
+        </p:spPr>
+        <p:txBody>
+          <a:bodyPr vert="horz" wrap="square" lIns="91440" tIns="45720" rIns="182880" bIns="45720" numCol="1" rtlCol="0" anchor="t" anchorCtr="0" compatLnSpc="1">
+            <a:prstTxWarp prst="textNoShape">
+              <a:avLst/>
+            </a:prstTxWarp>
+            <a:noAutofit/>
+          </a:bodyPr>
+          <a:lstStyle>
+            <a:lvl1pPr marL="169863" indent="-169863" algn="l" defTabSz="914400" rtl="0" eaLnBrk="1" latinLnBrk="0" hangingPunct="1">
+              <a:lnSpc>
+                <a:spcPct val="100000"/>
+              </a:lnSpc>
+              <a:spcBef>
+                <a:spcPts val="600"/>
+              </a:spcBef>
+              <a:spcAft>
+                <a:spcPts val="600"/>
+              </a:spcAft>
+              <a:buFont typeface="Wingdings" panose="05000000000000000000" pitchFamily="2" charset="2"/>
+              <a:buChar char="§"/>
+              <a:defRPr sz="3200" kern="1200">
+                <a:solidFill>
+                  <a:srgbClr val="000000"/>
+                </a:solidFill>
+                <a:latin typeface="+mn-lt"/>
+                <a:ea typeface="+mn-ea"/>
+                <a:cs typeface="+mn-cs"/>
+              </a:defRPr>
+            </a:lvl1pPr>
+            <a:lvl2pPr marL="742950" indent="-285750" algn="l" defTabSz="914400" rtl="0" eaLnBrk="1" latinLnBrk="0" hangingPunct="1">
+              <a:lnSpc>
+                <a:spcPct val="100000"/>
+              </a:lnSpc>
+              <a:spcBef>
+                <a:spcPts val="300"/>
+              </a:spcBef>
+              <a:spcAft>
+                <a:spcPts val="300"/>
+              </a:spcAft>
+              <a:buFont typeface="Arial" pitchFamily="34" charset="0"/>
+              <a:buChar char="–"/>
+              <a:defRPr sz="2800" kern="1200">
+                <a:solidFill>
+                  <a:srgbClr val="000000"/>
+                </a:solidFill>
+                <a:latin typeface="+mn-lt"/>
+                <a:ea typeface="+mn-ea"/>
+                <a:cs typeface="+mn-cs"/>
+              </a:defRPr>
+            </a:lvl2pPr>
+            <a:lvl3pPr marL="1143000" indent="-228600" algn="l" defTabSz="914400" rtl="0" eaLnBrk="1" latinLnBrk="0" hangingPunct="1">
+              <a:lnSpc>
+                <a:spcPct val="100000"/>
+              </a:lnSpc>
+              <a:spcBef>
+                <a:spcPts val="300"/>
+              </a:spcBef>
+              <a:spcAft>
+                <a:spcPts val="300"/>
+              </a:spcAft>
+              <a:buFont typeface="Arial" pitchFamily="34" charset="0"/>
+              <a:buChar char="•"/>
+              <a:defRPr sz="2400" kern="1200">
+                <a:solidFill>
+                  <a:srgbClr val="000000"/>
+                </a:solidFill>
+                <a:latin typeface="+mn-lt"/>
+                <a:ea typeface="+mn-ea"/>
+                <a:cs typeface="+mn-cs"/>
+              </a:defRPr>
+            </a:lvl3pPr>
+            <a:lvl4pPr marL="1600200" indent="-228600" algn="l" defTabSz="914400" rtl="0" eaLnBrk="1" latinLnBrk="0" hangingPunct="1">
+              <a:lnSpc>
+                <a:spcPct val="100000"/>
+              </a:lnSpc>
+              <a:spcBef>
+                <a:spcPts val="300"/>
+              </a:spcBef>
+              <a:spcAft>
+                <a:spcPts val="300"/>
+              </a:spcAft>
+              <a:buFont typeface="Arial" pitchFamily="34" charset="0"/>
+              <a:buChar char="–"/>
+              <a:defRPr sz="2000" kern="1200">
+                <a:solidFill>
+                  <a:srgbClr val="000000"/>
+                </a:solidFill>
+                <a:latin typeface="+mn-lt"/>
+                <a:ea typeface="+mn-ea"/>
+                <a:cs typeface="+mn-cs"/>
+              </a:defRPr>
+            </a:lvl4pPr>
+            <a:lvl5pPr marL="2057400" indent="-228600" algn="l" defTabSz="914400" rtl="0" eaLnBrk="1" latinLnBrk="0" hangingPunct="1">
+              <a:spcBef>
+                <a:spcPct val="20000"/>
+              </a:spcBef>
+              <a:buFont typeface="Arial" pitchFamily="34" charset="0"/>
+              <a:buChar char="»"/>
+              <a:defRPr sz="2000" kern="1200">
+                <a:solidFill>
+                  <a:schemeClr val="tx1"/>
+                </a:solidFill>
+                <a:latin typeface="+mn-lt"/>
+                <a:ea typeface="+mn-ea"/>
+                <a:cs typeface="+mn-cs"/>
+              </a:defRPr>
+            </a:lvl5pPr>
+            <a:lvl6pPr marL="2514600" indent="-228600" algn="l" defTabSz="914400" rtl="0" eaLnBrk="1" latinLnBrk="0" hangingPunct="1">
+              <a:spcBef>
+                <a:spcPct val="20000"/>
+              </a:spcBef>
+              <a:buFont typeface="Arial" pitchFamily="34" charset="0"/>
+              <a:buChar char="•"/>
+              <a:defRPr sz="2000" kern="1200">
+                <a:solidFill>
+                  <a:schemeClr val="tx1"/>
+                </a:solidFill>
+                <a:latin typeface="+mn-lt"/>
+                <a:ea typeface="+mn-ea"/>
+                <a:cs typeface="+mn-cs"/>
+              </a:defRPr>
+            </a:lvl6pPr>
+            <a:lvl7pPr marL="2971800" indent="-228600" algn="l" defTabSz="914400" rtl="0" eaLnBrk="1" latinLnBrk="0" hangingPunct="1">
+              <a:spcBef>
+                <a:spcPct val="20000"/>
+              </a:spcBef>
+              <a:buFont typeface="Arial" pitchFamily="34" charset="0"/>
+              <a:buChar char="•"/>
+              <a:defRPr sz="2000" kern="1200">
+                <a:solidFill>
+                  <a:schemeClr val="tx1"/>
+                </a:solidFill>
+                <a:latin typeface="+mn-lt"/>
+                <a:ea typeface="+mn-ea"/>
+                <a:cs typeface="+mn-cs"/>
+              </a:defRPr>
+            </a:lvl7pPr>
+            <a:lvl8pPr marL="3429000" indent="-228600" algn="l" defTabSz="914400" rtl="0" eaLnBrk="1" latinLnBrk="0" hangingPunct="1">
+              <a:spcBef>
+                <a:spcPct val="20000"/>
+              </a:spcBef>
+              <a:buFont typeface="Arial" pitchFamily="34" charset="0"/>
+              <a:buChar char="•"/>
+              <a:defRPr sz="2000" kern="1200">
+                <a:solidFill>
+                  <a:schemeClr val="tx1"/>
+                </a:solidFill>
+                <a:latin typeface="+mn-lt"/>
+                <a:ea typeface="+mn-ea"/>
+                <a:cs typeface="+mn-cs"/>
+              </a:defRPr>
+            </a:lvl8pPr>
+            <a:lvl9pPr marL="3886200" indent="-228600" algn="l" defTabSz="914400" rtl="0" eaLnBrk="1" latinLnBrk="0" hangingPunct="1">
+              <a:spcBef>
+                <a:spcPct val="20000"/>
+              </a:spcBef>
+              <a:buFont typeface="Arial" pitchFamily="34" charset="0"/>
+              <a:buChar char="•"/>
+              <a:defRPr sz="2000" kern="1200">
+                <a:solidFill>
+                  <a:schemeClr val="tx1"/>
+                </a:solidFill>
+                <a:latin typeface="+mn-lt"/>
+                <a:ea typeface="+mn-ea"/>
+                <a:cs typeface="+mn-cs"/>
+              </a:defRPr>
+            </a:lvl9pPr>
+          </a:lstStyle>
+          <a:p>
+            <a:pPr marL="0" indent="0" algn="just">
+              <a:lnSpc>
+                <a:spcPts val="2600"/>
+              </a:lnSpc>
+              <a:spcBef>
+                <a:spcPts val="0"/>
+              </a:spcBef>
+              <a:spcAft>
+                <a:spcPts val="0"/>
+              </a:spcAft>
+              <a:buFont typeface="Wingdings" panose="05000000000000000000" pitchFamily="2" charset="2"/>
+              <a:buNone/>
+            </a:pPr>
+            <a:r>
+              <a:rPr lang="es-ES" sz="1600" b="1" dirty="0">
+                <a:solidFill>
+                  <a:schemeClr val="accent6">
+                    <a:lumMod val="75000"/>
+                  </a:schemeClr>
+                </a:solidFill>
+              </a:rPr>
+              <a:t>6 GHz</a:t>
+            </a:r>
+          </a:p>
+          <a:p>
+            <a:pPr algn="just">
+              <a:buFont typeface="Arial" panose="020B0604020202020204" pitchFamily="34" charset="0"/>
+              <a:buChar char="•"/>
+            </a:pPr>
+            <a:r>
+              <a:rPr lang="es-ES" sz="1600" dirty="0">
+                <a:solidFill>
+                  <a:srgbClr val="333333"/>
+                </a:solidFill>
+              </a:rPr>
+              <a:t>Hace uso de la red de </a:t>
+            </a:r>
+            <a:r>
+              <a:rPr lang="es-ES" sz="1600" b="1" dirty="0">
+                <a:solidFill>
+                  <a:srgbClr val="333333"/>
+                </a:solidFill>
+              </a:rPr>
+              <a:t>2.4 GHz y 5 GHz </a:t>
+            </a:r>
+            <a:r>
+              <a:rPr lang="es-ES" sz="1600" dirty="0">
+                <a:solidFill>
+                  <a:srgbClr val="333333"/>
+                </a:solidFill>
+              </a:rPr>
+              <a:t>a la vez, con ello se aprovecha la cobertura de la red de 2,4 GHz y la velocidad de la red de 5 GHz.</a:t>
+            </a:r>
+          </a:p>
+          <a:p>
+            <a:pPr algn="just">
+              <a:buFont typeface="Arial" panose="020B0604020202020204" pitchFamily="34" charset="0"/>
+              <a:buChar char="•"/>
+            </a:pPr>
+            <a:r>
+              <a:rPr lang="es-ES" sz="1600" b="1" dirty="0">
+                <a:solidFill>
+                  <a:srgbClr val="333333"/>
+                </a:solidFill>
+              </a:rPr>
+              <a:t>Cobertura muy extensa</a:t>
+            </a:r>
+            <a:r>
+              <a:rPr lang="es-ES" sz="1600" dirty="0">
+                <a:solidFill>
+                  <a:srgbClr val="333333"/>
+                </a:solidFill>
+              </a:rPr>
+              <a:t>.</a:t>
+            </a:r>
+          </a:p>
+          <a:p>
+            <a:pPr algn="just">
+              <a:buFont typeface="Arial" panose="020B0604020202020204" pitchFamily="34" charset="0"/>
+              <a:buChar char="•"/>
+            </a:pPr>
+            <a:r>
+              <a:rPr lang="es-ES" sz="1600" b="1" dirty="0">
+                <a:solidFill>
+                  <a:srgbClr val="333333"/>
+                </a:solidFill>
+              </a:rPr>
+              <a:t>Velocidad muy alta 2 Gbps </a:t>
+            </a:r>
+          </a:p>
+          <a:p>
+            <a:pPr algn="just">
+              <a:buFont typeface="Arial" panose="020B0604020202020204" pitchFamily="34" charset="0"/>
+              <a:buChar char="•"/>
+            </a:pPr>
+            <a:r>
+              <a:rPr lang="es-ES" sz="1600" dirty="0">
+                <a:solidFill>
+                  <a:srgbClr val="333333"/>
+                </a:solidFill>
+              </a:rPr>
+              <a:t>Se usa en </a:t>
+            </a:r>
+            <a:r>
+              <a:rPr lang="es-ES" sz="1600" b="1" dirty="0">
+                <a:solidFill>
+                  <a:srgbClr val="333333"/>
+                </a:solidFill>
+              </a:rPr>
+              <a:t>menos dispositivos</a:t>
+            </a:r>
+            <a:r>
+              <a:rPr lang="es-ES" sz="1600" dirty="0">
+                <a:solidFill>
+                  <a:srgbClr val="333333"/>
+                </a:solidFill>
+              </a:rPr>
+              <a:t> (Exclusiva para dispositivos nuevos)</a:t>
+            </a:r>
+          </a:p>
+          <a:p>
+            <a:pPr algn="just">
+              <a:buFont typeface="Arial" panose="020B0604020202020204" pitchFamily="34" charset="0"/>
+              <a:buChar char="•"/>
+            </a:pPr>
+            <a:r>
+              <a:rPr lang="es-ES" altLang="es-MX" sz="1600" b="1" dirty="0">
+                <a:solidFill>
+                  <a:srgbClr val="333333"/>
+                </a:solidFill>
+              </a:rPr>
+              <a:t>Menos interferencias.</a:t>
+            </a:r>
+          </a:p>
+          <a:p>
+            <a:pPr algn="just">
+              <a:buFont typeface="Arial" panose="020B0604020202020204" pitchFamily="34" charset="0"/>
+              <a:buChar char="•"/>
+            </a:pPr>
+            <a:r>
+              <a:rPr lang="es-ES" sz="1600" dirty="0">
+                <a:solidFill>
+                  <a:srgbClr val="333333"/>
+                </a:solidFill>
+              </a:rPr>
+              <a:t>Tiene </a:t>
+            </a:r>
+            <a:r>
+              <a:rPr lang="es-ES" sz="1600" b="1" dirty="0">
+                <a:solidFill>
+                  <a:srgbClr val="333333"/>
+                </a:solidFill>
+              </a:rPr>
+              <a:t>7 canales </a:t>
+            </a:r>
+            <a:r>
+              <a:rPr lang="es-ES" sz="1600" dirty="0">
+                <a:solidFill>
+                  <a:srgbClr val="333333"/>
+                </a:solidFill>
+              </a:rPr>
+              <a:t>de </a:t>
+            </a:r>
+            <a:r>
+              <a:rPr lang="es-ES" sz="1600" b="1" dirty="0">
+                <a:solidFill>
+                  <a:srgbClr val="333333"/>
+                </a:solidFill>
+              </a:rPr>
+              <a:t>160 MHz</a:t>
+            </a:r>
+            <a:r>
+              <a:rPr lang="es-ES" sz="1600" dirty="0">
+                <a:solidFill>
+                  <a:srgbClr val="333333"/>
+                </a:solidFill>
+              </a:rPr>
+              <a:t>.</a:t>
+            </a:r>
+            <a:endParaRPr lang="es-ES" sz="1400" dirty="0">
+              <a:solidFill>
+                <a:srgbClr val="333333"/>
+              </a:solidFill>
+            </a:endParaRPr>
+          </a:p>
+          <a:p>
+            <a:pPr algn="just">
+              <a:buFont typeface="Arial" panose="020B0604020202020204" pitchFamily="34" charset="0"/>
+              <a:buChar char="•"/>
+            </a:pPr>
+            <a:endParaRPr lang="es-ES" altLang="es-MX" sz="1600" b="1" dirty="0">
+              <a:solidFill>
+                <a:srgbClr val="333333"/>
+              </a:solidFill>
+            </a:endParaRPr>
+          </a:p>
+          <a:p>
+            <a:pPr algn="just">
+              <a:buFont typeface="Arial" panose="020B0604020202020204" pitchFamily="34" charset="0"/>
+              <a:buChar char="•"/>
+            </a:pPr>
+            <a:endParaRPr lang="es-ES" altLang="es-MX" sz="1600" b="1" dirty="0">
+              <a:solidFill>
+                <a:srgbClr val="333333"/>
+              </a:solidFill>
+            </a:endParaRPr>
+          </a:p>
+        </p:txBody>
+      </p:sp>
+      <p:sp>
+        <p:nvSpPr>
+          <p:cNvPr id="10" name="CuadroTexto 9">
+            <a:extLst>
+              <a:ext uri="{FF2B5EF4-FFF2-40B4-BE49-F238E27FC236}">
+                <a16:creationId xmlns:a16="http://schemas.microsoft.com/office/drawing/2014/main" id="{C3288C47-EED4-E590-56B9-46297F64CFD4}"/>
+              </a:ext>
+            </a:extLst>
+          </p:cNvPr>
+          <p:cNvSpPr txBox="1"/>
+          <p:nvPr/>
+        </p:nvSpPr>
+        <p:spPr>
+          <a:xfrm>
+            <a:off x="3927606" y="5157192"/>
+            <a:ext cx="4572000" cy="1477328"/>
+          </a:xfrm>
+          <a:prstGeom prst="rect">
+            <a:avLst/>
+          </a:prstGeom>
+          <a:noFill/>
+        </p:spPr>
+        <p:txBody>
+          <a:bodyPr wrap="square">
+            <a:spAutoFit/>
+          </a:bodyPr>
+          <a:lstStyle/>
+          <a:p>
+            <a:r>
+              <a:rPr lang="es-ES" b="0" i="0" dirty="0">
+                <a:solidFill>
+                  <a:srgbClr val="262626"/>
+                </a:solidFill>
+                <a:effectLst/>
+                <a:latin typeface="intel-clear"/>
+              </a:rPr>
+              <a:t>1 hercio (Hz) representa una repetición de patrón de onda por segundo y 1 </a:t>
+            </a:r>
+            <a:r>
+              <a:rPr lang="es-ES" b="0" i="0" dirty="0" err="1">
+                <a:solidFill>
+                  <a:srgbClr val="262626"/>
+                </a:solidFill>
+                <a:effectLst/>
+                <a:latin typeface="intel-clear"/>
+              </a:rPr>
+              <a:t>gigahertcio</a:t>
+            </a:r>
+            <a:r>
+              <a:rPr lang="es-ES" b="0" i="0" dirty="0">
+                <a:solidFill>
+                  <a:srgbClr val="262626"/>
+                </a:solidFill>
+                <a:effectLst/>
+                <a:latin typeface="intel-clear"/>
+              </a:rPr>
+              <a:t> (GHz) representa mil millones de repeticiones por segundo, por lo que se pueden transmitir más datos.</a:t>
+            </a:r>
+            <a:endParaRPr lang="es-MX" dirty="0"/>
+          </a:p>
+        </p:txBody>
+      </p:sp>
+    </p:spTree>
+    <p:extLst>
+      <p:ext uri="{BB962C8B-B14F-4D97-AF65-F5344CB8AC3E}">
+        <p14:creationId xmlns:p14="http://schemas.microsoft.com/office/powerpoint/2010/main" val="2925606516"/>
+      </p:ext>
+    </p:extLst>
+  </p:cSld>
+  <p:clrMapOvr>
+    <a:masterClrMapping/>
+  </p:clrMapOvr>
+  <p:transition spd="slow">
+    <p:wipe/>
+  </p:transition>
+  <p:timing>
+    <p:tnLst>
+      <p:par>
+        <p:cTn id="1" dur="indefinite" restart="never" nodeType="tmRoot">
+          <p:childTnLst>
+            <p:seq concurrent="1" nextAc="seek">
+              <p:cTn id="2" dur="indefinite" nodeType="mainSeq">
+                <p:childTnLst>
+                  <p:par>
+                    <p:cTn id="3" fill="hold">
+                      <p:stCondLst>
+                        <p:cond delay="indefinite"/>
+                      </p:stCondLst>
+                      <p:childTnLst>
+                        <p:par>
+                          <p:cTn id="4" fill="hold">
+                            <p:stCondLst>
+                              <p:cond delay="0"/>
+                            </p:stCondLst>
+                            <p:childTnLst>
+                              <p:par>
+                                <p:cTn id="5" presetID="1" presetClass="entr" presetSubtype="0" fill="hold" grpId="0" nodeType="clickEffect">
+                                  <p:stCondLst>
+                                    <p:cond delay="0"/>
+                                  </p:stCondLst>
+                                  <p:childTnLst>
+                                    <p:set>
+                                      <p:cBhvr>
+                                        <p:cTn id="6" dur="1" fill="hold">
+                                          <p:stCondLst>
+                                            <p:cond delay="0"/>
+                                          </p:stCondLst>
+                                        </p:cTn>
+                                        <p:tgtEl>
+                                          <p:spTgt spid="7">
+                                            <p:txEl>
+                                              <p:pRg st="0" end="0"/>
+                                            </p:txEl>
+                                          </p:spTgt>
+                                        </p:tgtEl>
+                                        <p:attrNameLst>
+                                          <p:attrName>style.visibility</p:attrName>
+                                        </p:attrNameLst>
+                                      </p:cBhvr>
+                                      <p:to>
+                                        <p:strVal val="visible"/>
+                                      </p:to>
+                                    </p:set>
+                                  </p:childTnLst>
+                                </p:cTn>
+                              </p:par>
+                            </p:childTnLst>
+                          </p:cTn>
+                        </p:par>
+                      </p:childTnLst>
+                    </p:cTn>
+                  </p:par>
+                  <p:par>
+                    <p:cTn id="7" fill="hold">
+                      <p:stCondLst>
+                        <p:cond delay="indefinite"/>
+                      </p:stCondLst>
+                      <p:childTnLst>
+                        <p:par>
+                          <p:cTn id="8" fill="hold">
+                            <p:stCondLst>
+                              <p:cond delay="0"/>
+                            </p:stCondLst>
+                            <p:childTnLst>
+                              <p:par>
+                                <p:cTn id="9" presetID="1" presetClass="entr" presetSubtype="0" fill="hold" grpId="0" nodeType="clickEffect">
+                                  <p:stCondLst>
+                                    <p:cond delay="0"/>
+                                  </p:stCondLst>
+                                  <p:childTnLst>
+                                    <p:set>
+                                      <p:cBhvr>
+                                        <p:cTn id="10" dur="1" fill="hold">
+                                          <p:stCondLst>
+                                            <p:cond delay="0"/>
+                                          </p:stCondLst>
+                                        </p:cTn>
+                                        <p:tgtEl>
+                                          <p:spTgt spid="8"/>
+                                        </p:tgtEl>
+                                        <p:attrNameLst>
+                                          <p:attrName>style.visibility</p:attrName>
+                                        </p:attrNameLst>
+                                      </p:cBhvr>
+                                      <p:to>
+                                        <p:strVal val="visible"/>
+                                      </p:to>
+                                    </p:set>
+                                  </p:childTnLst>
+                                </p:cTn>
+                              </p:par>
+                            </p:childTnLst>
+                          </p:cTn>
+                        </p:par>
+                      </p:childTnLst>
+                    </p:cTn>
+                  </p:par>
+                </p:childTnLst>
+              </p:cTn>
+              <p:prevCondLst>
+                <p:cond evt="onPrev" delay="0">
+                  <p:tgtEl>
+                    <p:sldTgt/>
+                  </p:tgtEl>
+                </p:cond>
+              </p:prevCondLst>
+              <p:nextCondLst>
+                <p:cond evt="onNext" delay="0">
+                  <p:tgtEl>
+                    <p:sldTgt/>
+                  </p:tgtEl>
+                </p:cond>
+              </p:nextCondLst>
+            </p:seq>
+          </p:childTnLst>
+        </p:cTn>
+      </p:par>
+    </p:tnLst>
+    <p:bldLst>
+      <p:bldP spid="7" grpId="0" build="p"/>
+      <p:bldP spid="8" grpId="0"/>
+    </p:bldLst>
+  </p:timing>
+</p:sld>
+</file>
+
+<file path=ppt/slides/slide11.xml><?xml version="1.0" encoding="utf-8"?>
+<p:sld xmlns:a="http://schemas.openxmlformats.org/drawingml/2006/main" xmlns:r="http://schemas.openxmlformats.org/officeDocument/2006/relationships" xmlns:p="http://schemas.openxmlformats.org/presentationml/2006/main">
+  <p:cSld>
+    <p:spTree>
+      <p:nvGrpSpPr>
+        <p:cNvPr id="1" name=""/>
+        <p:cNvGrpSpPr/>
+        <p:nvPr/>
+      </p:nvGrpSpPr>
+      <p:grpSpPr>
+        <a:xfrm>
+          <a:off x="0" y="0"/>
+          <a:ext cx="0" cy="0"/>
+          <a:chOff x="0" y="0"/>
+          <a:chExt cx="0" cy="0"/>
+        </a:xfrm>
+      </p:grpSpPr>
+      <p:sp>
+        <p:nvSpPr>
+          <p:cNvPr id="6" name="Rectangle 2">
+            <a:extLst>
+              <a:ext uri="{FF2B5EF4-FFF2-40B4-BE49-F238E27FC236}">
+                <a16:creationId xmlns:a16="http://schemas.microsoft.com/office/drawing/2014/main" id="{C2EE2F51-F651-41B2-9513-9FDF35897CA6}"/>
+              </a:ext>
+            </a:extLst>
+          </p:cNvPr>
+          <p:cNvSpPr txBox="1">
+            <a:spLocks noChangeArrowheads="1"/>
+          </p:cNvSpPr>
+          <p:nvPr/>
+        </p:nvSpPr>
+        <p:spPr>
+          <a:xfrm>
+            <a:off x="89756" y="0"/>
+            <a:ext cx="8730716" cy="1143000"/>
+          </a:xfrm>
+          <a:prstGeom prst="rect">
+            <a:avLst/>
+          </a:prstGeom>
+        </p:spPr>
+        <p:txBody>
+          <a:bodyPr vert="horz" lIns="92075" tIns="46038" rIns="92075" bIns="46038" rtlCol="0" anchor="ctr">
+            <a:noAutofit/>
+          </a:bodyPr>
+          <a:lstStyle>
+            <a:lvl1pPr algn="ctr" defTabSz="914400" rtl="0" eaLnBrk="1" latinLnBrk="0" hangingPunct="1">
+              <a:spcBef>
+                <a:spcPct val="0"/>
+              </a:spcBef>
+              <a:buNone/>
+              <a:defRPr sz="4400" kern="1200">
+                <a:solidFill>
+                  <a:schemeClr val="tx1"/>
+                </a:solidFill>
+                <a:latin typeface="+mj-lt"/>
+                <a:ea typeface="+mj-ea"/>
+                <a:cs typeface="+mj-cs"/>
+              </a:defRPr>
+            </a:lvl1pPr>
+          </a:lstStyle>
+          <a:p>
+            <a:pPr>
+              <a:defRPr/>
+            </a:pPr>
+            <a:r>
+              <a:rPr lang="es-ES_tradnl" sz="3200" dirty="0">
+                <a:solidFill>
+                  <a:srgbClr val="3333CC"/>
+                </a:solidFill>
+                <a:effectLst>
+                  <a:outerShdw blurRad="38100" dist="38100" dir="2700000" algn="tl">
+                    <a:srgbClr val="C0C0C0"/>
+                  </a:outerShdw>
+                </a:effectLst>
+                <a:latin typeface="Dom Casual" charset="0"/>
+              </a:rPr>
+              <a:t> </a:t>
+            </a:r>
+            <a:r>
+              <a:rPr lang="es-ES_tradnl" sz="3200" b="1" dirty="0">
+                <a:solidFill>
+                  <a:schemeClr val="accent4">
+                    <a:lumMod val="50000"/>
+                  </a:schemeClr>
+                </a:solidFill>
+                <a:effectLst>
+                  <a:outerShdw blurRad="38100" dist="38100" dir="2700000" algn="tl">
+                    <a:srgbClr val="C0C0C0"/>
+                  </a:outerShdw>
+                </a:effectLst>
+                <a:latin typeface="Dom Casual" charset="0"/>
+              </a:rPr>
+              <a:t>Tipos de señales </a:t>
+            </a:r>
+            <a:r>
+              <a:rPr lang="es-ES_tradnl" sz="3200" b="1" dirty="0" err="1">
+                <a:solidFill>
+                  <a:schemeClr val="accent4">
+                    <a:lumMod val="50000"/>
+                  </a:schemeClr>
+                </a:solidFill>
+                <a:effectLst>
+                  <a:outerShdw blurRad="38100" dist="38100" dir="2700000" algn="tl">
+                    <a:srgbClr val="C0C0C0"/>
+                  </a:outerShdw>
+                </a:effectLst>
+                <a:latin typeface="Dom Casual" charset="0"/>
+              </a:rPr>
+              <a:t>Wi</a:t>
+            </a:r>
+            <a:r>
+              <a:rPr lang="es-ES_tradnl" sz="3200" b="1" dirty="0">
+                <a:solidFill>
+                  <a:schemeClr val="accent4">
+                    <a:lumMod val="50000"/>
+                  </a:schemeClr>
+                </a:solidFill>
+                <a:effectLst>
+                  <a:outerShdw blurRad="38100" dist="38100" dir="2700000" algn="tl">
+                    <a:srgbClr val="C0C0C0"/>
+                  </a:outerShdw>
+                </a:effectLst>
+                <a:latin typeface="Dom Casual" charset="0"/>
+              </a:rPr>
+              <a:t>-Fi</a:t>
+            </a:r>
+          </a:p>
+        </p:txBody>
+      </p:sp>
+      <p:sp>
+        <p:nvSpPr>
+          <p:cNvPr id="7" name="2 Marcador de contenido">
+            <a:extLst>
+              <a:ext uri="{FF2B5EF4-FFF2-40B4-BE49-F238E27FC236}">
+                <a16:creationId xmlns:a16="http://schemas.microsoft.com/office/drawing/2014/main" id="{81B15081-762F-4B85-82C8-46A3C9FC4613}"/>
+              </a:ext>
+            </a:extLst>
+          </p:cNvPr>
+          <p:cNvSpPr>
+            <a:spLocks noGrp="1"/>
+          </p:cNvSpPr>
+          <p:nvPr>
+            <p:ph idx="1"/>
+          </p:nvPr>
+        </p:nvSpPr>
+        <p:spPr>
+          <a:xfrm>
+            <a:off x="395536" y="1484784"/>
+            <a:ext cx="8568952" cy="504056"/>
+          </a:xfrm>
+        </p:spPr>
+        <p:txBody>
+          <a:bodyPr>
+            <a:noAutofit/>
+          </a:bodyPr>
+          <a:lstStyle/>
+          <a:p>
+            <a:pPr marL="0" indent="0" algn="just">
+              <a:lnSpc>
+                <a:spcPts val="2600"/>
+              </a:lnSpc>
+              <a:spcBef>
+                <a:spcPts val="0"/>
+              </a:spcBef>
+              <a:spcAft>
+                <a:spcPts val="0"/>
+              </a:spcAft>
+              <a:buNone/>
+            </a:pPr>
+            <a:r>
+              <a:rPr lang="es-ES" sz="1600" dirty="0">
+                <a:solidFill>
+                  <a:srgbClr val="333333"/>
+                </a:solidFill>
+              </a:rPr>
+              <a:t>Cómo están distribuidas las bandas entre las frecuencias y cuantos canales tenemos en cada banda:</a:t>
+            </a:r>
+            <a:endParaRPr lang="es-ES" altLang="es-MX" sz="1600" dirty="0"/>
+          </a:p>
+        </p:txBody>
+      </p:sp>
+      <p:pic>
+        <p:nvPicPr>
+          <p:cNvPr id="3" name="Imagen 2">
+            <a:extLst>
+              <a:ext uri="{FF2B5EF4-FFF2-40B4-BE49-F238E27FC236}">
+                <a16:creationId xmlns:a16="http://schemas.microsoft.com/office/drawing/2014/main" id="{11A79675-A121-BAA8-146F-829D2C009FE7}"/>
+              </a:ext>
+            </a:extLst>
+          </p:cNvPr>
+          <p:cNvPicPr>
+            <a:picLocks noChangeAspect="1"/>
+          </p:cNvPicPr>
+          <p:nvPr/>
+        </p:nvPicPr>
+        <p:blipFill>
+          <a:blip r:embed="rId3"/>
+          <a:stretch>
+            <a:fillRect/>
+          </a:stretch>
+        </p:blipFill>
+        <p:spPr>
+          <a:xfrm>
+            <a:off x="395536" y="2140081"/>
+            <a:ext cx="8244408" cy="3194708"/>
+          </a:xfrm>
+          <a:prstGeom prst="rect">
+            <a:avLst/>
+          </a:prstGeom>
+        </p:spPr>
+      </p:pic>
+    </p:spTree>
+    <p:extLst>
+      <p:ext uri="{BB962C8B-B14F-4D97-AF65-F5344CB8AC3E}">
+        <p14:creationId xmlns:p14="http://schemas.microsoft.com/office/powerpoint/2010/main" val="617828454"/>
+      </p:ext>
+    </p:extLst>
+  </p:cSld>
+  <p:clrMapOvr>
+    <a:masterClrMapping/>
+  </p:clrMapOvr>
+  <p:transition spd="slow">
+    <p:wipe/>
+  </p:transition>
+  <p:timing>
+    <p:tnLst>
+      <p:par>
+        <p:cTn id="1" dur="indefinite" restart="never" nodeType="tmRoot">
+          <p:childTnLst>
+            <p:seq concurrent="1" nextAc="seek">
+              <p:cTn id="2" dur="indefinite" nodeType="mainSeq">
+                <p:childTnLst>
+                  <p:par>
+                    <p:cTn id="3" fill="hold">
+                      <p:stCondLst>
+                        <p:cond delay="indefinite"/>
+                      </p:stCondLst>
+                      <p:childTnLst>
+                        <p:par>
+                          <p:cTn id="4" fill="hold">
+                            <p:stCondLst>
+                              <p:cond delay="0"/>
+                            </p:stCondLst>
+                            <p:childTnLst>
+                              <p:par>
+                                <p:cTn id="5" presetID="1" presetClass="entr" presetSubtype="0" fill="hold" grpId="0" nodeType="clickEffect">
+                                  <p:stCondLst>
+                                    <p:cond delay="0"/>
+                                  </p:stCondLst>
+                                  <p:childTnLst>
+                                    <p:set>
+                                      <p:cBhvr>
+                                        <p:cTn id="6" dur="1" fill="hold">
+                                          <p:stCondLst>
+                                            <p:cond delay="0"/>
+                                          </p:stCondLst>
+                                        </p:cTn>
+                                        <p:tgtEl>
+                                          <p:spTgt spid="7">
+                                            <p:txEl>
+                                              <p:pRg st="0" end="0"/>
+                                            </p:txEl>
+                                          </p:spTgt>
+                                        </p:tgtEl>
+                                        <p:attrNameLst>
+                                          <p:attrName>style.visibility</p:attrName>
+                                        </p:attrNameLst>
+                                      </p:cBhvr>
+                                      <p:to>
+                                        <p:strVal val="visible"/>
+                                      </p:to>
+                                    </p:set>
+                                  </p:childTnLst>
+                                </p:cTn>
+                              </p:par>
+                            </p:childTnLst>
+                          </p:cTn>
+                        </p:par>
+                      </p:childTnLst>
+                    </p:cTn>
+                  </p:par>
+                </p:childTnLst>
+              </p:cTn>
+              <p:prevCondLst>
+                <p:cond evt="onPrev" delay="0">
+                  <p:tgtEl>
+                    <p:sldTgt/>
+                  </p:tgtEl>
+                </p:cond>
+              </p:prevCondLst>
+              <p:nextCondLst>
+                <p:cond evt="onNext" delay="0">
+                  <p:tgtEl>
+                    <p:sldTgt/>
+                  </p:tgtEl>
+                </p:cond>
+              </p:nextCondLst>
+            </p:seq>
+          </p:childTnLst>
+        </p:cTn>
+      </p:par>
+    </p:tnLst>
+    <p:bldLst>
+      <p:bldP spid="7" grpId="0" build="p"/>
+    </p:bldLst>
+  </p:timing>
+</p:sld>
+</file>
+
+<file path=ppt/slides/slide12.xml><?xml version="1.0" encoding="utf-8"?>
+<p:sld xmlns:a="http://schemas.openxmlformats.org/drawingml/2006/main" xmlns:r="http://schemas.openxmlformats.org/officeDocument/2006/relationships" xmlns:p="http://schemas.openxmlformats.org/presentationml/2006/main">
+  <p:cSld>
+    <p:spTree>
+      <p:nvGrpSpPr>
+        <p:cNvPr id="1" name=""/>
+        <p:cNvGrpSpPr/>
+        <p:nvPr/>
+      </p:nvGrpSpPr>
+      <p:grpSpPr>
+        <a:xfrm>
+          <a:off x="0" y="0"/>
+          <a:ext cx="0" cy="0"/>
+          <a:chOff x="0" y="0"/>
+          <a:chExt cx="0" cy="0"/>
+        </a:xfrm>
+      </p:grpSpPr>
+      <p:pic>
+        <p:nvPicPr>
+          <p:cNvPr id="4" name="Imagen 3">
+            <a:extLst>
+              <a:ext uri="{FF2B5EF4-FFF2-40B4-BE49-F238E27FC236}">
+                <a16:creationId xmlns:a16="http://schemas.microsoft.com/office/drawing/2014/main" id="{2CB525E1-F85E-43E1-96BC-90FD85587CA5}"/>
+              </a:ext>
+            </a:extLst>
+          </p:cNvPr>
+          <p:cNvPicPr>
+            <a:picLocks noChangeAspect="1"/>
+          </p:cNvPicPr>
+          <p:nvPr/>
+        </p:nvPicPr>
+        <p:blipFill>
+          <a:blip r:embed="rId3"/>
+          <a:stretch>
+            <a:fillRect/>
+          </a:stretch>
+        </p:blipFill>
+        <p:spPr>
+          <a:xfrm>
             <a:off x="4716016" y="4005064"/>
             <a:ext cx="3334851" cy="2016223"/>
           </a:xfrm>
@@ -5560,7 +6990,7 @@
 </p:sld>
 </file>
 
-<file path=ppt/slides/slide11.xml><?xml version="1.0" encoding="utf-8"?>
+<file path=ppt/slides/slide13.xml><?xml version="1.0" encoding="utf-8"?>
 <p:sld xmlns:a="http://schemas.openxmlformats.org/drawingml/2006/main" xmlns:r="http://schemas.openxmlformats.org/officeDocument/2006/relationships" xmlns:p="http://schemas.openxmlformats.org/presentationml/2006/main">
   <p:cSld>
     <p:spTree>
@@ -6028,7 +7458,7 @@
 </p:sld>
 </file>
 
-<file path=ppt/slides/slide12.xml><?xml version="1.0" encoding="utf-8"?>
+<file path=ppt/slides/slide14.xml><?xml version="1.0" encoding="utf-8"?>
 <p:sld xmlns:a="http://schemas.openxmlformats.org/drawingml/2006/main" xmlns:r="http://schemas.openxmlformats.org/officeDocument/2006/relationships" xmlns:p="http://schemas.openxmlformats.org/presentationml/2006/main">
   <p:cSld>
     <p:spTree>
@@ -6904,7 +8334,7 @@
 </p:sld>
 </file>
 
-<file path=ppt/slides/slide13.xml><?xml version="1.0" encoding="utf-8"?>
+<file path=ppt/slides/slide15.xml><?xml version="1.0" encoding="utf-8"?>
 <p:sld xmlns:a="http://schemas.openxmlformats.org/drawingml/2006/main" xmlns:r="http://schemas.openxmlformats.org/officeDocument/2006/relationships" xmlns:p="http://schemas.openxmlformats.org/presentationml/2006/main">
   <p:cSld>
     <p:spTree>
@@ -9105,7 +10535,7 @@
 </p:sld>
 </file>
 
-<file path=ppt/slides/slide14.xml><?xml version="1.0" encoding="utf-8"?>
+<file path=ppt/slides/slide16.xml><?xml version="1.0" encoding="utf-8"?>
 <p:sld xmlns:a="http://schemas.openxmlformats.org/drawingml/2006/main" xmlns:r="http://schemas.openxmlformats.org/officeDocument/2006/relationships" xmlns:p="http://schemas.openxmlformats.org/presentationml/2006/main">
   <p:cSld>
     <p:spTree>
@@ -10349,7 +11779,7 @@
 </p:sld>
 </file>
 
-<file path=ppt/slides/slide15.xml><?xml version="1.0" encoding="utf-8"?>
+<file path=ppt/slides/slide17.xml><?xml version="1.0" encoding="utf-8"?>
 <p:sld xmlns:a="http://schemas.openxmlformats.org/drawingml/2006/main" xmlns:r="http://schemas.openxmlformats.org/officeDocument/2006/relationships" xmlns:p="http://schemas.openxmlformats.org/presentationml/2006/main">
   <p:cSld>
     <p:spTree>
@@ -11382,7 +12812,7 @@
 </p:sld>
 </file>
 
-<file path=ppt/slides/slide16.xml><?xml version="1.0" encoding="utf-8"?>
+<file path=ppt/slides/slide18.xml><?xml version="1.0" encoding="utf-8"?>
 <p:sld xmlns:a="http://schemas.openxmlformats.org/drawingml/2006/main" xmlns:r="http://schemas.openxmlformats.org/officeDocument/2006/relationships" xmlns:p="http://schemas.openxmlformats.org/presentationml/2006/main">
   <p:cSld>
     <p:spTree>
@@ -12128,7 +13558,7 @@
 </p:sld>
 </file>
 
-<file path=ppt/slides/slide17.xml><?xml version="1.0" encoding="utf-8"?>
+<file path=ppt/slides/slide19.xml><?xml version="1.0" encoding="utf-8"?>
 <p:sld xmlns:a="http://schemas.openxmlformats.org/drawingml/2006/main" xmlns:r="http://schemas.openxmlformats.org/officeDocument/2006/relationships" xmlns:p="http://schemas.openxmlformats.org/presentationml/2006/main">
   <p:cSld>
     <p:spTree>
@@ -17578,7 +19008,24 @@
                 </a:solidFill>
                 <a:effectLst/>
               </a:rPr>
-              <a:t>Hay dos tipos de señal </a:t>
+              <a:t>Hay </a:t>
+            </a:r>
+            <a:r>
+              <a:rPr lang="es-ES" sz="1600" dirty="0">
+                <a:solidFill>
+                  <a:srgbClr val="333333"/>
+                </a:solidFill>
+              </a:rPr>
+              <a:t>tres</a:t>
+            </a:r>
+            <a:r>
+              <a:rPr lang="es-ES" sz="1600" b="0" i="0" dirty="0">
+                <a:solidFill>
+                  <a:srgbClr val="333333"/>
+                </a:solidFill>
+                <a:effectLst/>
+              </a:rPr>
+              <a:t> tipos de señal </a:t>
             </a:r>
             <a:r>
               <a:rPr lang="es-ES" sz="1600" b="0" i="0" dirty="0" err="1">
@@ -17618,8 +19065,8 @@
         </p:nvSpPr>
         <p:spPr bwMode="auto">
           <a:xfrm>
-            <a:off x="539552" y="2564904"/>
-            <a:ext cx="3915562" cy="3384376"/>
+            <a:off x="491114" y="2349692"/>
+            <a:ext cx="3915562" cy="4103643"/>
           </a:xfrm>
           <a:prstGeom prst="rect">
             <a:avLst/>
@@ -17914,7 +19361,7 @@
             </a:r>
             <a:r>
               <a:rPr lang="es-ES" sz="1600" b="1" dirty="0"/>
-              <a:t>velocidad baja </a:t>
+              <a:t>velocidad es baja 100 Mbps </a:t>
             </a:r>
             <a:r>
               <a:rPr lang="es-ES" sz="1400" dirty="0"/>
@@ -17960,6 +19407,52 @@
                 </a:solidFill>
               </a:rPr>
               <a:t>Más interferencias</a:t>
+            </a:r>
+            <a:r>
+              <a:rPr lang="es-ES" sz="1600" dirty="0">
+                <a:solidFill>
+                  <a:srgbClr val="333333"/>
+                </a:solidFill>
+              </a:rPr>
+              <a:t>.</a:t>
+            </a:r>
+          </a:p>
+          <a:p>
+            <a:pPr>
+              <a:buFont typeface="Arial" panose="020B0604020202020204" pitchFamily="34" charset="0"/>
+              <a:buChar char="•"/>
+            </a:pPr>
+            <a:r>
+              <a:rPr lang="es-ES" sz="1600" dirty="0">
+                <a:solidFill>
+                  <a:srgbClr val="333333"/>
+                </a:solidFill>
+              </a:rPr>
+              <a:t>Limitado a </a:t>
+            </a:r>
+            <a:r>
+              <a:rPr lang="es-ES" sz="1600" b="1" dirty="0">
+                <a:solidFill>
+                  <a:srgbClr val="333333"/>
+                </a:solidFill>
+              </a:rPr>
+              <a:t>3 canales </a:t>
+            </a:r>
+            <a:r>
+              <a:rPr lang="es-ES" sz="1600" dirty="0">
+                <a:solidFill>
+                  <a:srgbClr val="333333"/>
+                </a:solidFill>
+              </a:rPr>
+              <a:t>de </a:t>
+            </a:r>
+            <a:r>
+              <a:rPr lang="es-ES" sz="1600" b="1" dirty="0">
+                <a:solidFill>
+                  <a:srgbClr val="333333"/>
+                </a:solidFill>
+              </a:rPr>
+              <a:t>20 MHz</a:t>
             </a:r>
             <a:r>
               <a:rPr lang="es-ES" sz="1600" dirty="0">
@@ -17993,8 +19486,8 @@
         </p:nvSpPr>
         <p:spPr bwMode="auto">
           <a:xfrm>
-            <a:off x="4410236" y="2564904"/>
-            <a:ext cx="4005318" cy="3528392"/>
+            <a:off x="4410236" y="2564903"/>
+            <a:ext cx="4122204" cy="3888431"/>
           </a:xfrm>
           <a:prstGeom prst="rect">
             <a:avLst/>
@@ -18293,7 +19786,7 @@
                   <a:srgbClr val="333333"/>
                 </a:solidFill>
               </a:rPr>
-              <a:t>velocidad es muy alta </a:t>
+              <a:t>velocidad es muy alta 1 Gbps </a:t>
             </a:r>
             <a:r>
               <a:rPr lang="es-ES" sz="1400" dirty="0">
@@ -18347,6 +19840,68 @@
               </a:rPr>
               <a:t>Menos interferencias.</a:t>
             </a:r>
+          </a:p>
+          <a:p>
+            <a:pPr algn="just">
+              <a:buFont typeface="Arial" panose="020B0604020202020204" pitchFamily="34" charset="0"/>
+              <a:buChar char="•"/>
+            </a:pPr>
+            <a:r>
+              <a:rPr lang="es-ES" sz="1600" dirty="0">
+                <a:solidFill>
+                  <a:srgbClr val="333333"/>
+                </a:solidFill>
+              </a:rPr>
+              <a:t>Tiene </a:t>
+            </a:r>
+            <a:r>
+              <a:rPr lang="es-ES" sz="1600" b="1" dirty="0">
+                <a:solidFill>
+                  <a:srgbClr val="333333"/>
+                </a:solidFill>
+              </a:rPr>
+              <a:t>6 canales </a:t>
+            </a:r>
+            <a:r>
+              <a:rPr lang="es-ES" sz="1600" dirty="0">
+                <a:solidFill>
+                  <a:srgbClr val="333333"/>
+                </a:solidFill>
+              </a:rPr>
+              <a:t>de </a:t>
+            </a:r>
+            <a:r>
+              <a:rPr lang="es-ES" sz="1600" b="1" dirty="0">
+                <a:solidFill>
+                  <a:srgbClr val="333333"/>
+                </a:solidFill>
+              </a:rPr>
+              <a:t>80 MHz</a:t>
+            </a:r>
+            <a:r>
+              <a:rPr lang="es-ES" sz="1600" dirty="0">
+                <a:solidFill>
+                  <a:srgbClr val="333333"/>
+                </a:solidFill>
+              </a:rPr>
+              <a:t>.</a:t>
+            </a:r>
+            <a:endParaRPr lang="es-ES" sz="1400" dirty="0">
+              <a:solidFill>
+                <a:srgbClr val="333333"/>
+              </a:solidFill>
+            </a:endParaRPr>
+          </a:p>
+          <a:p>
+            <a:pPr algn="just">
+              <a:buFont typeface="Arial" panose="020B0604020202020204" pitchFamily="34" charset="0"/>
+              <a:buChar char="•"/>
+            </a:pPr>
+            <a:endParaRPr lang="es-ES" altLang="es-MX" sz="1600" b="1" dirty="0">
+              <a:solidFill>
+                <a:srgbClr val="333333"/>
+              </a:solidFill>
+            </a:endParaRPr>
           </a:p>
         </p:txBody>
       </p:sp>
@@ -18649,6 +20204,37 @@
                                   </p:childTnLst>
                                 </p:cTn>
                               </p:par>
+                              <p:par>
+                                <p:cTn id="23" presetID="1" presetClass="entr" presetSubtype="0" fill="hold" nodeType="withEffect">
+                                  <p:stCondLst>
+                                    <p:cond delay="0"/>
+                                  </p:stCondLst>
+                                  <p:childTnLst>
+                                    <p:set>
+                                      <p:cBhvr>
+                                        <p:cTn id="24" dur="1" fill="hold">
+                                          <p:stCondLst>
+                                            <p:cond delay="0"/>
+                                          </p:stCondLst>
+                                        </p:cTn>
+                                        <p:tgtEl>
+                                          <p:spTgt spid="5">
+                                            <p:txEl>
+                                              <p:pRg st="7" end="7"/>
+                                            </p:txEl>
+                                          </p:spTgt>
+                                        </p:tgtEl>
+                                        <p:attrNameLst>
+                                          <p:attrName>style.visibility</p:attrName>
+                                        </p:attrNameLst>
+                                      </p:cBhvr>
+                                      <p:to>
+                                        <p:strVal val="visible"/>
+                                      </p:to>
+                                    </p:set>
+                                  </p:childTnLst>
+                                </p:cTn>
+                              </p:par>
                             </p:childTnLst>
                           </p:cTn>
                         </p:par>
@@ -18656,26 +20242,26 @@
                     </p:cTn>
                   </p:par>
                   <p:par>
-                    <p:cTn id="23" fill="hold">
+                    <p:cTn id="25" fill="hold">
                       <p:stCondLst>
                         <p:cond delay="indefinite"/>
                       </p:stCondLst>
                       <p:childTnLst>
                         <p:par>
-                          <p:cTn id="24" fill="hold">
+                          <p:cTn id="26" fill="hold">
                             <p:stCondLst>
                               <p:cond delay="0"/>
                             </p:stCondLst>
                             <p:childTnLst>
                               <p:par>
-                                <p:cTn id="25" presetID="1" presetClass="entr" presetSubtype="0" fill="hold" grpId="0" nodeType="clickEffect">
+                                <p:cTn id="27" presetID="1" presetClass="entr" presetSubtype="0" fill="hold" grpId="0" nodeType="clickEffect">
                                   <p:stCondLst>
                                     <p:cond delay="0"/>
                                   </p:stCondLst>
                                   <p:childTnLst>
                                     <p:set>
                                       <p:cBhvr>
-                                        <p:cTn id="26" dur="1" fill="hold">
+                                        <p:cTn id="28" dur="1" fill="hold">
                                           <p:stCondLst>
                                             <p:cond delay="0"/>
                                           </p:stCondLst>

--- a/CalendarioAgo23/Presentaciones/7_RedesInalambricasR.pptx
+++ b/CalendarioAgo23/Presentaciones/7_RedesInalambricasR.pptx
@@ -20,9 +20,9 @@
     <p:sldId id="853" r:id="rId8"/>
     <p:sldId id="628" r:id="rId9"/>
     <p:sldId id="855" r:id="rId10"/>
-    <p:sldId id="858" r:id="rId11"/>
-    <p:sldId id="859" r:id="rId12"/>
-    <p:sldId id="857" r:id="rId13"/>
+    <p:sldId id="857" r:id="rId11"/>
+    <p:sldId id="858" r:id="rId12"/>
+    <p:sldId id="860" r:id="rId13"/>
     <p:sldId id="629" r:id="rId14"/>
     <p:sldId id="630" r:id="rId15"/>
     <p:sldId id="632" r:id="rId16"/>
@@ -229,7 +229,7 @@
           <a:p>
             <a:fld id="{CFD15F0F-6D28-499C-8425-A9347399C9A5}" type="datetimeFigureOut">
               <a:rPr lang="es-MX" smtClean="0"/>
-              <a:t>27/10/2023</a:t>
+              <a:t>31/10/2023</a:t>
             </a:fld>
             <a:endParaRPr lang="es-MX" dirty="0"/>
           </a:p>
@@ -394,7 +394,7 @@
           <a:p>
             <a:fld id="{2D445F07-8756-451B-A938-0248325FC7BB}" type="datetimeFigureOut">
               <a:rPr lang="es-MX" smtClean="0"/>
-              <a:t>27/10/2023</a:t>
+              <a:t>31/10/2023</a:t>
             </a:fld>
             <a:endParaRPr lang="es-MX" dirty="0"/>
           </a:p>
@@ -1232,7 +1232,7 @@
     </p:spTree>
     <p:extLst>
       <p:ext uri="{BB962C8B-B14F-4D97-AF65-F5344CB8AC3E}">
-        <p14:creationId xmlns:p14="http://schemas.microsoft.com/office/powerpoint/2010/main" val="2338723105"/>
+        <p14:creationId xmlns:p14="http://schemas.microsoft.com/office/powerpoint/2010/main" val="4273812158"/>
       </p:ext>
     </p:extLst>
   </p:cSld>
@@ -1353,7 +1353,7 @@
     </p:spTree>
     <p:extLst>
       <p:ext uri="{BB962C8B-B14F-4D97-AF65-F5344CB8AC3E}">
-        <p14:creationId xmlns:p14="http://schemas.microsoft.com/office/powerpoint/2010/main" val="1942438857"/>
+        <p14:creationId xmlns:p14="http://schemas.microsoft.com/office/powerpoint/2010/main" val="2338723105"/>
       </p:ext>
     </p:extLst>
   </p:cSld>
@@ -1474,7 +1474,7 @@
     </p:spTree>
     <p:extLst>
       <p:ext uri="{BB962C8B-B14F-4D97-AF65-F5344CB8AC3E}">
-        <p14:creationId xmlns:p14="http://schemas.microsoft.com/office/powerpoint/2010/main" val="4273812158"/>
+        <p14:creationId xmlns:p14="http://schemas.microsoft.com/office/powerpoint/2010/main" val="1942438857"/>
       </p:ext>
     </p:extLst>
   </p:cSld>
@@ -2052,7 +2052,7 @@
           <a:p>
             <a:fld id="{5E75A0DC-66C6-4CEC-A5EB-F8C97CEC3796}" type="datetimeFigureOut">
               <a:rPr lang="es-MX" smtClean="0"/>
-              <a:t>27/10/2023</a:t>
+              <a:t>31/10/2023</a:t>
             </a:fld>
             <a:endParaRPr lang="es-MX" dirty="0"/>
           </a:p>
@@ -2222,7 +2222,7 @@
           <a:p>
             <a:fld id="{5E75A0DC-66C6-4CEC-A5EB-F8C97CEC3796}" type="datetimeFigureOut">
               <a:rPr lang="es-MX" smtClean="0"/>
-              <a:t>27/10/2023</a:t>
+              <a:t>31/10/2023</a:t>
             </a:fld>
             <a:endParaRPr lang="es-MX" dirty="0"/>
           </a:p>
@@ -2402,7 +2402,7 @@
           <a:p>
             <a:fld id="{5E75A0DC-66C6-4CEC-A5EB-F8C97CEC3796}" type="datetimeFigureOut">
               <a:rPr lang="es-MX" smtClean="0"/>
-              <a:t>27/10/2023</a:t>
+              <a:t>31/10/2023</a:t>
             </a:fld>
             <a:endParaRPr lang="es-MX" dirty="0"/>
           </a:p>
@@ -2877,7 +2877,7 @@
           <a:p>
             <a:fld id="{5E75A0DC-66C6-4CEC-A5EB-F8C97CEC3796}" type="datetimeFigureOut">
               <a:rPr lang="es-MX" smtClean="0"/>
-              <a:t>27/10/2023</a:t>
+              <a:t>31/10/2023</a:t>
             </a:fld>
             <a:endParaRPr lang="es-MX" dirty="0"/>
           </a:p>
@@ -3123,7 +3123,7 @@
           <a:p>
             <a:fld id="{5E75A0DC-66C6-4CEC-A5EB-F8C97CEC3796}" type="datetimeFigureOut">
               <a:rPr lang="es-MX" smtClean="0"/>
-              <a:t>27/10/2023</a:t>
+              <a:t>31/10/2023</a:t>
             </a:fld>
             <a:endParaRPr lang="es-MX" dirty="0"/>
           </a:p>
@@ -3411,7 +3411,7 @@
           <a:p>
             <a:fld id="{5E75A0DC-66C6-4CEC-A5EB-F8C97CEC3796}" type="datetimeFigureOut">
               <a:rPr lang="es-MX" smtClean="0"/>
-              <a:t>27/10/2023</a:t>
+              <a:t>31/10/2023</a:t>
             </a:fld>
             <a:endParaRPr lang="es-MX" dirty="0"/>
           </a:p>
@@ -3833,7 +3833,7 @@
           <a:p>
             <a:fld id="{5E75A0DC-66C6-4CEC-A5EB-F8C97CEC3796}" type="datetimeFigureOut">
               <a:rPr lang="es-MX" smtClean="0"/>
-              <a:t>27/10/2023</a:t>
+              <a:t>31/10/2023</a:t>
             </a:fld>
             <a:endParaRPr lang="es-MX" dirty="0"/>
           </a:p>
@@ -3951,7 +3951,7 @@
           <a:p>
             <a:fld id="{5E75A0DC-66C6-4CEC-A5EB-F8C97CEC3796}" type="datetimeFigureOut">
               <a:rPr lang="es-MX" smtClean="0"/>
-              <a:t>27/10/2023</a:t>
+              <a:t>31/10/2023</a:t>
             </a:fld>
             <a:endParaRPr lang="es-MX" dirty="0"/>
           </a:p>
@@ -4046,7 +4046,7 @@
           <a:p>
             <a:fld id="{5E75A0DC-66C6-4CEC-A5EB-F8C97CEC3796}" type="datetimeFigureOut">
               <a:rPr lang="es-MX" smtClean="0"/>
-              <a:t>27/10/2023</a:t>
+              <a:t>31/10/2023</a:t>
             </a:fld>
             <a:endParaRPr lang="es-MX" dirty="0"/>
           </a:p>
@@ -4323,7 +4323,7 @@
           <a:p>
             <a:fld id="{5E75A0DC-66C6-4CEC-A5EB-F8C97CEC3796}" type="datetimeFigureOut">
               <a:rPr lang="es-MX" smtClean="0"/>
-              <a:t>27/10/2023</a:t>
+              <a:t>31/10/2023</a:t>
             </a:fld>
             <a:endParaRPr lang="es-MX" dirty="0"/>
           </a:p>
@@ -4576,7 +4576,7 @@
           <a:p>
             <a:fld id="{5E75A0DC-66C6-4CEC-A5EB-F8C97CEC3796}" type="datetimeFigureOut">
               <a:rPr lang="es-MX" smtClean="0"/>
-              <a:t>27/10/2023</a:t>
+              <a:t>31/10/2023</a:t>
             </a:fld>
             <a:endParaRPr lang="es-MX" dirty="0"/>
           </a:p>
@@ -4789,7 +4789,7 @@
           <a:p>
             <a:fld id="{5E75A0DC-66C6-4CEC-A5EB-F8C97CEC3796}" type="datetimeFigureOut">
               <a:rPr lang="es-MX" smtClean="0"/>
-              <a:t>27/10/2023</a:t>
+              <a:t>31/10/2023</a:t>
             </a:fld>
             <a:endParaRPr lang="es-MX" dirty="0"/>
           </a:p>
@@ -5388,1192 +5388,6 @@
         </p:blipFill>
         <p:spPr>
           <a:xfrm>
-            <a:off x="5724378" y="1299294"/>
-            <a:ext cx="3334851" cy="2016223"/>
-          </a:xfrm>
-          <a:prstGeom prst="rect">
-            <a:avLst/>
-          </a:prstGeom>
-        </p:spPr>
-      </p:pic>
-      <p:sp>
-        <p:nvSpPr>
-          <p:cNvPr id="6" name="Rectangle 2">
-            <a:extLst>
-              <a:ext uri="{FF2B5EF4-FFF2-40B4-BE49-F238E27FC236}">
-                <a16:creationId xmlns:a16="http://schemas.microsoft.com/office/drawing/2014/main" id="{C2EE2F51-F651-41B2-9513-9FDF35897CA6}"/>
-              </a:ext>
-            </a:extLst>
-          </p:cNvPr>
-          <p:cNvSpPr txBox="1">
-            <a:spLocks noChangeArrowheads="1"/>
-          </p:cNvSpPr>
-          <p:nvPr/>
-        </p:nvSpPr>
-        <p:spPr>
-          <a:xfrm>
-            <a:off x="89756" y="0"/>
-            <a:ext cx="8730716" cy="1143000"/>
-          </a:xfrm>
-          <a:prstGeom prst="rect">
-            <a:avLst/>
-          </a:prstGeom>
-        </p:spPr>
-        <p:txBody>
-          <a:bodyPr vert="horz" lIns="92075" tIns="46038" rIns="92075" bIns="46038" rtlCol="0" anchor="ctr">
-            <a:noAutofit/>
-          </a:bodyPr>
-          <a:lstStyle>
-            <a:lvl1pPr algn="ctr" defTabSz="914400" rtl="0" eaLnBrk="1" latinLnBrk="0" hangingPunct="1">
-              <a:spcBef>
-                <a:spcPct val="0"/>
-              </a:spcBef>
-              <a:buNone/>
-              <a:defRPr sz="4400" kern="1200">
-                <a:solidFill>
-                  <a:schemeClr val="tx1"/>
-                </a:solidFill>
-                <a:latin typeface="+mj-lt"/>
-                <a:ea typeface="+mj-ea"/>
-                <a:cs typeface="+mj-cs"/>
-              </a:defRPr>
-            </a:lvl1pPr>
-          </a:lstStyle>
-          <a:p>
-            <a:pPr>
-              <a:defRPr/>
-            </a:pPr>
-            <a:r>
-              <a:rPr lang="es-ES_tradnl" sz="3200" dirty="0">
-                <a:solidFill>
-                  <a:srgbClr val="3333CC"/>
-                </a:solidFill>
-                <a:effectLst>
-                  <a:outerShdw blurRad="38100" dist="38100" dir="2700000" algn="tl">
-                    <a:srgbClr val="C0C0C0"/>
-                  </a:outerShdw>
-                </a:effectLst>
-                <a:latin typeface="Dom Casual" charset="0"/>
-              </a:rPr>
-              <a:t> </a:t>
-            </a:r>
-            <a:r>
-              <a:rPr lang="es-ES_tradnl" sz="3200" b="1" dirty="0">
-                <a:solidFill>
-                  <a:schemeClr val="accent4">
-                    <a:lumMod val="50000"/>
-                  </a:schemeClr>
-                </a:solidFill>
-                <a:effectLst>
-                  <a:outerShdw blurRad="38100" dist="38100" dir="2700000" algn="tl">
-                    <a:srgbClr val="C0C0C0"/>
-                  </a:outerShdw>
-                </a:effectLst>
-                <a:latin typeface="Dom Casual" charset="0"/>
-              </a:rPr>
-              <a:t>Tipos de señales </a:t>
-            </a:r>
-            <a:r>
-              <a:rPr lang="es-ES_tradnl" sz="3200" b="1" dirty="0" err="1">
-                <a:solidFill>
-                  <a:schemeClr val="accent4">
-                    <a:lumMod val="50000"/>
-                  </a:schemeClr>
-                </a:solidFill>
-                <a:effectLst>
-                  <a:outerShdw blurRad="38100" dist="38100" dir="2700000" algn="tl">
-                    <a:srgbClr val="C0C0C0"/>
-                  </a:outerShdw>
-                </a:effectLst>
-                <a:latin typeface="Dom Casual" charset="0"/>
-              </a:rPr>
-              <a:t>Wi</a:t>
-            </a:r>
-            <a:r>
-              <a:rPr lang="es-ES_tradnl" sz="3200" b="1" dirty="0">
-                <a:solidFill>
-                  <a:schemeClr val="accent4">
-                    <a:lumMod val="50000"/>
-                  </a:schemeClr>
-                </a:solidFill>
-                <a:effectLst>
-                  <a:outerShdw blurRad="38100" dist="38100" dir="2700000" algn="tl">
-                    <a:srgbClr val="C0C0C0"/>
-                  </a:outerShdw>
-                </a:effectLst>
-                <a:latin typeface="Dom Casual" charset="0"/>
-              </a:rPr>
-              <a:t>-Fi</a:t>
-            </a:r>
-          </a:p>
-        </p:txBody>
-      </p:sp>
-      <p:sp>
-        <p:nvSpPr>
-          <p:cNvPr id="7" name="2 Marcador de contenido">
-            <a:extLst>
-              <a:ext uri="{FF2B5EF4-FFF2-40B4-BE49-F238E27FC236}">
-                <a16:creationId xmlns:a16="http://schemas.microsoft.com/office/drawing/2014/main" id="{81B15081-762F-4B85-82C8-46A3C9FC4613}"/>
-              </a:ext>
-            </a:extLst>
-          </p:cNvPr>
-          <p:cNvSpPr>
-            <a:spLocks noGrp="1"/>
-          </p:cNvSpPr>
-          <p:nvPr>
-            <p:ph idx="1"/>
-          </p:nvPr>
-        </p:nvSpPr>
-        <p:spPr>
-          <a:xfrm>
-            <a:off x="611560" y="1582193"/>
-            <a:ext cx="4896544" cy="782960"/>
-          </a:xfrm>
-        </p:spPr>
-        <p:txBody>
-          <a:bodyPr>
-            <a:noAutofit/>
-          </a:bodyPr>
-          <a:lstStyle/>
-          <a:p>
-            <a:pPr marL="0" indent="0" algn="just">
-              <a:lnSpc>
-                <a:spcPts val="2600"/>
-              </a:lnSpc>
-              <a:spcBef>
-                <a:spcPts val="0"/>
-              </a:spcBef>
-              <a:spcAft>
-                <a:spcPts val="0"/>
-              </a:spcAft>
-              <a:buNone/>
-            </a:pPr>
-            <a:r>
-              <a:rPr lang="es-ES" sz="1600" b="0" i="0" dirty="0">
-                <a:solidFill>
-                  <a:srgbClr val="333333"/>
-                </a:solidFill>
-                <a:effectLst/>
-              </a:rPr>
-              <a:t>Hay </a:t>
-            </a:r>
-            <a:r>
-              <a:rPr lang="es-ES" sz="1600" dirty="0">
-                <a:solidFill>
-                  <a:srgbClr val="333333"/>
-                </a:solidFill>
-              </a:rPr>
-              <a:t>tres</a:t>
-            </a:r>
-            <a:r>
-              <a:rPr lang="es-ES" sz="1600" b="0" i="0" dirty="0">
-                <a:solidFill>
-                  <a:srgbClr val="333333"/>
-                </a:solidFill>
-                <a:effectLst/>
-              </a:rPr>
-              <a:t> tipos de señal </a:t>
-            </a:r>
-            <a:r>
-              <a:rPr lang="es-ES" sz="1600" b="0" i="0" dirty="0" err="1">
-                <a:solidFill>
-                  <a:srgbClr val="333333"/>
-                </a:solidFill>
-                <a:effectLst/>
-              </a:rPr>
-              <a:t>Wi</a:t>
-            </a:r>
-            <a:r>
-              <a:rPr lang="es-ES" sz="1600" b="0" i="0" dirty="0">
-                <a:solidFill>
-                  <a:srgbClr val="333333"/>
-                </a:solidFill>
-                <a:effectLst/>
-              </a:rPr>
-              <a:t>-Fi, basada en las frecuencias que usa:</a:t>
-            </a:r>
-            <a:endParaRPr lang="es-ES" altLang="es-MX" sz="1600" dirty="0"/>
-          </a:p>
-        </p:txBody>
-      </p:sp>
-      <p:sp>
-        <p:nvSpPr>
-          <p:cNvPr id="8" name="2 Marcador de contenido">
-            <a:extLst>
-              <a:ext uri="{FF2B5EF4-FFF2-40B4-BE49-F238E27FC236}">
-                <a16:creationId xmlns:a16="http://schemas.microsoft.com/office/drawing/2014/main" id="{5B9A2CDA-3CF6-4395-BD8D-C8982D44F9AB}"/>
-              </a:ext>
-            </a:extLst>
-          </p:cNvPr>
-          <p:cNvSpPr txBox="1">
-            <a:spLocks/>
-          </p:cNvSpPr>
-          <p:nvPr/>
-        </p:nvSpPr>
-        <p:spPr bwMode="auto">
-          <a:xfrm>
-            <a:off x="595167" y="2508061"/>
-            <a:ext cx="7344816" cy="3050645"/>
-          </a:xfrm>
-          <a:prstGeom prst="rect">
-            <a:avLst/>
-          </a:prstGeom>
-          <a:noFill/>
-          <a:ln>
-            <a:noFill/>
-          </a:ln>
-          <a:extLst>
-            <a:ext uri="{909E8E84-426E-40DD-AFC4-6F175D3DCCD1}">
-              <a14:hiddenFill xmlns:a14="http://schemas.microsoft.com/office/drawing/2010/main">
-                <a:solidFill>
-                  <a:srgbClr val="FFFFFF"/>
-                </a:solidFill>
-              </a14:hiddenFill>
-            </a:ext>
-            <a:ext uri="{91240B29-F687-4F45-9708-019B960494DF}">
-              <a14:hiddenLine xmlns:a14="http://schemas.microsoft.com/office/drawing/2010/main" w="12700">
-                <a:solidFill>
-                  <a:srgbClr val="000000"/>
-                </a:solidFill>
-                <a:miter lim="800000"/>
-                <a:headEnd/>
-                <a:tailEnd/>
-              </a14:hiddenLine>
-            </a:ext>
-          </a:extLst>
-        </p:spPr>
-        <p:txBody>
-          <a:bodyPr vert="horz" wrap="square" lIns="91440" tIns="45720" rIns="182880" bIns="45720" numCol="1" rtlCol="0" anchor="t" anchorCtr="0" compatLnSpc="1">
-            <a:prstTxWarp prst="textNoShape">
-              <a:avLst/>
-            </a:prstTxWarp>
-            <a:noAutofit/>
-          </a:bodyPr>
-          <a:lstStyle>
-            <a:lvl1pPr marL="169863" indent="-169863" algn="l" defTabSz="914400" rtl="0" eaLnBrk="1" latinLnBrk="0" hangingPunct="1">
-              <a:lnSpc>
-                <a:spcPct val="100000"/>
-              </a:lnSpc>
-              <a:spcBef>
-                <a:spcPts val="600"/>
-              </a:spcBef>
-              <a:spcAft>
-                <a:spcPts val="600"/>
-              </a:spcAft>
-              <a:buFont typeface="Wingdings" panose="05000000000000000000" pitchFamily="2" charset="2"/>
-              <a:buChar char="§"/>
-              <a:defRPr sz="3200" kern="1200">
-                <a:solidFill>
-                  <a:srgbClr val="000000"/>
-                </a:solidFill>
-                <a:latin typeface="+mn-lt"/>
-                <a:ea typeface="+mn-ea"/>
-                <a:cs typeface="+mn-cs"/>
-              </a:defRPr>
-            </a:lvl1pPr>
-            <a:lvl2pPr marL="742950" indent="-285750" algn="l" defTabSz="914400" rtl="0" eaLnBrk="1" latinLnBrk="0" hangingPunct="1">
-              <a:lnSpc>
-                <a:spcPct val="100000"/>
-              </a:lnSpc>
-              <a:spcBef>
-                <a:spcPts val="300"/>
-              </a:spcBef>
-              <a:spcAft>
-                <a:spcPts val="300"/>
-              </a:spcAft>
-              <a:buFont typeface="Arial" pitchFamily="34" charset="0"/>
-              <a:buChar char="–"/>
-              <a:defRPr sz="2800" kern="1200">
-                <a:solidFill>
-                  <a:srgbClr val="000000"/>
-                </a:solidFill>
-                <a:latin typeface="+mn-lt"/>
-                <a:ea typeface="+mn-ea"/>
-                <a:cs typeface="+mn-cs"/>
-              </a:defRPr>
-            </a:lvl2pPr>
-            <a:lvl3pPr marL="1143000" indent="-228600" algn="l" defTabSz="914400" rtl="0" eaLnBrk="1" latinLnBrk="0" hangingPunct="1">
-              <a:lnSpc>
-                <a:spcPct val="100000"/>
-              </a:lnSpc>
-              <a:spcBef>
-                <a:spcPts val="300"/>
-              </a:spcBef>
-              <a:spcAft>
-                <a:spcPts val="300"/>
-              </a:spcAft>
-              <a:buFont typeface="Arial" pitchFamily="34" charset="0"/>
-              <a:buChar char="•"/>
-              <a:defRPr sz="2400" kern="1200">
-                <a:solidFill>
-                  <a:srgbClr val="000000"/>
-                </a:solidFill>
-                <a:latin typeface="+mn-lt"/>
-                <a:ea typeface="+mn-ea"/>
-                <a:cs typeface="+mn-cs"/>
-              </a:defRPr>
-            </a:lvl3pPr>
-            <a:lvl4pPr marL="1600200" indent="-228600" algn="l" defTabSz="914400" rtl="0" eaLnBrk="1" latinLnBrk="0" hangingPunct="1">
-              <a:lnSpc>
-                <a:spcPct val="100000"/>
-              </a:lnSpc>
-              <a:spcBef>
-                <a:spcPts val="300"/>
-              </a:spcBef>
-              <a:spcAft>
-                <a:spcPts val="300"/>
-              </a:spcAft>
-              <a:buFont typeface="Arial" pitchFamily="34" charset="0"/>
-              <a:buChar char="–"/>
-              <a:defRPr sz="2000" kern="1200">
-                <a:solidFill>
-                  <a:srgbClr val="000000"/>
-                </a:solidFill>
-                <a:latin typeface="+mn-lt"/>
-                <a:ea typeface="+mn-ea"/>
-                <a:cs typeface="+mn-cs"/>
-              </a:defRPr>
-            </a:lvl4pPr>
-            <a:lvl5pPr marL="2057400" indent="-228600" algn="l" defTabSz="914400" rtl="0" eaLnBrk="1" latinLnBrk="0" hangingPunct="1">
-              <a:spcBef>
-                <a:spcPct val="20000"/>
-              </a:spcBef>
-              <a:buFont typeface="Arial" pitchFamily="34" charset="0"/>
-              <a:buChar char="»"/>
-              <a:defRPr sz="2000" kern="1200">
-                <a:solidFill>
-                  <a:schemeClr val="tx1"/>
-                </a:solidFill>
-                <a:latin typeface="+mn-lt"/>
-                <a:ea typeface="+mn-ea"/>
-                <a:cs typeface="+mn-cs"/>
-              </a:defRPr>
-            </a:lvl5pPr>
-            <a:lvl6pPr marL="2514600" indent="-228600" algn="l" defTabSz="914400" rtl="0" eaLnBrk="1" latinLnBrk="0" hangingPunct="1">
-              <a:spcBef>
-                <a:spcPct val="20000"/>
-              </a:spcBef>
-              <a:buFont typeface="Arial" pitchFamily="34" charset="0"/>
-              <a:buChar char="•"/>
-              <a:defRPr sz="2000" kern="1200">
-                <a:solidFill>
-                  <a:schemeClr val="tx1"/>
-                </a:solidFill>
-                <a:latin typeface="+mn-lt"/>
-                <a:ea typeface="+mn-ea"/>
-                <a:cs typeface="+mn-cs"/>
-              </a:defRPr>
-            </a:lvl6pPr>
-            <a:lvl7pPr marL="2971800" indent="-228600" algn="l" defTabSz="914400" rtl="0" eaLnBrk="1" latinLnBrk="0" hangingPunct="1">
-              <a:spcBef>
-                <a:spcPct val="20000"/>
-              </a:spcBef>
-              <a:buFont typeface="Arial" pitchFamily="34" charset="0"/>
-              <a:buChar char="•"/>
-              <a:defRPr sz="2000" kern="1200">
-                <a:solidFill>
-                  <a:schemeClr val="tx1"/>
-                </a:solidFill>
-                <a:latin typeface="+mn-lt"/>
-                <a:ea typeface="+mn-ea"/>
-                <a:cs typeface="+mn-cs"/>
-              </a:defRPr>
-            </a:lvl7pPr>
-            <a:lvl8pPr marL="3429000" indent="-228600" algn="l" defTabSz="914400" rtl="0" eaLnBrk="1" latinLnBrk="0" hangingPunct="1">
-              <a:spcBef>
-                <a:spcPct val="20000"/>
-              </a:spcBef>
-              <a:buFont typeface="Arial" pitchFamily="34" charset="0"/>
-              <a:buChar char="•"/>
-              <a:defRPr sz="2000" kern="1200">
-                <a:solidFill>
-                  <a:schemeClr val="tx1"/>
-                </a:solidFill>
-                <a:latin typeface="+mn-lt"/>
-                <a:ea typeface="+mn-ea"/>
-                <a:cs typeface="+mn-cs"/>
-              </a:defRPr>
-            </a:lvl8pPr>
-            <a:lvl9pPr marL="3886200" indent="-228600" algn="l" defTabSz="914400" rtl="0" eaLnBrk="1" latinLnBrk="0" hangingPunct="1">
-              <a:spcBef>
-                <a:spcPct val="20000"/>
-              </a:spcBef>
-              <a:buFont typeface="Arial" pitchFamily="34" charset="0"/>
-              <a:buChar char="•"/>
-              <a:defRPr sz="2000" kern="1200">
-                <a:solidFill>
-                  <a:schemeClr val="tx1"/>
-                </a:solidFill>
-                <a:latin typeface="+mn-lt"/>
-                <a:ea typeface="+mn-ea"/>
-                <a:cs typeface="+mn-cs"/>
-              </a:defRPr>
-            </a:lvl9pPr>
-          </a:lstStyle>
-          <a:p>
-            <a:pPr marL="0" indent="0" algn="just">
-              <a:lnSpc>
-                <a:spcPts val="2600"/>
-              </a:lnSpc>
-              <a:spcBef>
-                <a:spcPts val="0"/>
-              </a:spcBef>
-              <a:spcAft>
-                <a:spcPts val="0"/>
-              </a:spcAft>
-              <a:buFont typeface="Wingdings" panose="05000000000000000000" pitchFamily="2" charset="2"/>
-              <a:buNone/>
-            </a:pPr>
-            <a:r>
-              <a:rPr lang="es-ES" sz="1600" b="1" dirty="0">
-                <a:solidFill>
-                  <a:schemeClr val="accent6">
-                    <a:lumMod val="75000"/>
-                  </a:schemeClr>
-                </a:solidFill>
-              </a:rPr>
-              <a:t>6 GHz</a:t>
-            </a:r>
-          </a:p>
-          <a:p>
-            <a:pPr algn="just">
-              <a:buFont typeface="Arial" panose="020B0604020202020204" pitchFamily="34" charset="0"/>
-              <a:buChar char="•"/>
-            </a:pPr>
-            <a:r>
-              <a:rPr lang="es-ES" sz="1600" dirty="0">
-                <a:solidFill>
-                  <a:srgbClr val="333333"/>
-                </a:solidFill>
-              </a:rPr>
-              <a:t>Hace uso de la red de </a:t>
-            </a:r>
-            <a:r>
-              <a:rPr lang="es-ES" sz="1600" b="1" dirty="0">
-                <a:solidFill>
-                  <a:srgbClr val="333333"/>
-                </a:solidFill>
-              </a:rPr>
-              <a:t>2.4 GHz y 5 GHz </a:t>
-            </a:r>
-            <a:r>
-              <a:rPr lang="es-ES" sz="1600" dirty="0">
-                <a:solidFill>
-                  <a:srgbClr val="333333"/>
-                </a:solidFill>
-              </a:rPr>
-              <a:t>a la vez, con ello se aprovecha la cobertura de la red de 2,4 GHz y la velocidad de la red de 5 GHz.</a:t>
-            </a:r>
-          </a:p>
-          <a:p>
-            <a:pPr algn="just">
-              <a:buFont typeface="Arial" panose="020B0604020202020204" pitchFamily="34" charset="0"/>
-              <a:buChar char="•"/>
-            </a:pPr>
-            <a:r>
-              <a:rPr lang="es-ES" sz="1600" b="1" dirty="0">
-                <a:solidFill>
-                  <a:srgbClr val="333333"/>
-                </a:solidFill>
-              </a:rPr>
-              <a:t>Cobertura muy extensa</a:t>
-            </a:r>
-            <a:r>
-              <a:rPr lang="es-ES" sz="1600" dirty="0">
-                <a:solidFill>
-                  <a:srgbClr val="333333"/>
-                </a:solidFill>
-              </a:rPr>
-              <a:t>.</a:t>
-            </a:r>
-          </a:p>
-          <a:p>
-            <a:pPr algn="just">
-              <a:buFont typeface="Arial" panose="020B0604020202020204" pitchFamily="34" charset="0"/>
-              <a:buChar char="•"/>
-            </a:pPr>
-            <a:r>
-              <a:rPr lang="es-ES" sz="1600" b="1" dirty="0">
-                <a:solidFill>
-                  <a:srgbClr val="333333"/>
-                </a:solidFill>
-              </a:rPr>
-              <a:t>Velocidad muy alta 2 Gbps </a:t>
-            </a:r>
-          </a:p>
-          <a:p>
-            <a:pPr algn="just">
-              <a:buFont typeface="Arial" panose="020B0604020202020204" pitchFamily="34" charset="0"/>
-              <a:buChar char="•"/>
-            </a:pPr>
-            <a:r>
-              <a:rPr lang="es-ES" sz="1600" dirty="0">
-                <a:solidFill>
-                  <a:srgbClr val="333333"/>
-                </a:solidFill>
-              </a:rPr>
-              <a:t>Se usa en </a:t>
-            </a:r>
-            <a:r>
-              <a:rPr lang="es-ES" sz="1600" b="1" dirty="0">
-                <a:solidFill>
-                  <a:srgbClr val="333333"/>
-                </a:solidFill>
-              </a:rPr>
-              <a:t>menos dispositivos</a:t>
-            </a:r>
-            <a:r>
-              <a:rPr lang="es-ES" sz="1600" dirty="0">
-                <a:solidFill>
-                  <a:srgbClr val="333333"/>
-                </a:solidFill>
-              </a:rPr>
-              <a:t> (Exclusiva para dispositivos nuevos)</a:t>
-            </a:r>
-          </a:p>
-          <a:p>
-            <a:pPr algn="just">
-              <a:buFont typeface="Arial" panose="020B0604020202020204" pitchFamily="34" charset="0"/>
-              <a:buChar char="•"/>
-            </a:pPr>
-            <a:r>
-              <a:rPr lang="es-ES" altLang="es-MX" sz="1600" b="1" dirty="0">
-                <a:solidFill>
-                  <a:srgbClr val="333333"/>
-                </a:solidFill>
-              </a:rPr>
-              <a:t>Menos interferencias.</a:t>
-            </a:r>
-          </a:p>
-          <a:p>
-            <a:pPr algn="just">
-              <a:buFont typeface="Arial" panose="020B0604020202020204" pitchFamily="34" charset="0"/>
-              <a:buChar char="•"/>
-            </a:pPr>
-            <a:r>
-              <a:rPr lang="es-ES" sz="1600" dirty="0">
-                <a:solidFill>
-                  <a:srgbClr val="333333"/>
-                </a:solidFill>
-              </a:rPr>
-              <a:t>Tiene </a:t>
-            </a:r>
-            <a:r>
-              <a:rPr lang="es-ES" sz="1600" b="1" dirty="0">
-                <a:solidFill>
-                  <a:srgbClr val="333333"/>
-                </a:solidFill>
-              </a:rPr>
-              <a:t>7 canales </a:t>
-            </a:r>
-            <a:r>
-              <a:rPr lang="es-ES" sz="1600" dirty="0">
-                <a:solidFill>
-                  <a:srgbClr val="333333"/>
-                </a:solidFill>
-              </a:rPr>
-              <a:t>de </a:t>
-            </a:r>
-            <a:r>
-              <a:rPr lang="es-ES" sz="1600" b="1" dirty="0">
-                <a:solidFill>
-                  <a:srgbClr val="333333"/>
-                </a:solidFill>
-              </a:rPr>
-              <a:t>160 MHz</a:t>
-            </a:r>
-            <a:r>
-              <a:rPr lang="es-ES" sz="1600" dirty="0">
-                <a:solidFill>
-                  <a:srgbClr val="333333"/>
-                </a:solidFill>
-              </a:rPr>
-              <a:t>.</a:t>
-            </a:r>
-            <a:endParaRPr lang="es-ES" sz="1400" dirty="0">
-              <a:solidFill>
-                <a:srgbClr val="333333"/>
-              </a:solidFill>
-            </a:endParaRPr>
-          </a:p>
-          <a:p>
-            <a:pPr algn="just">
-              <a:buFont typeface="Arial" panose="020B0604020202020204" pitchFamily="34" charset="0"/>
-              <a:buChar char="•"/>
-            </a:pPr>
-            <a:endParaRPr lang="es-ES" altLang="es-MX" sz="1600" b="1" dirty="0">
-              <a:solidFill>
-                <a:srgbClr val="333333"/>
-              </a:solidFill>
-            </a:endParaRPr>
-          </a:p>
-          <a:p>
-            <a:pPr algn="just">
-              <a:buFont typeface="Arial" panose="020B0604020202020204" pitchFamily="34" charset="0"/>
-              <a:buChar char="•"/>
-            </a:pPr>
-            <a:endParaRPr lang="es-ES" altLang="es-MX" sz="1600" b="1" dirty="0">
-              <a:solidFill>
-                <a:srgbClr val="333333"/>
-              </a:solidFill>
-            </a:endParaRPr>
-          </a:p>
-        </p:txBody>
-      </p:sp>
-      <p:sp>
-        <p:nvSpPr>
-          <p:cNvPr id="10" name="CuadroTexto 9">
-            <a:extLst>
-              <a:ext uri="{FF2B5EF4-FFF2-40B4-BE49-F238E27FC236}">
-                <a16:creationId xmlns:a16="http://schemas.microsoft.com/office/drawing/2014/main" id="{C3288C47-EED4-E590-56B9-46297F64CFD4}"/>
-              </a:ext>
-            </a:extLst>
-          </p:cNvPr>
-          <p:cNvSpPr txBox="1"/>
-          <p:nvPr/>
-        </p:nvSpPr>
-        <p:spPr>
-          <a:xfrm>
-            <a:off x="3927606" y="5157192"/>
-            <a:ext cx="4572000" cy="1477328"/>
-          </a:xfrm>
-          <a:prstGeom prst="rect">
-            <a:avLst/>
-          </a:prstGeom>
-          <a:noFill/>
-        </p:spPr>
-        <p:txBody>
-          <a:bodyPr wrap="square">
-            <a:spAutoFit/>
-          </a:bodyPr>
-          <a:lstStyle/>
-          <a:p>
-            <a:r>
-              <a:rPr lang="es-ES" b="0" i="0" dirty="0">
-                <a:solidFill>
-                  <a:srgbClr val="262626"/>
-                </a:solidFill>
-                <a:effectLst/>
-                <a:latin typeface="intel-clear"/>
-              </a:rPr>
-              <a:t>1 hercio (Hz) representa una repetición de patrón de onda por segundo y 1 </a:t>
-            </a:r>
-            <a:r>
-              <a:rPr lang="es-ES" b="0" i="0" dirty="0" err="1">
-                <a:solidFill>
-                  <a:srgbClr val="262626"/>
-                </a:solidFill>
-                <a:effectLst/>
-                <a:latin typeface="intel-clear"/>
-              </a:rPr>
-              <a:t>gigahertcio</a:t>
-            </a:r>
-            <a:r>
-              <a:rPr lang="es-ES" b="0" i="0" dirty="0">
-                <a:solidFill>
-                  <a:srgbClr val="262626"/>
-                </a:solidFill>
-                <a:effectLst/>
-                <a:latin typeface="intel-clear"/>
-              </a:rPr>
-              <a:t> (GHz) representa mil millones de repeticiones por segundo, por lo que se pueden transmitir más datos.</a:t>
-            </a:r>
-            <a:endParaRPr lang="es-MX" dirty="0"/>
-          </a:p>
-        </p:txBody>
-      </p:sp>
-    </p:spTree>
-    <p:extLst>
-      <p:ext uri="{BB962C8B-B14F-4D97-AF65-F5344CB8AC3E}">
-        <p14:creationId xmlns:p14="http://schemas.microsoft.com/office/powerpoint/2010/main" val="2925606516"/>
-      </p:ext>
-    </p:extLst>
-  </p:cSld>
-  <p:clrMapOvr>
-    <a:masterClrMapping/>
-  </p:clrMapOvr>
-  <p:transition spd="slow">
-    <p:wipe/>
-  </p:transition>
-  <p:timing>
-    <p:tnLst>
-      <p:par>
-        <p:cTn id="1" dur="indefinite" restart="never" nodeType="tmRoot">
-          <p:childTnLst>
-            <p:seq concurrent="1" nextAc="seek">
-              <p:cTn id="2" dur="indefinite" nodeType="mainSeq">
-                <p:childTnLst>
-                  <p:par>
-                    <p:cTn id="3" fill="hold">
-                      <p:stCondLst>
-                        <p:cond delay="indefinite"/>
-                      </p:stCondLst>
-                      <p:childTnLst>
-                        <p:par>
-                          <p:cTn id="4" fill="hold">
-                            <p:stCondLst>
-                              <p:cond delay="0"/>
-                            </p:stCondLst>
-                            <p:childTnLst>
-                              <p:par>
-                                <p:cTn id="5" presetID="1" presetClass="entr" presetSubtype="0" fill="hold" grpId="0" nodeType="clickEffect">
-                                  <p:stCondLst>
-                                    <p:cond delay="0"/>
-                                  </p:stCondLst>
-                                  <p:childTnLst>
-                                    <p:set>
-                                      <p:cBhvr>
-                                        <p:cTn id="6" dur="1" fill="hold">
-                                          <p:stCondLst>
-                                            <p:cond delay="0"/>
-                                          </p:stCondLst>
-                                        </p:cTn>
-                                        <p:tgtEl>
-                                          <p:spTgt spid="7">
-                                            <p:txEl>
-                                              <p:pRg st="0" end="0"/>
-                                            </p:txEl>
-                                          </p:spTgt>
-                                        </p:tgtEl>
-                                        <p:attrNameLst>
-                                          <p:attrName>style.visibility</p:attrName>
-                                        </p:attrNameLst>
-                                      </p:cBhvr>
-                                      <p:to>
-                                        <p:strVal val="visible"/>
-                                      </p:to>
-                                    </p:set>
-                                  </p:childTnLst>
-                                </p:cTn>
-                              </p:par>
-                            </p:childTnLst>
-                          </p:cTn>
-                        </p:par>
-                      </p:childTnLst>
-                    </p:cTn>
-                  </p:par>
-                  <p:par>
-                    <p:cTn id="7" fill="hold">
-                      <p:stCondLst>
-                        <p:cond delay="indefinite"/>
-                      </p:stCondLst>
-                      <p:childTnLst>
-                        <p:par>
-                          <p:cTn id="8" fill="hold">
-                            <p:stCondLst>
-                              <p:cond delay="0"/>
-                            </p:stCondLst>
-                            <p:childTnLst>
-                              <p:par>
-                                <p:cTn id="9" presetID="1" presetClass="entr" presetSubtype="0" fill="hold" grpId="0" nodeType="clickEffect">
-                                  <p:stCondLst>
-                                    <p:cond delay="0"/>
-                                  </p:stCondLst>
-                                  <p:childTnLst>
-                                    <p:set>
-                                      <p:cBhvr>
-                                        <p:cTn id="10" dur="1" fill="hold">
-                                          <p:stCondLst>
-                                            <p:cond delay="0"/>
-                                          </p:stCondLst>
-                                        </p:cTn>
-                                        <p:tgtEl>
-                                          <p:spTgt spid="8"/>
-                                        </p:tgtEl>
-                                        <p:attrNameLst>
-                                          <p:attrName>style.visibility</p:attrName>
-                                        </p:attrNameLst>
-                                      </p:cBhvr>
-                                      <p:to>
-                                        <p:strVal val="visible"/>
-                                      </p:to>
-                                    </p:set>
-                                  </p:childTnLst>
-                                </p:cTn>
-                              </p:par>
-                            </p:childTnLst>
-                          </p:cTn>
-                        </p:par>
-                      </p:childTnLst>
-                    </p:cTn>
-                  </p:par>
-                </p:childTnLst>
-              </p:cTn>
-              <p:prevCondLst>
-                <p:cond evt="onPrev" delay="0">
-                  <p:tgtEl>
-                    <p:sldTgt/>
-                  </p:tgtEl>
-                </p:cond>
-              </p:prevCondLst>
-              <p:nextCondLst>
-                <p:cond evt="onNext" delay="0">
-                  <p:tgtEl>
-                    <p:sldTgt/>
-                  </p:tgtEl>
-                </p:cond>
-              </p:nextCondLst>
-            </p:seq>
-          </p:childTnLst>
-        </p:cTn>
-      </p:par>
-    </p:tnLst>
-    <p:bldLst>
-      <p:bldP spid="7" grpId="0" build="p"/>
-      <p:bldP spid="8" grpId="0"/>
-    </p:bldLst>
-  </p:timing>
-</p:sld>
-</file>
-
-<file path=ppt/slides/slide11.xml><?xml version="1.0" encoding="utf-8"?>
-<p:sld xmlns:a="http://schemas.openxmlformats.org/drawingml/2006/main" xmlns:r="http://schemas.openxmlformats.org/officeDocument/2006/relationships" xmlns:p="http://schemas.openxmlformats.org/presentationml/2006/main">
-  <p:cSld>
-    <p:spTree>
-      <p:nvGrpSpPr>
-        <p:cNvPr id="1" name=""/>
-        <p:cNvGrpSpPr/>
-        <p:nvPr/>
-      </p:nvGrpSpPr>
-      <p:grpSpPr>
-        <a:xfrm>
-          <a:off x="0" y="0"/>
-          <a:ext cx="0" cy="0"/>
-          <a:chOff x="0" y="0"/>
-          <a:chExt cx="0" cy="0"/>
-        </a:xfrm>
-      </p:grpSpPr>
-      <p:sp>
-        <p:nvSpPr>
-          <p:cNvPr id="6" name="Rectangle 2">
-            <a:extLst>
-              <a:ext uri="{FF2B5EF4-FFF2-40B4-BE49-F238E27FC236}">
-                <a16:creationId xmlns:a16="http://schemas.microsoft.com/office/drawing/2014/main" id="{C2EE2F51-F651-41B2-9513-9FDF35897CA6}"/>
-              </a:ext>
-            </a:extLst>
-          </p:cNvPr>
-          <p:cNvSpPr txBox="1">
-            <a:spLocks noChangeArrowheads="1"/>
-          </p:cNvSpPr>
-          <p:nvPr/>
-        </p:nvSpPr>
-        <p:spPr>
-          <a:xfrm>
-            <a:off x="89756" y="0"/>
-            <a:ext cx="8730716" cy="1143000"/>
-          </a:xfrm>
-          <a:prstGeom prst="rect">
-            <a:avLst/>
-          </a:prstGeom>
-        </p:spPr>
-        <p:txBody>
-          <a:bodyPr vert="horz" lIns="92075" tIns="46038" rIns="92075" bIns="46038" rtlCol="0" anchor="ctr">
-            <a:noAutofit/>
-          </a:bodyPr>
-          <a:lstStyle>
-            <a:lvl1pPr algn="ctr" defTabSz="914400" rtl="0" eaLnBrk="1" latinLnBrk="0" hangingPunct="1">
-              <a:spcBef>
-                <a:spcPct val="0"/>
-              </a:spcBef>
-              <a:buNone/>
-              <a:defRPr sz="4400" kern="1200">
-                <a:solidFill>
-                  <a:schemeClr val="tx1"/>
-                </a:solidFill>
-                <a:latin typeface="+mj-lt"/>
-                <a:ea typeface="+mj-ea"/>
-                <a:cs typeface="+mj-cs"/>
-              </a:defRPr>
-            </a:lvl1pPr>
-          </a:lstStyle>
-          <a:p>
-            <a:pPr>
-              <a:defRPr/>
-            </a:pPr>
-            <a:r>
-              <a:rPr lang="es-ES_tradnl" sz="3200" dirty="0">
-                <a:solidFill>
-                  <a:srgbClr val="3333CC"/>
-                </a:solidFill>
-                <a:effectLst>
-                  <a:outerShdw blurRad="38100" dist="38100" dir="2700000" algn="tl">
-                    <a:srgbClr val="C0C0C0"/>
-                  </a:outerShdw>
-                </a:effectLst>
-                <a:latin typeface="Dom Casual" charset="0"/>
-              </a:rPr>
-              <a:t> </a:t>
-            </a:r>
-            <a:r>
-              <a:rPr lang="es-ES_tradnl" sz="3200" b="1" dirty="0">
-                <a:solidFill>
-                  <a:schemeClr val="accent4">
-                    <a:lumMod val="50000"/>
-                  </a:schemeClr>
-                </a:solidFill>
-                <a:effectLst>
-                  <a:outerShdw blurRad="38100" dist="38100" dir="2700000" algn="tl">
-                    <a:srgbClr val="C0C0C0"/>
-                  </a:outerShdw>
-                </a:effectLst>
-                <a:latin typeface="Dom Casual" charset="0"/>
-              </a:rPr>
-              <a:t>Tipos de señales </a:t>
-            </a:r>
-            <a:r>
-              <a:rPr lang="es-ES_tradnl" sz="3200" b="1" dirty="0" err="1">
-                <a:solidFill>
-                  <a:schemeClr val="accent4">
-                    <a:lumMod val="50000"/>
-                  </a:schemeClr>
-                </a:solidFill>
-                <a:effectLst>
-                  <a:outerShdw blurRad="38100" dist="38100" dir="2700000" algn="tl">
-                    <a:srgbClr val="C0C0C0"/>
-                  </a:outerShdw>
-                </a:effectLst>
-                <a:latin typeface="Dom Casual" charset="0"/>
-              </a:rPr>
-              <a:t>Wi</a:t>
-            </a:r>
-            <a:r>
-              <a:rPr lang="es-ES_tradnl" sz="3200" b="1" dirty="0">
-                <a:solidFill>
-                  <a:schemeClr val="accent4">
-                    <a:lumMod val="50000"/>
-                  </a:schemeClr>
-                </a:solidFill>
-                <a:effectLst>
-                  <a:outerShdw blurRad="38100" dist="38100" dir="2700000" algn="tl">
-                    <a:srgbClr val="C0C0C0"/>
-                  </a:outerShdw>
-                </a:effectLst>
-                <a:latin typeface="Dom Casual" charset="0"/>
-              </a:rPr>
-              <a:t>-Fi</a:t>
-            </a:r>
-          </a:p>
-        </p:txBody>
-      </p:sp>
-      <p:sp>
-        <p:nvSpPr>
-          <p:cNvPr id="7" name="2 Marcador de contenido">
-            <a:extLst>
-              <a:ext uri="{FF2B5EF4-FFF2-40B4-BE49-F238E27FC236}">
-                <a16:creationId xmlns:a16="http://schemas.microsoft.com/office/drawing/2014/main" id="{81B15081-762F-4B85-82C8-46A3C9FC4613}"/>
-              </a:ext>
-            </a:extLst>
-          </p:cNvPr>
-          <p:cNvSpPr>
-            <a:spLocks noGrp="1"/>
-          </p:cNvSpPr>
-          <p:nvPr>
-            <p:ph idx="1"/>
-          </p:nvPr>
-        </p:nvSpPr>
-        <p:spPr>
-          <a:xfrm>
-            <a:off x="395536" y="1484784"/>
-            <a:ext cx="8568952" cy="504056"/>
-          </a:xfrm>
-        </p:spPr>
-        <p:txBody>
-          <a:bodyPr>
-            <a:noAutofit/>
-          </a:bodyPr>
-          <a:lstStyle/>
-          <a:p>
-            <a:pPr marL="0" indent="0" algn="just">
-              <a:lnSpc>
-                <a:spcPts val="2600"/>
-              </a:lnSpc>
-              <a:spcBef>
-                <a:spcPts val="0"/>
-              </a:spcBef>
-              <a:spcAft>
-                <a:spcPts val="0"/>
-              </a:spcAft>
-              <a:buNone/>
-            </a:pPr>
-            <a:r>
-              <a:rPr lang="es-ES" sz="1600" dirty="0">
-                <a:solidFill>
-                  <a:srgbClr val="333333"/>
-                </a:solidFill>
-              </a:rPr>
-              <a:t>Cómo están distribuidas las bandas entre las frecuencias y cuantos canales tenemos en cada banda:</a:t>
-            </a:r>
-            <a:endParaRPr lang="es-ES" altLang="es-MX" sz="1600" dirty="0"/>
-          </a:p>
-        </p:txBody>
-      </p:sp>
-      <p:pic>
-        <p:nvPicPr>
-          <p:cNvPr id="3" name="Imagen 2">
-            <a:extLst>
-              <a:ext uri="{FF2B5EF4-FFF2-40B4-BE49-F238E27FC236}">
-                <a16:creationId xmlns:a16="http://schemas.microsoft.com/office/drawing/2014/main" id="{11A79675-A121-BAA8-146F-829D2C009FE7}"/>
-              </a:ext>
-            </a:extLst>
-          </p:cNvPr>
-          <p:cNvPicPr>
-            <a:picLocks noChangeAspect="1"/>
-          </p:cNvPicPr>
-          <p:nvPr/>
-        </p:nvPicPr>
-        <p:blipFill>
-          <a:blip r:embed="rId3"/>
-          <a:stretch>
-            <a:fillRect/>
-          </a:stretch>
-        </p:blipFill>
-        <p:spPr>
-          <a:xfrm>
-            <a:off x="395536" y="2140081"/>
-            <a:ext cx="8244408" cy="3194708"/>
-          </a:xfrm>
-          <a:prstGeom prst="rect">
-            <a:avLst/>
-          </a:prstGeom>
-        </p:spPr>
-      </p:pic>
-    </p:spTree>
-    <p:extLst>
-      <p:ext uri="{BB962C8B-B14F-4D97-AF65-F5344CB8AC3E}">
-        <p14:creationId xmlns:p14="http://schemas.microsoft.com/office/powerpoint/2010/main" val="617828454"/>
-      </p:ext>
-    </p:extLst>
-  </p:cSld>
-  <p:clrMapOvr>
-    <a:masterClrMapping/>
-  </p:clrMapOvr>
-  <p:transition spd="slow">
-    <p:wipe/>
-  </p:transition>
-  <p:timing>
-    <p:tnLst>
-      <p:par>
-        <p:cTn id="1" dur="indefinite" restart="never" nodeType="tmRoot">
-          <p:childTnLst>
-            <p:seq concurrent="1" nextAc="seek">
-              <p:cTn id="2" dur="indefinite" nodeType="mainSeq">
-                <p:childTnLst>
-                  <p:par>
-                    <p:cTn id="3" fill="hold">
-                      <p:stCondLst>
-                        <p:cond delay="indefinite"/>
-                      </p:stCondLst>
-                      <p:childTnLst>
-                        <p:par>
-                          <p:cTn id="4" fill="hold">
-                            <p:stCondLst>
-                              <p:cond delay="0"/>
-                            </p:stCondLst>
-                            <p:childTnLst>
-                              <p:par>
-                                <p:cTn id="5" presetID="1" presetClass="entr" presetSubtype="0" fill="hold" grpId="0" nodeType="clickEffect">
-                                  <p:stCondLst>
-                                    <p:cond delay="0"/>
-                                  </p:stCondLst>
-                                  <p:childTnLst>
-                                    <p:set>
-                                      <p:cBhvr>
-                                        <p:cTn id="6" dur="1" fill="hold">
-                                          <p:stCondLst>
-                                            <p:cond delay="0"/>
-                                          </p:stCondLst>
-                                        </p:cTn>
-                                        <p:tgtEl>
-                                          <p:spTgt spid="7">
-                                            <p:txEl>
-                                              <p:pRg st="0" end="0"/>
-                                            </p:txEl>
-                                          </p:spTgt>
-                                        </p:tgtEl>
-                                        <p:attrNameLst>
-                                          <p:attrName>style.visibility</p:attrName>
-                                        </p:attrNameLst>
-                                      </p:cBhvr>
-                                      <p:to>
-                                        <p:strVal val="visible"/>
-                                      </p:to>
-                                    </p:set>
-                                  </p:childTnLst>
-                                </p:cTn>
-                              </p:par>
-                            </p:childTnLst>
-                          </p:cTn>
-                        </p:par>
-                      </p:childTnLst>
-                    </p:cTn>
-                  </p:par>
-                </p:childTnLst>
-              </p:cTn>
-              <p:prevCondLst>
-                <p:cond evt="onPrev" delay="0">
-                  <p:tgtEl>
-                    <p:sldTgt/>
-                  </p:tgtEl>
-                </p:cond>
-              </p:prevCondLst>
-              <p:nextCondLst>
-                <p:cond evt="onNext" delay="0">
-                  <p:tgtEl>
-                    <p:sldTgt/>
-                  </p:tgtEl>
-                </p:cond>
-              </p:nextCondLst>
-            </p:seq>
-          </p:childTnLst>
-        </p:cTn>
-      </p:par>
-    </p:tnLst>
-    <p:bldLst>
-      <p:bldP spid="7" grpId="0" build="p"/>
-    </p:bldLst>
-  </p:timing>
-</p:sld>
-</file>
-
-<file path=ppt/slides/slide12.xml><?xml version="1.0" encoding="utf-8"?>
-<p:sld xmlns:a="http://schemas.openxmlformats.org/drawingml/2006/main" xmlns:r="http://schemas.openxmlformats.org/officeDocument/2006/relationships" xmlns:p="http://schemas.openxmlformats.org/presentationml/2006/main">
-  <p:cSld>
-    <p:spTree>
-      <p:nvGrpSpPr>
-        <p:cNvPr id="1" name=""/>
-        <p:cNvGrpSpPr/>
-        <p:nvPr/>
-      </p:nvGrpSpPr>
-      <p:grpSpPr>
-        <a:xfrm>
-          <a:off x="0" y="0"/>
-          <a:ext cx="0" cy="0"/>
-          <a:chOff x="0" y="0"/>
-          <a:chExt cx="0" cy="0"/>
-        </a:xfrm>
-      </p:grpSpPr>
-      <p:pic>
-        <p:nvPicPr>
-          <p:cNvPr id="4" name="Imagen 3">
-            <a:extLst>
-              <a:ext uri="{FF2B5EF4-FFF2-40B4-BE49-F238E27FC236}">
-                <a16:creationId xmlns:a16="http://schemas.microsoft.com/office/drawing/2014/main" id="{2CB525E1-F85E-43E1-96BC-90FD85587CA5}"/>
-              </a:ext>
-            </a:extLst>
-          </p:cNvPr>
-          <p:cNvPicPr>
-            <a:picLocks noChangeAspect="1"/>
-          </p:cNvPicPr>
-          <p:nvPr/>
-        </p:nvPicPr>
-        <p:blipFill>
-          <a:blip r:embed="rId3"/>
-          <a:stretch>
-            <a:fillRect/>
-          </a:stretch>
-        </p:blipFill>
-        <p:spPr>
-          <a:xfrm>
             <a:off x="4716016" y="4005064"/>
             <a:ext cx="3334851" cy="2016223"/>
           </a:xfrm>
@@ -6942,6 +5756,1451 @@
                                           <p:spTgt spid="7">
                                             <p:txEl>
                                               <p:pRg st="1" end="1"/>
+                                            </p:txEl>
+                                          </p:spTgt>
+                                        </p:tgtEl>
+                                        <p:attrNameLst>
+                                          <p:attrName>style.visibility</p:attrName>
+                                        </p:attrNameLst>
+                                      </p:cBhvr>
+                                      <p:to>
+                                        <p:strVal val="visible"/>
+                                      </p:to>
+                                    </p:set>
+                                  </p:childTnLst>
+                                </p:cTn>
+                              </p:par>
+                            </p:childTnLst>
+                          </p:cTn>
+                        </p:par>
+                      </p:childTnLst>
+                    </p:cTn>
+                  </p:par>
+                </p:childTnLst>
+              </p:cTn>
+              <p:prevCondLst>
+                <p:cond evt="onPrev" delay="0">
+                  <p:tgtEl>
+                    <p:sldTgt/>
+                  </p:tgtEl>
+                </p:cond>
+              </p:prevCondLst>
+              <p:nextCondLst>
+                <p:cond evt="onNext" delay="0">
+                  <p:tgtEl>
+                    <p:sldTgt/>
+                  </p:tgtEl>
+                </p:cond>
+              </p:nextCondLst>
+            </p:seq>
+          </p:childTnLst>
+        </p:cTn>
+      </p:par>
+    </p:tnLst>
+    <p:bldLst>
+      <p:bldP spid="7" grpId="0" build="p"/>
+    </p:bldLst>
+  </p:timing>
+</p:sld>
+</file>
+
+<file path=ppt/slides/slide11.xml><?xml version="1.0" encoding="utf-8"?>
+<p:sld xmlns:a="http://schemas.openxmlformats.org/drawingml/2006/main" xmlns:r="http://schemas.openxmlformats.org/officeDocument/2006/relationships" xmlns:p="http://schemas.openxmlformats.org/presentationml/2006/main">
+  <p:cSld>
+    <p:spTree>
+      <p:nvGrpSpPr>
+        <p:cNvPr id="1" name=""/>
+        <p:cNvGrpSpPr/>
+        <p:nvPr/>
+      </p:nvGrpSpPr>
+      <p:grpSpPr>
+        <a:xfrm>
+          <a:off x="0" y="0"/>
+          <a:ext cx="0" cy="0"/>
+          <a:chOff x="0" y="0"/>
+          <a:chExt cx="0" cy="0"/>
+        </a:xfrm>
+      </p:grpSpPr>
+      <p:sp>
+        <p:nvSpPr>
+          <p:cNvPr id="6" name="Rectangle 2">
+            <a:extLst>
+              <a:ext uri="{FF2B5EF4-FFF2-40B4-BE49-F238E27FC236}">
+                <a16:creationId xmlns:a16="http://schemas.microsoft.com/office/drawing/2014/main" id="{C2EE2F51-F651-41B2-9513-9FDF35897CA6}"/>
+              </a:ext>
+            </a:extLst>
+          </p:cNvPr>
+          <p:cNvSpPr txBox="1">
+            <a:spLocks noChangeArrowheads="1"/>
+          </p:cNvSpPr>
+          <p:nvPr/>
+        </p:nvSpPr>
+        <p:spPr>
+          <a:xfrm>
+            <a:off x="89756" y="0"/>
+            <a:ext cx="8730716" cy="1143000"/>
+          </a:xfrm>
+          <a:prstGeom prst="rect">
+            <a:avLst/>
+          </a:prstGeom>
+        </p:spPr>
+        <p:txBody>
+          <a:bodyPr vert="horz" lIns="92075" tIns="46038" rIns="92075" bIns="46038" rtlCol="0" anchor="ctr">
+            <a:noAutofit/>
+          </a:bodyPr>
+          <a:lstStyle>
+            <a:lvl1pPr algn="ctr" defTabSz="914400" rtl="0" eaLnBrk="1" latinLnBrk="0" hangingPunct="1">
+              <a:spcBef>
+                <a:spcPct val="0"/>
+              </a:spcBef>
+              <a:buNone/>
+              <a:defRPr sz="4400" kern="1200">
+                <a:solidFill>
+                  <a:schemeClr val="tx1"/>
+                </a:solidFill>
+                <a:latin typeface="+mj-lt"/>
+                <a:ea typeface="+mj-ea"/>
+                <a:cs typeface="+mj-cs"/>
+              </a:defRPr>
+            </a:lvl1pPr>
+          </a:lstStyle>
+          <a:p>
+            <a:pPr>
+              <a:defRPr/>
+            </a:pPr>
+            <a:r>
+              <a:rPr lang="es-ES_tradnl" sz="3200">
+                <a:solidFill>
+                  <a:srgbClr val="3333CC"/>
+                </a:solidFill>
+                <a:effectLst>
+                  <a:outerShdw blurRad="38100" dist="38100" dir="2700000" algn="tl">
+                    <a:srgbClr val="C0C0C0"/>
+                  </a:outerShdw>
+                </a:effectLst>
+                <a:latin typeface="Dom Casual" charset="0"/>
+              </a:rPr>
+              <a:t> </a:t>
+            </a:r>
+            <a:r>
+              <a:rPr lang="es-ES_tradnl" sz="3200" b="1">
+                <a:solidFill>
+                  <a:schemeClr val="accent4">
+                    <a:lumMod val="50000"/>
+                  </a:schemeClr>
+                </a:solidFill>
+                <a:effectLst>
+                  <a:outerShdw blurRad="38100" dist="38100" dir="2700000" algn="tl">
+                    <a:srgbClr val="C0C0C0"/>
+                  </a:outerShdw>
+                </a:effectLst>
+                <a:latin typeface="Dom Casual" charset="0"/>
+              </a:rPr>
+              <a:t>Tipos de señales Wi-Fi</a:t>
+            </a:r>
+            <a:endParaRPr lang="es-ES_tradnl" sz="3200" b="1" dirty="0">
+              <a:solidFill>
+                <a:schemeClr val="accent4">
+                  <a:lumMod val="50000"/>
+                </a:schemeClr>
+              </a:solidFill>
+              <a:effectLst>
+                <a:outerShdw blurRad="38100" dist="38100" dir="2700000" algn="tl">
+                  <a:srgbClr val="C0C0C0"/>
+                </a:outerShdw>
+              </a:effectLst>
+              <a:latin typeface="Dom Casual" charset="0"/>
+            </a:endParaRPr>
+          </a:p>
+        </p:txBody>
+      </p:sp>
+      <p:sp>
+        <p:nvSpPr>
+          <p:cNvPr id="8" name="2 Marcador de contenido">
+            <a:extLst>
+              <a:ext uri="{FF2B5EF4-FFF2-40B4-BE49-F238E27FC236}">
+                <a16:creationId xmlns:a16="http://schemas.microsoft.com/office/drawing/2014/main" id="{5B9A2CDA-3CF6-4395-BD8D-C8982D44F9AB}"/>
+              </a:ext>
+            </a:extLst>
+          </p:cNvPr>
+          <p:cNvSpPr txBox="1">
+            <a:spLocks/>
+          </p:cNvSpPr>
+          <p:nvPr/>
+        </p:nvSpPr>
+        <p:spPr bwMode="auto">
+          <a:xfrm>
+            <a:off x="611560" y="1268761"/>
+            <a:ext cx="4824536" cy="2016224"/>
+          </a:xfrm>
+          <a:prstGeom prst="rect">
+            <a:avLst/>
+          </a:prstGeom>
+          <a:noFill/>
+          <a:ln>
+            <a:noFill/>
+          </a:ln>
+          <a:extLst>
+            <a:ext uri="{909E8E84-426E-40DD-AFC4-6F175D3DCCD1}">
+              <a14:hiddenFill xmlns:a14="http://schemas.microsoft.com/office/drawing/2010/main">
+                <a:solidFill>
+                  <a:srgbClr val="FFFFFF"/>
+                </a:solidFill>
+              </a14:hiddenFill>
+            </a:ext>
+            <a:ext uri="{91240B29-F687-4F45-9708-019B960494DF}">
+              <a14:hiddenLine xmlns:a14="http://schemas.microsoft.com/office/drawing/2010/main" w="12700">
+                <a:solidFill>
+                  <a:srgbClr val="000000"/>
+                </a:solidFill>
+                <a:miter lim="800000"/>
+                <a:headEnd/>
+                <a:tailEnd/>
+              </a14:hiddenLine>
+            </a:ext>
+          </a:extLst>
+        </p:spPr>
+        <p:txBody>
+          <a:bodyPr vert="horz" wrap="square" lIns="91440" tIns="45720" rIns="182880" bIns="45720" numCol="1" rtlCol="0" anchor="t" anchorCtr="0" compatLnSpc="1">
+            <a:prstTxWarp prst="textNoShape">
+              <a:avLst/>
+            </a:prstTxWarp>
+            <a:noAutofit/>
+          </a:bodyPr>
+          <a:lstStyle>
+            <a:lvl1pPr marL="169863" indent="-169863" algn="l" defTabSz="914400" rtl="0" eaLnBrk="1" latinLnBrk="0" hangingPunct="1">
+              <a:lnSpc>
+                <a:spcPct val="100000"/>
+              </a:lnSpc>
+              <a:spcBef>
+                <a:spcPts val="600"/>
+              </a:spcBef>
+              <a:spcAft>
+                <a:spcPts val="600"/>
+              </a:spcAft>
+              <a:buFont typeface="Wingdings" panose="05000000000000000000" pitchFamily="2" charset="2"/>
+              <a:buChar char="§"/>
+              <a:defRPr sz="3200" kern="1200">
+                <a:solidFill>
+                  <a:srgbClr val="000000"/>
+                </a:solidFill>
+                <a:latin typeface="+mn-lt"/>
+                <a:ea typeface="+mn-ea"/>
+                <a:cs typeface="+mn-cs"/>
+              </a:defRPr>
+            </a:lvl1pPr>
+            <a:lvl2pPr marL="742950" indent="-285750" algn="l" defTabSz="914400" rtl="0" eaLnBrk="1" latinLnBrk="0" hangingPunct="1">
+              <a:lnSpc>
+                <a:spcPct val="100000"/>
+              </a:lnSpc>
+              <a:spcBef>
+                <a:spcPts val="300"/>
+              </a:spcBef>
+              <a:spcAft>
+                <a:spcPts val="300"/>
+              </a:spcAft>
+              <a:buFont typeface="Arial" pitchFamily="34" charset="0"/>
+              <a:buChar char="–"/>
+              <a:defRPr sz="2800" kern="1200">
+                <a:solidFill>
+                  <a:srgbClr val="000000"/>
+                </a:solidFill>
+                <a:latin typeface="+mn-lt"/>
+                <a:ea typeface="+mn-ea"/>
+                <a:cs typeface="+mn-cs"/>
+              </a:defRPr>
+            </a:lvl2pPr>
+            <a:lvl3pPr marL="1143000" indent="-228600" algn="l" defTabSz="914400" rtl="0" eaLnBrk="1" latinLnBrk="0" hangingPunct="1">
+              <a:lnSpc>
+                <a:spcPct val="100000"/>
+              </a:lnSpc>
+              <a:spcBef>
+                <a:spcPts val="300"/>
+              </a:spcBef>
+              <a:spcAft>
+                <a:spcPts val="300"/>
+              </a:spcAft>
+              <a:buFont typeface="Arial" pitchFamily="34" charset="0"/>
+              <a:buChar char="•"/>
+              <a:defRPr sz="2400" kern="1200">
+                <a:solidFill>
+                  <a:srgbClr val="000000"/>
+                </a:solidFill>
+                <a:latin typeface="+mn-lt"/>
+                <a:ea typeface="+mn-ea"/>
+                <a:cs typeface="+mn-cs"/>
+              </a:defRPr>
+            </a:lvl3pPr>
+            <a:lvl4pPr marL="1600200" indent="-228600" algn="l" defTabSz="914400" rtl="0" eaLnBrk="1" latinLnBrk="0" hangingPunct="1">
+              <a:lnSpc>
+                <a:spcPct val="100000"/>
+              </a:lnSpc>
+              <a:spcBef>
+                <a:spcPts val="300"/>
+              </a:spcBef>
+              <a:spcAft>
+                <a:spcPts val="300"/>
+              </a:spcAft>
+              <a:buFont typeface="Arial" pitchFamily="34" charset="0"/>
+              <a:buChar char="–"/>
+              <a:defRPr sz="2000" kern="1200">
+                <a:solidFill>
+                  <a:srgbClr val="000000"/>
+                </a:solidFill>
+                <a:latin typeface="+mn-lt"/>
+                <a:ea typeface="+mn-ea"/>
+                <a:cs typeface="+mn-cs"/>
+              </a:defRPr>
+            </a:lvl4pPr>
+            <a:lvl5pPr marL="2057400" indent="-228600" algn="l" defTabSz="914400" rtl="0" eaLnBrk="1" latinLnBrk="0" hangingPunct="1">
+              <a:spcBef>
+                <a:spcPct val="20000"/>
+              </a:spcBef>
+              <a:buFont typeface="Arial" pitchFamily="34" charset="0"/>
+              <a:buChar char="»"/>
+              <a:defRPr sz="2000" kern="1200">
+                <a:solidFill>
+                  <a:schemeClr val="tx1"/>
+                </a:solidFill>
+                <a:latin typeface="+mn-lt"/>
+                <a:ea typeface="+mn-ea"/>
+                <a:cs typeface="+mn-cs"/>
+              </a:defRPr>
+            </a:lvl5pPr>
+            <a:lvl6pPr marL="2514600" indent="-228600" algn="l" defTabSz="914400" rtl="0" eaLnBrk="1" latinLnBrk="0" hangingPunct="1">
+              <a:spcBef>
+                <a:spcPct val="20000"/>
+              </a:spcBef>
+              <a:buFont typeface="Arial" pitchFamily="34" charset="0"/>
+              <a:buChar char="•"/>
+              <a:defRPr sz="2000" kern="1200">
+                <a:solidFill>
+                  <a:schemeClr val="tx1"/>
+                </a:solidFill>
+                <a:latin typeface="+mn-lt"/>
+                <a:ea typeface="+mn-ea"/>
+                <a:cs typeface="+mn-cs"/>
+              </a:defRPr>
+            </a:lvl6pPr>
+            <a:lvl7pPr marL="2971800" indent="-228600" algn="l" defTabSz="914400" rtl="0" eaLnBrk="1" latinLnBrk="0" hangingPunct="1">
+              <a:spcBef>
+                <a:spcPct val="20000"/>
+              </a:spcBef>
+              <a:buFont typeface="Arial" pitchFamily="34" charset="0"/>
+              <a:buChar char="•"/>
+              <a:defRPr sz="2000" kern="1200">
+                <a:solidFill>
+                  <a:schemeClr val="tx1"/>
+                </a:solidFill>
+                <a:latin typeface="+mn-lt"/>
+                <a:ea typeface="+mn-ea"/>
+                <a:cs typeface="+mn-cs"/>
+              </a:defRPr>
+            </a:lvl7pPr>
+            <a:lvl8pPr marL="3429000" indent="-228600" algn="l" defTabSz="914400" rtl="0" eaLnBrk="1" latinLnBrk="0" hangingPunct="1">
+              <a:spcBef>
+                <a:spcPct val="20000"/>
+              </a:spcBef>
+              <a:buFont typeface="Arial" pitchFamily="34" charset="0"/>
+              <a:buChar char="•"/>
+              <a:defRPr sz="2000" kern="1200">
+                <a:solidFill>
+                  <a:schemeClr val="tx1"/>
+                </a:solidFill>
+                <a:latin typeface="+mn-lt"/>
+                <a:ea typeface="+mn-ea"/>
+                <a:cs typeface="+mn-cs"/>
+              </a:defRPr>
+            </a:lvl8pPr>
+            <a:lvl9pPr marL="3886200" indent="-228600" algn="l" defTabSz="914400" rtl="0" eaLnBrk="1" latinLnBrk="0" hangingPunct="1">
+              <a:spcBef>
+                <a:spcPct val="20000"/>
+              </a:spcBef>
+              <a:buFont typeface="Arial" pitchFamily="34" charset="0"/>
+              <a:buChar char="•"/>
+              <a:defRPr sz="2000" kern="1200">
+                <a:solidFill>
+                  <a:schemeClr val="tx1"/>
+                </a:solidFill>
+                <a:latin typeface="+mn-lt"/>
+                <a:ea typeface="+mn-ea"/>
+                <a:cs typeface="+mn-cs"/>
+              </a:defRPr>
+            </a:lvl9pPr>
+          </a:lstStyle>
+          <a:p>
+            <a:pPr marL="0" indent="0" algn="just">
+              <a:lnSpc>
+                <a:spcPts val="2600"/>
+              </a:lnSpc>
+              <a:spcBef>
+                <a:spcPts val="0"/>
+              </a:spcBef>
+              <a:spcAft>
+                <a:spcPts val="0"/>
+              </a:spcAft>
+              <a:buFont typeface="Wingdings" panose="05000000000000000000" pitchFamily="2" charset="2"/>
+              <a:buNone/>
+            </a:pPr>
+            <a:r>
+              <a:rPr lang="es-ES" sz="1600" b="1" dirty="0" err="1">
+                <a:solidFill>
+                  <a:schemeClr val="accent6">
+                    <a:lumMod val="75000"/>
+                  </a:schemeClr>
+                </a:solidFill>
+              </a:rPr>
+              <a:t>WiFi</a:t>
+            </a:r>
+            <a:r>
+              <a:rPr lang="es-ES" sz="1600" b="1" dirty="0">
+                <a:solidFill>
+                  <a:schemeClr val="accent6">
+                    <a:lumMod val="75000"/>
+                  </a:schemeClr>
+                </a:solidFill>
+              </a:rPr>
+              <a:t> 6</a:t>
+            </a:r>
+          </a:p>
+          <a:p>
+            <a:pPr algn="just">
+              <a:buFont typeface="Arial" panose="020B0604020202020204" pitchFamily="34" charset="0"/>
+              <a:buChar char="•"/>
+            </a:pPr>
+            <a:r>
+              <a:rPr lang="es-ES" sz="1600" dirty="0">
+                <a:solidFill>
+                  <a:srgbClr val="333333"/>
+                </a:solidFill>
+              </a:rPr>
+              <a:t>Banda de frecuencia </a:t>
+            </a:r>
+            <a:r>
+              <a:rPr lang="es-ES" sz="1600" b="1" dirty="0">
+                <a:solidFill>
+                  <a:srgbClr val="333333"/>
+                </a:solidFill>
+              </a:rPr>
+              <a:t>2.4 GHz y 5 GHz </a:t>
+            </a:r>
+            <a:r>
+              <a:rPr lang="es-ES" sz="1600" dirty="0">
+                <a:solidFill>
+                  <a:srgbClr val="333333"/>
+                </a:solidFill>
+              </a:rPr>
+              <a:t>a la vez (con ello se aprovecha la cobertura de la red de 2,4 GHz y la velocidad de la red de 5 GHz.)</a:t>
+            </a:r>
+            <a:endParaRPr lang="es-ES" altLang="es-MX" sz="1600" b="1" dirty="0">
+              <a:solidFill>
+                <a:srgbClr val="333333"/>
+              </a:solidFill>
+            </a:endParaRPr>
+          </a:p>
+          <a:p>
+            <a:pPr algn="just">
+              <a:buFont typeface="Arial" panose="020B0604020202020204" pitchFamily="34" charset="0"/>
+              <a:buChar char="•"/>
+            </a:pPr>
+            <a:endParaRPr lang="es-ES" altLang="es-MX" sz="1600" b="1" dirty="0">
+              <a:solidFill>
+                <a:srgbClr val="333333"/>
+              </a:solidFill>
+            </a:endParaRPr>
+          </a:p>
+        </p:txBody>
+      </p:sp>
+      <p:pic>
+        <p:nvPicPr>
+          <p:cNvPr id="22" name="Imagen 21" descr="Icono&#10;&#10;Descripción generada automáticamente">
+            <a:extLst>
+              <a:ext uri="{FF2B5EF4-FFF2-40B4-BE49-F238E27FC236}">
+                <a16:creationId xmlns:a16="http://schemas.microsoft.com/office/drawing/2014/main" id="{8E29E400-413C-5920-9A83-96767522500D}"/>
+              </a:ext>
+            </a:extLst>
+          </p:cNvPr>
+          <p:cNvPicPr>
+            <a:picLocks noChangeAspect="1"/>
+          </p:cNvPicPr>
+          <p:nvPr/>
+        </p:nvPicPr>
+        <p:blipFill>
+          <a:blip r:embed="rId3">
+            <a:extLst>
+              <a:ext uri="{28A0092B-C50C-407E-A947-70E740481C1C}">
+                <a14:useLocalDpi xmlns:a14="http://schemas.microsoft.com/office/drawing/2010/main" val="0"/>
+              </a:ext>
+            </a:extLst>
+          </a:blip>
+          <a:stretch>
+            <a:fillRect/>
+          </a:stretch>
+        </p:blipFill>
+        <p:spPr>
+          <a:xfrm>
+            <a:off x="6732240" y="1175593"/>
+            <a:ext cx="1800200" cy="1800200"/>
+          </a:xfrm>
+          <a:prstGeom prst="rect">
+            <a:avLst/>
+          </a:prstGeom>
+        </p:spPr>
+      </p:pic>
+      <p:sp>
+        <p:nvSpPr>
+          <p:cNvPr id="23" name="2 Marcador de contenido">
+            <a:extLst>
+              <a:ext uri="{FF2B5EF4-FFF2-40B4-BE49-F238E27FC236}">
+                <a16:creationId xmlns:a16="http://schemas.microsoft.com/office/drawing/2014/main" id="{E5E4886C-CE5A-D279-10DE-95523F1D663E}"/>
+              </a:ext>
+            </a:extLst>
+          </p:cNvPr>
+          <p:cNvSpPr txBox="1">
+            <a:spLocks/>
+          </p:cNvSpPr>
+          <p:nvPr/>
+        </p:nvSpPr>
+        <p:spPr bwMode="auto">
+          <a:xfrm>
+            <a:off x="611560" y="2564904"/>
+            <a:ext cx="7344816" cy="2232248"/>
+          </a:xfrm>
+          <a:prstGeom prst="rect">
+            <a:avLst/>
+          </a:prstGeom>
+          <a:noFill/>
+          <a:ln>
+            <a:noFill/>
+          </a:ln>
+          <a:extLst>
+            <a:ext uri="{909E8E84-426E-40DD-AFC4-6F175D3DCCD1}">
+              <a14:hiddenFill xmlns:a14="http://schemas.microsoft.com/office/drawing/2010/main">
+                <a:solidFill>
+                  <a:srgbClr val="FFFFFF"/>
+                </a:solidFill>
+              </a14:hiddenFill>
+            </a:ext>
+            <a:ext uri="{91240B29-F687-4F45-9708-019B960494DF}">
+              <a14:hiddenLine xmlns:a14="http://schemas.microsoft.com/office/drawing/2010/main" w="12700">
+                <a:solidFill>
+                  <a:srgbClr val="000000"/>
+                </a:solidFill>
+                <a:miter lim="800000"/>
+                <a:headEnd/>
+                <a:tailEnd/>
+              </a14:hiddenLine>
+            </a:ext>
+          </a:extLst>
+        </p:spPr>
+        <p:txBody>
+          <a:bodyPr vert="horz" wrap="square" lIns="91440" tIns="45720" rIns="182880" bIns="45720" numCol="1" rtlCol="0" anchor="t" anchorCtr="0" compatLnSpc="1">
+            <a:prstTxWarp prst="textNoShape">
+              <a:avLst/>
+            </a:prstTxWarp>
+            <a:noAutofit/>
+          </a:bodyPr>
+          <a:lstStyle>
+            <a:lvl1pPr marL="169863" indent="-169863" algn="l" defTabSz="914400" rtl="0" eaLnBrk="1" latinLnBrk="0" hangingPunct="1">
+              <a:lnSpc>
+                <a:spcPct val="100000"/>
+              </a:lnSpc>
+              <a:spcBef>
+                <a:spcPts val="600"/>
+              </a:spcBef>
+              <a:spcAft>
+                <a:spcPts val="600"/>
+              </a:spcAft>
+              <a:buFont typeface="Wingdings" panose="05000000000000000000" pitchFamily="2" charset="2"/>
+              <a:buChar char="§"/>
+              <a:defRPr sz="3200" kern="1200">
+                <a:solidFill>
+                  <a:srgbClr val="000000"/>
+                </a:solidFill>
+                <a:latin typeface="+mn-lt"/>
+                <a:ea typeface="+mn-ea"/>
+                <a:cs typeface="+mn-cs"/>
+              </a:defRPr>
+            </a:lvl1pPr>
+            <a:lvl2pPr marL="742950" indent="-285750" algn="l" defTabSz="914400" rtl="0" eaLnBrk="1" latinLnBrk="0" hangingPunct="1">
+              <a:lnSpc>
+                <a:spcPct val="100000"/>
+              </a:lnSpc>
+              <a:spcBef>
+                <a:spcPts val="300"/>
+              </a:spcBef>
+              <a:spcAft>
+                <a:spcPts val="300"/>
+              </a:spcAft>
+              <a:buFont typeface="Arial" pitchFamily="34" charset="0"/>
+              <a:buChar char="–"/>
+              <a:defRPr sz="2800" kern="1200">
+                <a:solidFill>
+                  <a:srgbClr val="000000"/>
+                </a:solidFill>
+                <a:latin typeface="+mn-lt"/>
+                <a:ea typeface="+mn-ea"/>
+                <a:cs typeface="+mn-cs"/>
+              </a:defRPr>
+            </a:lvl2pPr>
+            <a:lvl3pPr marL="1143000" indent="-228600" algn="l" defTabSz="914400" rtl="0" eaLnBrk="1" latinLnBrk="0" hangingPunct="1">
+              <a:lnSpc>
+                <a:spcPct val="100000"/>
+              </a:lnSpc>
+              <a:spcBef>
+                <a:spcPts val="300"/>
+              </a:spcBef>
+              <a:spcAft>
+                <a:spcPts val="300"/>
+              </a:spcAft>
+              <a:buFont typeface="Arial" pitchFamily="34" charset="0"/>
+              <a:buChar char="•"/>
+              <a:defRPr sz="2400" kern="1200">
+                <a:solidFill>
+                  <a:srgbClr val="000000"/>
+                </a:solidFill>
+                <a:latin typeface="+mn-lt"/>
+                <a:ea typeface="+mn-ea"/>
+                <a:cs typeface="+mn-cs"/>
+              </a:defRPr>
+            </a:lvl3pPr>
+            <a:lvl4pPr marL="1600200" indent="-228600" algn="l" defTabSz="914400" rtl="0" eaLnBrk="1" latinLnBrk="0" hangingPunct="1">
+              <a:lnSpc>
+                <a:spcPct val="100000"/>
+              </a:lnSpc>
+              <a:spcBef>
+                <a:spcPts val="300"/>
+              </a:spcBef>
+              <a:spcAft>
+                <a:spcPts val="300"/>
+              </a:spcAft>
+              <a:buFont typeface="Arial" pitchFamily="34" charset="0"/>
+              <a:buChar char="–"/>
+              <a:defRPr sz="2000" kern="1200">
+                <a:solidFill>
+                  <a:srgbClr val="000000"/>
+                </a:solidFill>
+                <a:latin typeface="+mn-lt"/>
+                <a:ea typeface="+mn-ea"/>
+                <a:cs typeface="+mn-cs"/>
+              </a:defRPr>
+            </a:lvl4pPr>
+            <a:lvl5pPr marL="2057400" indent="-228600" algn="l" defTabSz="914400" rtl="0" eaLnBrk="1" latinLnBrk="0" hangingPunct="1">
+              <a:spcBef>
+                <a:spcPct val="20000"/>
+              </a:spcBef>
+              <a:buFont typeface="Arial" pitchFamily="34" charset="0"/>
+              <a:buChar char="»"/>
+              <a:defRPr sz="2000" kern="1200">
+                <a:solidFill>
+                  <a:schemeClr val="tx1"/>
+                </a:solidFill>
+                <a:latin typeface="+mn-lt"/>
+                <a:ea typeface="+mn-ea"/>
+                <a:cs typeface="+mn-cs"/>
+              </a:defRPr>
+            </a:lvl5pPr>
+            <a:lvl6pPr marL="2514600" indent="-228600" algn="l" defTabSz="914400" rtl="0" eaLnBrk="1" latinLnBrk="0" hangingPunct="1">
+              <a:spcBef>
+                <a:spcPct val="20000"/>
+              </a:spcBef>
+              <a:buFont typeface="Arial" pitchFamily="34" charset="0"/>
+              <a:buChar char="•"/>
+              <a:defRPr sz="2000" kern="1200">
+                <a:solidFill>
+                  <a:schemeClr val="tx1"/>
+                </a:solidFill>
+                <a:latin typeface="+mn-lt"/>
+                <a:ea typeface="+mn-ea"/>
+                <a:cs typeface="+mn-cs"/>
+              </a:defRPr>
+            </a:lvl6pPr>
+            <a:lvl7pPr marL="2971800" indent="-228600" algn="l" defTabSz="914400" rtl="0" eaLnBrk="1" latinLnBrk="0" hangingPunct="1">
+              <a:spcBef>
+                <a:spcPct val="20000"/>
+              </a:spcBef>
+              <a:buFont typeface="Arial" pitchFamily="34" charset="0"/>
+              <a:buChar char="•"/>
+              <a:defRPr sz="2000" kern="1200">
+                <a:solidFill>
+                  <a:schemeClr val="tx1"/>
+                </a:solidFill>
+                <a:latin typeface="+mn-lt"/>
+                <a:ea typeface="+mn-ea"/>
+                <a:cs typeface="+mn-cs"/>
+              </a:defRPr>
+            </a:lvl7pPr>
+            <a:lvl8pPr marL="3429000" indent="-228600" algn="l" defTabSz="914400" rtl="0" eaLnBrk="1" latinLnBrk="0" hangingPunct="1">
+              <a:spcBef>
+                <a:spcPct val="20000"/>
+              </a:spcBef>
+              <a:buFont typeface="Arial" pitchFamily="34" charset="0"/>
+              <a:buChar char="•"/>
+              <a:defRPr sz="2000" kern="1200">
+                <a:solidFill>
+                  <a:schemeClr val="tx1"/>
+                </a:solidFill>
+                <a:latin typeface="+mn-lt"/>
+                <a:ea typeface="+mn-ea"/>
+                <a:cs typeface="+mn-cs"/>
+              </a:defRPr>
+            </a:lvl8pPr>
+            <a:lvl9pPr marL="3886200" indent="-228600" algn="l" defTabSz="914400" rtl="0" eaLnBrk="1" latinLnBrk="0" hangingPunct="1">
+              <a:spcBef>
+                <a:spcPct val="20000"/>
+              </a:spcBef>
+              <a:buFont typeface="Arial" pitchFamily="34" charset="0"/>
+              <a:buChar char="•"/>
+              <a:defRPr sz="2000" kern="1200">
+                <a:solidFill>
+                  <a:schemeClr val="tx1"/>
+                </a:solidFill>
+                <a:latin typeface="+mn-lt"/>
+                <a:ea typeface="+mn-ea"/>
+                <a:cs typeface="+mn-cs"/>
+              </a:defRPr>
+            </a:lvl9pPr>
+          </a:lstStyle>
+          <a:p>
+            <a:pPr marL="0" indent="0" algn="just">
+              <a:lnSpc>
+                <a:spcPts val="2600"/>
+              </a:lnSpc>
+              <a:spcBef>
+                <a:spcPts val="0"/>
+              </a:spcBef>
+              <a:spcAft>
+                <a:spcPts val="0"/>
+              </a:spcAft>
+              <a:buFont typeface="Wingdings" panose="05000000000000000000" pitchFamily="2" charset="2"/>
+              <a:buNone/>
+            </a:pPr>
+            <a:r>
+              <a:rPr lang="es-ES" sz="1600" b="1" dirty="0" err="1">
+                <a:solidFill>
+                  <a:schemeClr val="accent6">
+                    <a:lumMod val="75000"/>
+                  </a:schemeClr>
+                </a:solidFill>
+              </a:rPr>
+              <a:t>WiFi</a:t>
+            </a:r>
+            <a:r>
+              <a:rPr lang="es-ES" sz="1600" b="1" dirty="0">
+                <a:solidFill>
+                  <a:schemeClr val="accent6">
+                    <a:lumMod val="75000"/>
+                  </a:schemeClr>
+                </a:solidFill>
+              </a:rPr>
+              <a:t> 6E</a:t>
+            </a:r>
+          </a:p>
+          <a:p>
+            <a:pPr algn="just">
+              <a:buFont typeface="Arial" panose="020B0604020202020204" pitchFamily="34" charset="0"/>
+              <a:buChar char="•"/>
+            </a:pPr>
+            <a:r>
+              <a:rPr lang="es-ES" sz="1600" dirty="0">
+                <a:solidFill>
+                  <a:srgbClr val="333333"/>
+                </a:solidFill>
+              </a:rPr>
+              <a:t>Hace uso de la banda de frecuencia de </a:t>
+            </a:r>
+            <a:r>
+              <a:rPr lang="es-ES" sz="1600" b="1" dirty="0">
+                <a:solidFill>
+                  <a:srgbClr val="333333"/>
+                </a:solidFill>
+              </a:rPr>
+              <a:t>6 GHz</a:t>
+            </a:r>
+            <a:r>
+              <a:rPr lang="es-ES" sz="1600" dirty="0">
+                <a:solidFill>
+                  <a:srgbClr val="333333"/>
+                </a:solidFill>
+              </a:rPr>
+              <a:t>, totalmente nueva.</a:t>
+            </a:r>
+          </a:p>
+          <a:p>
+            <a:pPr algn="just">
+              <a:buFont typeface="Arial" panose="020B0604020202020204" pitchFamily="34" charset="0"/>
+              <a:buChar char="•"/>
+            </a:pPr>
+            <a:r>
+              <a:rPr lang="es-ES" sz="1600" dirty="0">
+                <a:solidFill>
+                  <a:srgbClr val="333333"/>
+                </a:solidFill>
+              </a:rPr>
+              <a:t>Exclusiva para los dispositivos más nuevos.</a:t>
+            </a:r>
+          </a:p>
+          <a:p>
+            <a:pPr algn="just">
+              <a:buFont typeface="Arial" panose="020B0604020202020204" pitchFamily="34" charset="0"/>
+              <a:buChar char="•"/>
+            </a:pPr>
+            <a:r>
+              <a:rPr lang="es-ES" sz="1600" dirty="0">
+                <a:solidFill>
+                  <a:srgbClr val="333333"/>
+                </a:solidFill>
+              </a:rPr>
+              <a:t>Proporciona la </a:t>
+            </a:r>
+            <a:r>
+              <a:rPr lang="es-ES" sz="1600" b="1" dirty="0">
+                <a:solidFill>
+                  <a:srgbClr val="333333"/>
+                </a:solidFill>
+              </a:rPr>
+              <a:t>velocidad más rápida </a:t>
+            </a:r>
+            <a:r>
+              <a:rPr lang="es-ES" sz="1600" dirty="0">
+                <a:solidFill>
+                  <a:srgbClr val="333333"/>
+                </a:solidFill>
+              </a:rPr>
+              <a:t>de hasta </a:t>
+            </a:r>
+            <a:r>
+              <a:rPr lang="es-ES" sz="1600" b="1" dirty="0">
+                <a:solidFill>
+                  <a:srgbClr val="333333"/>
+                </a:solidFill>
+              </a:rPr>
+              <a:t>7.8 o 10.8 </a:t>
+            </a:r>
+            <a:r>
+              <a:rPr lang="es-ES" sz="1600" b="1" dirty="0" err="1">
+                <a:solidFill>
+                  <a:srgbClr val="333333"/>
+                </a:solidFill>
+              </a:rPr>
+              <a:t>Ghz</a:t>
+            </a:r>
+            <a:r>
+              <a:rPr lang="es-ES" sz="1600" dirty="0">
+                <a:solidFill>
+                  <a:srgbClr val="333333"/>
+                </a:solidFill>
+              </a:rPr>
+              <a:t>.</a:t>
+            </a:r>
+          </a:p>
+          <a:p>
+            <a:pPr algn="just">
+              <a:buFont typeface="Arial" panose="020B0604020202020204" pitchFamily="34" charset="0"/>
+              <a:buChar char="•"/>
+            </a:pPr>
+            <a:r>
+              <a:rPr lang="es-ES" sz="1600" dirty="0">
+                <a:solidFill>
+                  <a:srgbClr val="333333"/>
+                </a:solidFill>
+              </a:rPr>
+              <a:t>No interfiere en redes </a:t>
+            </a:r>
+            <a:r>
+              <a:rPr lang="es-ES" sz="1600" dirty="0" err="1">
+                <a:solidFill>
+                  <a:srgbClr val="333333"/>
+                </a:solidFill>
+              </a:rPr>
+              <a:t>WiFi</a:t>
+            </a:r>
+            <a:r>
+              <a:rPr lang="es-ES" sz="1600" dirty="0">
+                <a:solidFill>
+                  <a:srgbClr val="333333"/>
+                </a:solidFill>
+              </a:rPr>
+              <a:t> vecinas.</a:t>
+            </a:r>
+          </a:p>
+          <a:p>
+            <a:pPr algn="just">
+              <a:buFont typeface="Arial" panose="020B0604020202020204" pitchFamily="34" charset="0"/>
+              <a:buChar char="•"/>
+            </a:pPr>
+            <a:r>
+              <a:rPr lang="es-ES" sz="1600" dirty="0">
+                <a:solidFill>
+                  <a:srgbClr val="333333"/>
+                </a:solidFill>
+              </a:rPr>
+              <a:t>Tiene </a:t>
+            </a:r>
+            <a:r>
+              <a:rPr lang="es-ES" sz="1600" b="1" dirty="0">
+                <a:solidFill>
+                  <a:srgbClr val="333333"/>
+                </a:solidFill>
+              </a:rPr>
+              <a:t>7 canales </a:t>
+            </a:r>
+            <a:r>
+              <a:rPr lang="es-ES" sz="1600" dirty="0">
+                <a:solidFill>
+                  <a:srgbClr val="333333"/>
+                </a:solidFill>
+              </a:rPr>
+              <a:t>de </a:t>
+            </a:r>
+            <a:r>
+              <a:rPr lang="es-ES" sz="1600" b="1" dirty="0">
+                <a:solidFill>
+                  <a:srgbClr val="333333"/>
+                </a:solidFill>
+              </a:rPr>
+              <a:t>160 MHz</a:t>
+            </a:r>
+            <a:r>
+              <a:rPr lang="es-ES" sz="1600" dirty="0">
+                <a:solidFill>
+                  <a:srgbClr val="333333"/>
+                </a:solidFill>
+              </a:rPr>
+              <a:t>.</a:t>
+            </a:r>
+            <a:endParaRPr lang="es-ES" sz="1400" dirty="0">
+              <a:solidFill>
+                <a:srgbClr val="333333"/>
+              </a:solidFill>
+            </a:endParaRPr>
+          </a:p>
+          <a:p>
+            <a:pPr algn="just">
+              <a:buFont typeface="Arial" panose="020B0604020202020204" pitchFamily="34" charset="0"/>
+              <a:buChar char="•"/>
+            </a:pPr>
+            <a:endParaRPr lang="es-ES" altLang="es-MX" sz="1600" dirty="0">
+              <a:solidFill>
+                <a:srgbClr val="333333"/>
+              </a:solidFill>
+            </a:endParaRPr>
+          </a:p>
+          <a:p>
+            <a:pPr algn="just">
+              <a:buFont typeface="Arial" panose="020B0604020202020204" pitchFamily="34" charset="0"/>
+              <a:buChar char="•"/>
+            </a:pPr>
+            <a:endParaRPr lang="es-ES" altLang="es-MX" sz="1600" b="1" dirty="0">
+              <a:solidFill>
+                <a:srgbClr val="333333"/>
+              </a:solidFill>
+            </a:endParaRPr>
+          </a:p>
+        </p:txBody>
+      </p:sp>
+      <p:pic>
+        <p:nvPicPr>
+          <p:cNvPr id="24" name="Imagen 23" descr="Interfaz de usuario gráfica&#10;&#10;Descripción generada automáticamente">
+            <a:extLst>
+              <a:ext uri="{FF2B5EF4-FFF2-40B4-BE49-F238E27FC236}">
+                <a16:creationId xmlns:a16="http://schemas.microsoft.com/office/drawing/2014/main" id="{6E72525A-EA2E-02F2-2ADA-1A5C473311F4}"/>
+              </a:ext>
+            </a:extLst>
+          </p:cNvPr>
+          <p:cNvPicPr>
+            <a:picLocks noChangeAspect="1"/>
+          </p:cNvPicPr>
+          <p:nvPr/>
+        </p:nvPicPr>
+        <p:blipFill>
+          <a:blip r:embed="rId4" cstate="print">
+            <a:extLst>
+              <a:ext uri="{28A0092B-C50C-407E-A947-70E740481C1C}">
+                <a14:useLocalDpi xmlns:a14="http://schemas.microsoft.com/office/drawing/2010/main" val="0"/>
+              </a:ext>
+            </a:extLst>
+          </a:blip>
+          <a:stretch>
+            <a:fillRect/>
+          </a:stretch>
+        </p:blipFill>
+        <p:spPr>
+          <a:xfrm>
+            <a:off x="3720470" y="4523964"/>
+            <a:ext cx="5087878" cy="2130549"/>
+          </a:xfrm>
+          <a:prstGeom prst="rect">
+            <a:avLst/>
+          </a:prstGeom>
+        </p:spPr>
+      </p:pic>
+    </p:spTree>
+    <p:extLst>
+      <p:ext uri="{BB962C8B-B14F-4D97-AF65-F5344CB8AC3E}">
+        <p14:creationId xmlns:p14="http://schemas.microsoft.com/office/powerpoint/2010/main" val="2925606516"/>
+      </p:ext>
+    </p:extLst>
+  </p:cSld>
+  <p:clrMapOvr>
+    <a:masterClrMapping/>
+  </p:clrMapOvr>
+  <p:transition spd="slow">
+    <p:wipe/>
+  </p:transition>
+  <p:timing>
+    <p:tnLst>
+      <p:par>
+        <p:cTn id="1" dur="indefinite" restart="never" nodeType="tmRoot">
+          <p:childTnLst>
+            <p:seq concurrent="1" nextAc="seek">
+              <p:cTn id="2" dur="indefinite" nodeType="mainSeq">
+                <p:childTnLst>
+                  <p:par>
+                    <p:cTn id="3" fill="hold">
+                      <p:stCondLst>
+                        <p:cond delay="indefinite"/>
+                      </p:stCondLst>
+                      <p:childTnLst>
+                        <p:par>
+                          <p:cTn id="4" fill="hold">
+                            <p:stCondLst>
+                              <p:cond delay="0"/>
+                            </p:stCondLst>
+                            <p:childTnLst>
+                              <p:par>
+                                <p:cTn id="5" presetID="1" presetClass="entr" presetSubtype="0" fill="hold" grpId="0" nodeType="clickEffect">
+                                  <p:stCondLst>
+                                    <p:cond delay="0"/>
+                                  </p:stCondLst>
+                                  <p:childTnLst>
+                                    <p:set>
+                                      <p:cBhvr>
+                                        <p:cTn id="6" dur="1" fill="hold">
+                                          <p:stCondLst>
+                                            <p:cond delay="0"/>
+                                          </p:stCondLst>
+                                        </p:cTn>
+                                        <p:tgtEl>
+                                          <p:spTgt spid="8"/>
+                                        </p:tgtEl>
+                                        <p:attrNameLst>
+                                          <p:attrName>style.visibility</p:attrName>
+                                        </p:attrNameLst>
+                                      </p:cBhvr>
+                                      <p:to>
+                                        <p:strVal val="visible"/>
+                                      </p:to>
+                                    </p:set>
+                                  </p:childTnLst>
+                                </p:cTn>
+                              </p:par>
+                            </p:childTnLst>
+                          </p:cTn>
+                        </p:par>
+                      </p:childTnLst>
+                    </p:cTn>
+                  </p:par>
+                  <p:par>
+                    <p:cTn id="7" fill="hold">
+                      <p:stCondLst>
+                        <p:cond delay="indefinite"/>
+                      </p:stCondLst>
+                      <p:childTnLst>
+                        <p:par>
+                          <p:cTn id="8" fill="hold">
+                            <p:stCondLst>
+                              <p:cond delay="0"/>
+                            </p:stCondLst>
+                            <p:childTnLst>
+                              <p:par>
+                                <p:cTn id="9" presetID="1" presetClass="entr" presetSubtype="0" fill="hold" grpId="0" nodeType="clickEffect">
+                                  <p:stCondLst>
+                                    <p:cond delay="0"/>
+                                  </p:stCondLst>
+                                  <p:childTnLst>
+                                    <p:set>
+                                      <p:cBhvr>
+                                        <p:cTn id="10" dur="1" fill="hold">
+                                          <p:stCondLst>
+                                            <p:cond delay="0"/>
+                                          </p:stCondLst>
+                                        </p:cTn>
+                                        <p:tgtEl>
+                                          <p:spTgt spid="23"/>
+                                        </p:tgtEl>
+                                        <p:attrNameLst>
+                                          <p:attrName>style.visibility</p:attrName>
+                                        </p:attrNameLst>
+                                      </p:cBhvr>
+                                      <p:to>
+                                        <p:strVal val="visible"/>
+                                      </p:to>
+                                    </p:set>
+                                  </p:childTnLst>
+                                </p:cTn>
+                              </p:par>
+                            </p:childTnLst>
+                          </p:cTn>
+                        </p:par>
+                      </p:childTnLst>
+                    </p:cTn>
+                  </p:par>
+                </p:childTnLst>
+              </p:cTn>
+              <p:prevCondLst>
+                <p:cond evt="onPrev" delay="0">
+                  <p:tgtEl>
+                    <p:sldTgt/>
+                  </p:tgtEl>
+                </p:cond>
+              </p:prevCondLst>
+              <p:nextCondLst>
+                <p:cond evt="onNext" delay="0">
+                  <p:tgtEl>
+                    <p:sldTgt/>
+                  </p:tgtEl>
+                </p:cond>
+              </p:nextCondLst>
+            </p:seq>
+          </p:childTnLst>
+        </p:cTn>
+      </p:par>
+    </p:tnLst>
+    <p:bldLst>
+      <p:bldP spid="8" grpId="0"/>
+      <p:bldP spid="23" grpId="0"/>
+    </p:bldLst>
+  </p:timing>
+</p:sld>
+</file>
+
+<file path=ppt/slides/slide12.xml><?xml version="1.0" encoding="utf-8"?>
+<p:sld xmlns:a="http://schemas.openxmlformats.org/drawingml/2006/main" xmlns:r="http://schemas.openxmlformats.org/officeDocument/2006/relationships" xmlns:p="http://schemas.openxmlformats.org/presentationml/2006/main">
+  <p:cSld>
+    <p:spTree>
+      <p:nvGrpSpPr>
+        <p:cNvPr id="1" name=""/>
+        <p:cNvGrpSpPr/>
+        <p:nvPr/>
+      </p:nvGrpSpPr>
+      <p:grpSpPr>
+        <a:xfrm>
+          <a:off x="0" y="0"/>
+          <a:ext cx="0" cy="0"/>
+          <a:chOff x="0" y="0"/>
+          <a:chExt cx="0" cy="0"/>
+        </a:xfrm>
+      </p:grpSpPr>
+      <p:sp>
+        <p:nvSpPr>
+          <p:cNvPr id="6" name="Rectangle 2">
+            <a:extLst>
+              <a:ext uri="{FF2B5EF4-FFF2-40B4-BE49-F238E27FC236}">
+                <a16:creationId xmlns:a16="http://schemas.microsoft.com/office/drawing/2014/main" id="{C2EE2F51-F651-41B2-9513-9FDF35897CA6}"/>
+              </a:ext>
+            </a:extLst>
+          </p:cNvPr>
+          <p:cNvSpPr txBox="1">
+            <a:spLocks noChangeArrowheads="1"/>
+          </p:cNvSpPr>
+          <p:nvPr/>
+        </p:nvSpPr>
+        <p:spPr>
+          <a:xfrm>
+            <a:off x="89756" y="0"/>
+            <a:ext cx="8730716" cy="1143000"/>
+          </a:xfrm>
+          <a:prstGeom prst="rect">
+            <a:avLst/>
+          </a:prstGeom>
+        </p:spPr>
+        <p:txBody>
+          <a:bodyPr vert="horz" lIns="92075" tIns="46038" rIns="92075" bIns="46038" rtlCol="0" anchor="ctr">
+            <a:noAutofit/>
+          </a:bodyPr>
+          <a:lstStyle>
+            <a:lvl1pPr algn="ctr" defTabSz="914400" rtl="0" eaLnBrk="1" latinLnBrk="0" hangingPunct="1">
+              <a:spcBef>
+                <a:spcPct val="0"/>
+              </a:spcBef>
+              <a:buNone/>
+              <a:defRPr sz="4400" kern="1200">
+                <a:solidFill>
+                  <a:schemeClr val="tx1"/>
+                </a:solidFill>
+                <a:latin typeface="+mj-lt"/>
+                <a:ea typeface="+mj-ea"/>
+                <a:cs typeface="+mj-cs"/>
+              </a:defRPr>
+            </a:lvl1pPr>
+          </a:lstStyle>
+          <a:p>
+            <a:pPr>
+              <a:defRPr/>
+            </a:pPr>
+            <a:r>
+              <a:rPr lang="es-ES_tradnl" sz="3200" dirty="0">
+                <a:solidFill>
+                  <a:srgbClr val="3333CC"/>
+                </a:solidFill>
+                <a:effectLst>
+                  <a:outerShdw blurRad="38100" dist="38100" dir="2700000" algn="tl">
+                    <a:srgbClr val="C0C0C0"/>
+                  </a:outerShdw>
+                </a:effectLst>
+                <a:latin typeface="Dom Casual" charset="0"/>
+              </a:rPr>
+              <a:t> </a:t>
+            </a:r>
+            <a:r>
+              <a:rPr lang="es-ES_tradnl" sz="3200" b="1" dirty="0">
+                <a:solidFill>
+                  <a:schemeClr val="accent4">
+                    <a:lumMod val="50000"/>
+                  </a:schemeClr>
+                </a:solidFill>
+                <a:effectLst>
+                  <a:outerShdw blurRad="38100" dist="38100" dir="2700000" algn="tl">
+                    <a:srgbClr val="C0C0C0"/>
+                  </a:outerShdw>
+                </a:effectLst>
+                <a:latin typeface="Dom Casual" charset="0"/>
+              </a:rPr>
+              <a:t>Tipos de señales </a:t>
+            </a:r>
+            <a:r>
+              <a:rPr lang="es-ES_tradnl" sz="3200" b="1" dirty="0" err="1">
+                <a:solidFill>
+                  <a:schemeClr val="accent4">
+                    <a:lumMod val="50000"/>
+                  </a:schemeClr>
+                </a:solidFill>
+                <a:effectLst>
+                  <a:outerShdw blurRad="38100" dist="38100" dir="2700000" algn="tl">
+                    <a:srgbClr val="C0C0C0"/>
+                  </a:outerShdw>
+                </a:effectLst>
+                <a:latin typeface="Dom Casual" charset="0"/>
+              </a:rPr>
+              <a:t>Wi</a:t>
+            </a:r>
+            <a:r>
+              <a:rPr lang="es-ES_tradnl" sz="3200" b="1" dirty="0">
+                <a:solidFill>
+                  <a:schemeClr val="accent4">
+                    <a:lumMod val="50000"/>
+                  </a:schemeClr>
+                </a:solidFill>
+                <a:effectLst>
+                  <a:outerShdw blurRad="38100" dist="38100" dir="2700000" algn="tl">
+                    <a:srgbClr val="C0C0C0"/>
+                  </a:outerShdw>
+                </a:effectLst>
+                <a:latin typeface="Dom Casual" charset="0"/>
+              </a:rPr>
+              <a:t>-Fi</a:t>
+            </a:r>
+          </a:p>
+        </p:txBody>
+      </p:sp>
+      <p:sp>
+        <p:nvSpPr>
+          <p:cNvPr id="7" name="2 Marcador de contenido">
+            <a:extLst>
+              <a:ext uri="{FF2B5EF4-FFF2-40B4-BE49-F238E27FC236}">
+                <a16:creationId xmlns:a16="http://schemas.microsoft.com/office/drawing/2014/main" id="{81B15081-762F-4B85-82C8-46A3C9FC4613}"/>
+              </a:ext>
+            </a:extLst>
+          </p:cNvPr>
+          <p:cNvSpPr>
+            <a:spLocks noGrp="1"/>
+          </p:cNvSpPr>
+          <p:nvPr>
+            <p:ph idx="1"/>
+          </p:nvPr>
+        </p:nvSpPr>
+        <p:spPr>
+          <a:xfrm>
+            <a:off x="323528" y="1268760"/>
+            <a:ext cx="8568952" cy="504056"/>
+          </a:xfrm>
+        </p:spPr>
+        <p:txBody>
+          <a:bodyPr>
+            <a:noAutofit/>
+          </a:bodyPr>
+          <a:lstStyle/>
+          <a:p>
+            <a:pPr marL="0" indent="0" algn="just">
+              <a:lnSpc>
+                <a:spcPts val="2600"/>
+              </a:lnSpc>
+              <a:spcBef>
+                <a:spcPts val="0"/>
+              </a:spcBef>
+              <a:spcAft>
+                <a:spcPts val="0"/>
+              </a:spcAft>
+              <a:buNone/>
+            </a:pPr>
+            <a:r>
+              <a:rPr lang="es-ES" sz="1600" dirty="0">
+                <a:solidFill>
+                  <a:srgbClr val="333333"/>
+                </a:solidFill>
+              </a:rPr>
+              <a:t>Cómo están distribuidas las bandas entre las frecuencias y cuantos canales tenemos en cada banda:</a:t>
+            </a:r>
+            <a:endParaRPr lang="es-ES" altLang="es-MX" sz="1600" dirty="0"/>
+          </a:p>
+        </p:txBody>
+      </p:sp>
+      <p:pic>
+        <p:nvPicPr>
+          <p:cNvPr id="3" name="Imagen 2">
+            <a:extLst>
+              <a:ext uri="{FF2B5EF4-FFF2-40B4-BE49-F238E27FC236}">
+                <a16:creationId xmlns:a16="http://schemas.microsoft.com/office/drawing/2014/main" id="{11A79675-A121-BAA8-146F-829D2C009FE7}"/>
+              </a:ext>
+            </a:extLst>
+          </p:cNvPr>
+          <p:cNvPicPr>
+            <a:picLocks noChangeAspect="1"/>
+          </p:cNvPicPr>
+          <p:nvPr/>
+        </p:nvPicPr>
+        <p:blipFill>
+          <a:blip r:embed="rId3"/>
+          <a:stretch>
+            <a:fillRect/>
+          </a:stretch>
+        </p:blipFill>
+        <p:spPr>
+          <a:xfrm>
+            <a:off x="323528" y="1924057"/>
+            <a:ext cx="8244408" cy="3194708"/>
+          </a:xfrm>
+          <a:prstGeom prst="rect">
+            <a:avLst/>
+          </a:prstGeom>
+        </p:spPr>
+      </p:pic>
+      <p:sp>
+        <p:nvSpPr>
+          <p:cNvPr id="4" name="CuadroTexto 3">
+            <a:extLst>
+              <a:ext uri="{FF2B5EF4-FFF2-40B4-BE49-F238E27FC236}">
+                <a16:creationId xmlns:a16="http://schemas.microsoft.com/office/drawing/2014/main" id="{0D11DBEE-143D-4D0C-CBB7-6545A70103E8}"/>
+              </a:ext>
+            </a:extLst>
+          </p:cNvPr>
+          <p:cNvSpPr txBox="1"/>
+          <p:nvPr/>
+        </p:nvSpPr>
+        <p:spPr>
+          <a:xfrm>
+            <a:off x="336834" y="5301208"/>
+            <a:ext cx="8244408" cy="830997"/>
+          </a:xfrm>
+          <a:prstGeom prst="rect">
+            <a:avLst/>
+          </a:prstGeom>
+          <a:noFill/>
+        </p:spPr>
+        <p:txBody>
+          <a:bodyPr wrap="square">
+            <a:spAutoFit/>
+          </a:bodyPr>
+          <a:lstStyle/>
+          <a:p>
+            <a:r>
+              <a:rPr lang="es-MX" sz="1200" dirty="0">
+                <a:solidFill>
+                  <a:srgbClr val="262626"/>
+                </a:solidFill>
+                <a:effectLst/>
+                <a:latin typeface="Tahoma" panose="020B0604030504040204" pitchFamily="34" charset="0"/>
+                <a:ea typeface="Times New Roman" panose="02020603050405020304" pitchFamily="18" charset="0"/>
+              </a:rPr>
+              <a:t>Los números 2.4 GHz, 5 GHz y 6 GHz se refieren a las bandas de frecuencia de RF específicas aprobadas para uso inalámbrico. Un menor número significa menos repeticiones de patrones de onda con el tiempo, mientras que un mayor número significa más repeticiones que pueden transmitir más datos. 1 hercio (Hz) representa una repetición por segundo y 1 </a:t>
+            </a:r>
+            <a:r>
+              <a:rPr lang="es-MX" sz="1200" dirty="0" err="1">
+                <a:solidFill>
+                  <a:srgbClr val="262626"/>
+                </a:solidFill>
+                <a:effectLst/>
+                <a:latin typeface="Tahoma" panose="020B0604030504040204" pitchFamily="34" charset="0"/>
+                <a:ea typeface="Times New Roman" panose="02020603050405020304" pitchFamily="18" charset="0"/>
+              </a:rPr>
+              <a:t>gigahertcio</a:t>
+            </a:r>
+            <a:r>
+              <a:rPr lang="es-MX" sz="1200" dirty="0">
+                <a:solidFill>
+                  <a:srgbClr val="262626"/>
+                </a:solidFill>
+                <a:effectLst/>
+                <a:latin typeface="Tahoma" panose="020B0604030504040204" pitchFamily="34" charset="0"/>
+                <a:ea typeface="Times New Roman" panose="02020603050405020304" pitchFamily="18" charset="0"/>
+              </a:rPr>
+              <a:t> (GHz) representa mil millones de repeticiones por segundo.</a:t>
+            </a:r>
+            <a:endParaRPr lang="es-MX" sz="1200" dirty="0"/>
+          </a:p>
+        </p:txBody>
+      </p:sp>
+    </p:spTree>
+    <p:extLst>
+      <p:ext uri="{BB962C8B-B14F-4D97-AF65-F5344CB8AC3E}">
+        <p14:creationId xmlns:p14="http://schemas.microsoft.com/office/powerpoint/2010/main" val="617828454"/>
+      </p:ext>
+    </p:extLst>
+  </p:cSld>
+  <p:clrMapOvr>
+    <a:masterClrMapping/>
+  </p:clrMapOvr>
+  <p:transition spd="slow">
+    <p:wipe/>
+  </p:transition>
+  <p:timing>
+    <p:tnLst>
+      <p:par>
+        <p:cTn id="1" dur="indefinite" restart="never" nodeType="tmRoot">
+          <p:childTnLst>
+            <p:seq concurrent="1" nextAc="seek">
+              <p:cTn id="2" dur="indefinite" nodeType="mainSeq">
+                <p:childTnLst>
+                  <p:par>
+                    <p:cTn id="3" fill="hold">
+                      <p:stCondLst>
+                        <p:cond delay="indefinite"/>
+                      </p:stCondLst>
+                      <p:childTnLst>
+                        <p:par>
+                          <p:cTn id="4" fill="hold">
+                            <p:stCondLst>
+                              <p:cond delay="0"/>
+                            </p:stCondLst>
+                            <p:childTnLst>
+                              <p:par>
+                                <p:cTn id="5" presetID="1" presetClass="entr" presetSubtype="0" fill="hold" grpId="0" nodeType="clickEffect">
+                                  <p:stCondLst>
+                                    <p:cond delay="0"/>
+                                  </p:stCondLst>
+                                  <p:childTnLst>
+                                    <p:set>
+                                      <p:cBhvr>
+                                        <p:cTn id="6" dur="1" fill="hold">
+                                          <p:stCondLst>
+                                            <p:cond delay="0"/>
+                                          </p:stCondLst>
+                                        </p:cTn>
+                                        <p:tgtEl>
+                                          <p:spTgt spid="7">
+                                            <p:txEl>
+                                              <p:pRg st="0" end="0"/>
                                             </p:txEl>
                                           </p:spTgt>
                                         </p:tgtEl>
@@ -18841,7 +19100,7 @@
         </p:blipFill>
         <p:spPr>
           <a:xfrm>
-            <a:off x="5724378" y="1299294"/>
+            <a:off x="5699427" y="917848"/>
             <a:ext cx="3334851" cy="2016223"/>
           </a:xfrm>
           <a:prstGeom prst="rect">
@@ -18979,7 +19238,7 @@
         </p:nvSpPr>
         <p:spPr>
           <a:xfrm>
-            <a:off x="467544" y="1462472"/>
+            <a:off x="243761" y="1324775"/>
             <a:ext cx="4896544" cy="782960"/>
           </a:xfrm>
         </p:spPr>
@@ -19065,8 +19324,8 @@
         </p:nvSpPr>
         <p:spPr bwMode="auto">
           <a:xfrm>
-            <a:off x="491114" y="2349692"/>
-            <a:ext cx="3915562" cy="4103643"/>
+            <a:off x="251520" y="2282378"/>
+            <a:ext cx="4149334" cy="4103643"/>
           </a:xfrm>
           <a:prstGeom prst="rect">
             <a:avLst/>
@@ -19275,24 +19534,24 @@
               <a:buNone/>
             </a:pPr>
             <a:r>
-              <a:rPr lang="es-ES" sz="1600" b="1" dirty="0">
+              <a:rPr lang="es-ES" sz="1600" b="1" dirty="0" err="1">
                 <a:solidFill>
                   <a:schemeClr val="accent6">
                     <a:lumMod val="75000"/>
                   </a:schemeClr>
                 </a:solidFill>
               </a:rPr>
-              <a:t>2.4 GHz</a:t>
-            </a:r>
-            <a:r>
-              <a:rPr lang="es-ES" sz="1600" dirty="0">
+              <a:t>WiFi</a:t>
+            </a:r>
+            <a:r>
+              <a:rPr lang="es-ES" sz="1600" b="1" dirty="0">
                 <a:solidFill>
                   <a:schemeClr val="accent6">
                     <a:lumMod val="75000"/>
                   </a:schemeClr>
                 </a:solidFill>
               </a:rPr>
-              <a:t> </a:t>
+              <a:t> 2.4 </a:t>
             </a:r>
           </a:p>
           <a:p>
@@ -19301,6 +19560,33 @@
               <a:buChar char="•"/>
             </a:pPr>
             <a:r>
+              <a:rPr lang="es-ES" sz="1600" dirty="0">
+                <a:solidFill>
+                  <a:srgbClr val="333333"/>
+                </a:solidFill>
+              </a:rPr>
+              <a:t>Banda de frecuencia de </a:t>
+            </a:r>
+            <a:r>
+              <a:rPr lang="es-ES" sz="1600" b="1" dirty="0">
+                <a:solidFill>
+                  <a:srgbClr val="333333"/>
+                </a:solidFill>
+              </a:rPr>
+              <a:t>2.4 GHz.</a:t>
+            </a:r>
+            <a:endParaRPr lang="es-ES" sz="1400" dirty="0">
+              <a:solidFill>
+                <a:srgbClr val="333333"/>
+              </a:solidFill>
+            </a:endParaRPr>
+          </a:p>
+          <a:p>
+            <a:pPr algn="just">
+              <a:buFont typeface="Arial" panose="020B0604020202020204" pitchFamily="34" charset="0"/>
+              <a:buChar char="•"/>
+            </a:pPr>
+            <a:r>
               <a:rPr lang="es-ES" sz="1600" b="1" dirty="0">
                 <a:solidFill>
                   <a:srgbClr val="333333"/>
@@ -19463,6 +19749,17 @@
               <a:t>.</a:t>
             </a:r>
             <a:endParaRPr lang="es-ES" sz="1400" dirty="0">
+              <a:solidFill>
+                <a:srgbClr val="333333"/>
+              </a:solidFill>
+            </a:endParaRPr>
+          </a:p>
+          <a:p>
+            <a:pPr>
+              <a:buFont typeface="Arial" panose="020B0604020202020204" pitchFamily="34" charset="0"/>
+              <a:buChar char="•"/>
+            </a:pPr>
+            <a:endParaRPr lang="es-ES" sz="1600" dirty="0">
               <a:solidFill>
                 <a:srgbClr val="333333"/>
               </a:solidFill>
@@ -19486,8 +19783,8 @@
         </p:nvSpPr>
         <p:spPr bwMode="auto">
           <a:xfrm>
-            <a:off x="4410236" y="2564903"/>
-            <a:ext cx="4122204" cy="3888431"/>
+            <a:off x="4499992" y="2289510"/>
+            <a:ext cx="4149334" cy="4320481"/>
           </a:xfrm>
           <a:prstGeom prst="rect">
             <a:avLst/>
@@ -19695,18 +19992,27 @@
               <a:spcAft>
                 <a:spcPts val="0"/>
               </a:spcAft>
-              <a:buFont typeface="Wingdings" panose="05000000000000000000" pitchFamily="2" charset="2"/>
               <a:buNone/>
             </a:pPr>
             <a:r>
-              <a:rPr lang="es-ES" sz="1600" b="1" dirty="0">
+              <a:rPr lang="es-ES" sz="1600" b="1" dirty="0" err="1">
                 <a:solidFill>
                   <a:schemeClr val="accent6">
                     <a:lumMod val="75000"/>
                   </a:schemeClr>
                 </a:solidFill>
               </a:rPr>
-              <a:t>5 GHz</a:t>
+              <a:t>WiFi</a:t>
+            </a:r>
+            <a:r>
+              <a:rPr lang="es-ES" sz="1600" b="1" dirty="0">
+                <a:solidFill>
+                  <a:schemeClr val="accent6">
+                    <a:lumMod val="75000"/>
+                  </a:schemeClr>
+                </a:solidFill>
+              </a:rPr>
+              <a:t> 5 </a:t>
             </a:r>
           </a:p>
           <a:p>
@@ -19715,21 +20021,26 @@
               <a:buChar char="•"/>
             </a:pPr>
             <a:r>
+              <a:rPr lang="es-ES" sz="1600" dirty="0">
+                <a:solidFill>
+                  <a:srgbClr val="333333"/>
+                </a:solidFill>
+              </a:rPr>
+              <a:t>Banda de frecuencia de </a:t>
+            </a:r>
+            <a:r>
               <a:rPr lang="es-ES" sz="1600" b="1" dirty="0">
                 <a:solidFill>
                   <a:srgbClr val="333333"/>
                 </a:solidFill>
               </a:rPr>
-              <a:t>Cobertura baja</a:t>
-            </a:r>
-            <a:r>
-              <a:rPr lang="es-ES" sz="1600" dirty="0">
-                <a:solidFill>
-                  <a:srgbClr val="333333"/>
-                </a:solidFill>
-              </a:rPr>
-              <a:t>.</a:t>
-            </a:r>
+              <a:t>5 GHz.</a:t>
+            </a:r>
+            <a:endParaRPr lang="es-ES" sz="1400" dirty="0">
+              <a:solidFill>
+                <a:srgbClr val="333333"/>
+              </a:solidFill>
+            </a:endParaRPr>
           </a:p>
           <a:p>
             <a:pPr algn="just">
@@ -19742,15 +20053,15 @@
                   <a:srgbClr val="333333"/>
                 </a:solidFill>
               </a:rPr>
-              <a:t>Poder de penetración bajo </a:t>
-            </a:r>
-            <a:r>
-              <a:rPr lang="es-ES" sz="1400" dirty="0">
+              <a:t>Cobertura baja</a:t>
+            </a:r>
+            <a:r>
+              <a:rPr lang="es-ES" sz="1600" dirty="0">
                 <a:solidFill>
                   <a:srgbClr val="333333"/>
                 </a:solidFill>
               </a:rPr>
-              <a:t>(No puede pasar a través de muros y ventanas).</a:t>
+              <a:t>.</a:t>
             </a:r>
           </a:p>
           <a:p>
@@ -19759,12 +20070,20 @@
               <a:buChar char="•"/>
             </a:pPr>
             <a:r>
-              <a:rPr lang="es-ES" sz="1600" dirty="0">
+              <a:rPr lang="es-ES" sz="1600" b="1" dirty="0">
                 <a:solidFill>
                   <a:srgbClr val="333333"/>
                 </a:solidFill>
               </a:rPr>
-              <a:t>Compatibilidad con la mayoría de los dispositivos.</a:t>
+              <a:t>Poder de penetración bajo </a:t>
+            </a:r>
+            <a:r>
+              <a:rPr lang="es-ES" sz="1400" dirty="0">
+                <a:solidFill>
+                  <a:srgbClr val="333333"/>
+                </a:solidFill>
+              </a:rPr>
+              <a:t>(No puede pasar a través de muros y ventanas).</a:t>
             </a:r>
           </a:p>
           <a:p>
@@ -19778,6 +20097,20 @@
                   <a:srgbClr val="333333"/>
                 </a:solidFill>
               </a:rPr>
+              <a:t>Compatibilidad con la mayoría de los dispositivos.</a:t>
+            </a:r>
+          </a:p>
+          <a:p>
+            <a:pPr algn="just">
+              <a:buFont typeface="Arial" panose="020B0604020202020204" pitchFamily="34" charset="0"/>
+              <a:buChar char="•"/>
+            </a:pPr>
+            <a:r>
+              <a:rPr lang="es-ES" sz="1600" dirty="0">
+                <a:solidFill>
+                  <a:srgbClr val="333333"/>
+                </a:solidFill>
+              </a:rPr>
               <a:t>Su </a:t>
             </a:r>
             <a:r>
@@ -19786,7 +20119,7 @@
                   <a:srgbClr val="333333"/>
                 </a:solidFill>
               </a:rPr>
-              <a:t>velocidad es muy alta 1 Gbps </a:t>
+              <a:t>velocidad es alta 1 Gbps </a:t>
             </a:r>
             <a:r>
               <a:rPr lang="es-ES" sz="1400" dirty="0">
@@ -20034,7 +20367,7 @@
                                         <p:tgtEl>
                                           <p:spTgt spid="5">
                                             <p:txEl>
-                                              <p:pRg st="1" end="1"/>
+                                              <p:pRg st="2" end="2"/>
                                             </p:txEl>
                                           </p:spTgt>
                                         </p:tgtEl>
@@ -20065,7 +20398,7 @@
                                         <p:tgtEl>
                                           <p:spTgt spid="5">
                                             <p:txEl>
-                                              <p:pRg st="2" end="2"/>
+                                              <p:pRg st="1" end="1"/>
                                             </p:txEl>
                                           </p:spTgt>
                                         </p:tgtEl>
@@ -20235,6 +20568,37 @@
                                   </p:childTnLst>
                                 </p:cTn>
                               </p:par>
+                              <p:par>
+                                <p:cTn id="25" presetID="1" presetClass="entr" presetSubtype="0" fill="hold" nodeType="withEffect">
+                                  <p:stCondLst>
+                                    <p:cond delay="0"/>
+                                  </p:stCondLst>
+                                  <p:childTnLst>
+                                    <p:set>
+                                      <p:cBhvr>
+                                        <p:cTn id="26" dur="1" fill="hold">
+                                          <p:stCondLst>
+                                            <p:cond delay="0"/>
+                                          </p:stCondLst>
+                                        </p:cTn>
+                                        <p:tgtEl>
+                                          <p:spTgt spid="5">
+                                            <p:txEl>
+                                              <p:pRg st="8" end="8"/>
+                                            </p:txEl>
+                                          </p:spTgt>
+                                        </p:tgtEl>
+                                        <p:attrNameLst>
+                                          <p:attrName>style.visibility</p:attrName>
+                                        </p:attrNameLst>
+                                      </p:cBhvr>
+                                      <p:to>
+                                        <p:strVal val="visible"/>
+                                      </p:to>
+                                    </p:set>
+                                  </p:childTnLst>
+                                </p:cTn>
+                              </p:par>
                             </p:childTnLst>
                           </p:cTn>
                         </p:par>
@@ -20242,26 +20606,26 @@
                     </p:cTn>
                   </p:par>
                   <p:par>
-                    <p:cTn id="25" fill="hold">
+                    <p:cTn id="27" fill="hold">
                       <p:stCondLst>
                         <p:cond delay="indefinite"/>
                       </p:stCondLst>
                       <p:childTnLst>
                         <p:par>
-                          <p:cTn id="26" fill="hold">
+                          <p:cTn id="28" fill="hold">
                             <p:stCondLst>
                               <p:cond delay="0"/>
                             </p:stCondLst>
                             <p:childTnLst>
                               <p:par>
-                                <p:cTn id="27" presetID="1" presetClass="entr" presetSubtype="0" fill="hold" grpId="0" nodeType="clickEffect">
+                                <p:cTn id="29" presetID="1" presetClass="entr" presetSubtype="0" fill="hold" grpId="0" nodeType="clickEffect">
                                   <p:stCondLst>
                                     <p:cond delay="0"/>
                                   </p:stCondLst>
                                   <p:childTnLst>
                                     <p:set>
                                       <p:cBhvr>
-                                        <p:cTn id="28" dur="1" fill="hold">
+                                        <p:cTn id="30" dur="1" fill="hold">
                                           <p:stCondLst>
                                             <p:cond delay="0"/>
                                           </p:stCondLst>

--- a/CalendarioAgo23/Presentaciones/7_RedesInalambricasR.pptx
+++ b/CalendarioAgo23/Presentaciones/7_RedesInalambricasR.pptx
@@ -229,7 +229,7 @@
           <a:p>
             <a:fld id="{CFD15F0F-6D28-499C-8425-A9347399C9A5}" type="datetimeFigureOut">
               <a:rPr lang="es-MX" smtClean="0"/>
-              <a:t>31/10/2023</a:t>
+              <a:t>01/11/2023</a:t>
             </a:fld>
             <a:endParaRPr lang="es-MX" dirty="0"/>
           </a:p>
@@ -394,7 +394,7 @@
           <a:p>
             <a:fld id="{2D445F07-8756-451B-A938-0248325FC7BB}" type="datetimeFigureOut">
               <a:rPr lang="es-MX" smtClean="0"/>
-              <a:t>31/10/2023</a:t>
+              <a:t>01/11/2023</a:t>
             </a:fld>
             <a:endParaRPr lang="es-MX" dirty="0"/>
           </a:p>
@@ -2052,7 +2052,7 @@
           <a:p>
             <a:fld id="{5E75A0DC-66C6-4CEC-A5EB-F8C97CEC3796}" type="datetimeFigureOut">
               <a:rPr lang="es-MX" smtClean="0"/>
-              <a:t>31/10/2023</a:t>
+              <a:t>01/11/2023</a:t>
             </a:fld>
             <a:endParaRPr lang="es-MX" dirty="0"/>
           </a:p>
@@ -2222,7 +2222,7 @@
           <a:p>
             <a:fld id="{5E75A0DC-66C6-4CEC-A5EB-F8C97CEC3796}" type="datetimeFigureOut">
               <a:rPr lang="es-MX" smtClean="0"/>
-              <a:t>31/10/2023</a:t>
+              <a:t>01/11/2023</a:t>
             </a:fld>
             <a:endParaRPr lang="es-MX" dirty="0"/>
           </a:p>
@@ -2402,7 +2402,7 @@
           <a:p>
             <a:fld id="{5E75A0DC-66C6-4CEC-A5EB-F8C97CEC3796}" type="datetimeFigureOut">
               <a:rPr lang="es-MX" smtClean="0"/>
-              <a:t>31/10/2023</a:t>
+              <a:t>01/11/2023</a:t>
             </a:fld>
             <a:endParaRPr lang="es-MX" dirty="0"/>
           </a:p>
@@ -2877,7 +2877,7 @@
           <a:p>
             <a:fld id="{5E75A0DC-66C6-4CEC-A5EB-F8C97CEC3796}" type="datetimeFigureOut">
               <a:rPr lang="es-MX" smtClean="0"/>
-              <a:t>31/10/2023</a:t>
+              <a:t>01/11/2023</a:t>
             </a:fld>
             <a:endParaRPr lang="es-MX" dirty="0"/>
           </a:p>
@@ -3123,7 +3123,7 @@
           <a:p>
             <a:fld id="{5E75A0DC-66C6-4CEC-A5EB-F8C97CEC3796}" type="datetimeFigureOut">
               <a:rPr lang="es-MX" smtClean="0"/>
-              <a:t>31/10/2023</a:t>
+              <a:t>01/11/2023</a:t>
             </a:fld>
             <a:endParaRPr lang="es-MX" dirty="0"/>
           </a:p>
@@ -3411,7 +3411,7 @@
           <a:p>
             <a:fld id="{5E75A0DC-66C6-4CEC-A5EB-F8C97CEC3796}" type="datetimeFigureOut">
               <a:rPr lang="es-MX" smtClean="0"/>
-              <a:t>31/10/2023</a:t>
+              <a:t>01/11/2023</a:t>
             </a:fld>
             <a:endParaRPr lang="es-MX" dirty="0"/>
           </a:p>
@@ -3833,7 +3833,7 @@
           <a:p>
             <a:fld id="{5E75A0DC-66C6-4CEC-A5EB-F8C97CEC3796}" type="datetimeFigureOut">
               <a:rPr lang="es-MX" smtClean="0"/>
-              <a:t>31/10/2023</a:t>
+              <a:t>01/11/2023</a:t>
             </a:fld>
             <a:endParaRPr lang="es-MX" dirty="0"/>
           </a:p>
@@ -3951,7 +3951,7 @@
           <a:p>
             <a:fld id="{5E75A0DC-66C6-4CEC-A5EB-F8C97CEC3796}" type="datetimeFigureOut">
               <a:rPr lang="es-MX" smtClean="0"/>
-              <a:t>31/10/2023</a:t>
+              <a:t>01/11/2023</a:t>
             </a:fld>
             <a:endParaRPr lang="es-MX" dirty="0"/>
           </a:p>
@@ -4046,7 +4046,7 @@
           <a:p>
             <a:fld id="{5E75A0DC-66C6-4CEC-A5EB-F8C97CEC3796}" type="datetimeFigureOut">
               <a:rPr lang="es-MX" smtClean="0"/>
-              <a:t>31/10/2023</a:t>
+              <a:t>01/11/2023</a:t>
             </a:fld>
             <a:endParaRPr lang="es-MX" dirty="0"/>
           </a:p>
@@ -4323,7 +4323,7 @@
           <a:p>
             <a:fld id="{5E75A0DC-66C6-4CEC-A5EB-F8C97CEC3796}" type="datetimeFigureOut">
               <a:rPr lang="es-MX" smtClean="0"/>
-              <a:t>31/10/2023</a:t>
+              <a:t>01/11/2023</a:t>
             </a:fld>
             <a:endParaRPr lang="es-MX" dirty="0"/>
           </a:p>
@@ -4576,7 +4576,7 @@
           <a:p>
             <a:fld id="{5E75A0DC-66C6-4CEC-A5EB-F8C97CEC3796}" type="datetimeFigureOut">
               <a:rPr lang="es-MX" smtClean="0"/>
-              <a:t>31/10/2023</a:t>
+              <a:t>01/11/2023</a:t>
             </a:fld>
             <a:endParaRPr lang="es-MX" dirty="0"/>
           </a:p>
@@ -4789,7 +4789,7 @@
           <a:p>
             <a:fld id="{5E75A0DC-66C6-4CEC-A5EB-F8C97CEC3796}" type="datetimeFigureOut">
               <a:rPr lang="es-MX" smtClean="0"/>
-              <a:t>31/10/2023</a:t>
+              <a:t>01/11/2023</a:t>
             </a:fld>
             <a:endParaRPr lang="es-MX" dirty="0"/>
           </a:p>
@@ -5869,7 +5869,7 @@
               <a:defRPr/>
             </a:pPr>
             <a:r>
-              <a:rPr lang="es-ES_tradnl" sz="3200">
+              <a:rPr lang="es-ES_tradnl" sz="3200" dirty="0">
                 <a:solidFill>
                   <a:srgbClr val="3333CC"/>
                 </a:solidFill>
@@ -5883,7 +5883,7 @@
               <a:t> </a:t>
             </a:r>
             <a:r>
-              <a:rPr lang="es-ES_tradnl" sz="3200" b="1">
+              <a:rPr lang="es-ES_tradnl" sz="3200" b="1" dirty="0">
                 <a:solidFill>
                   <a:schemeClr val="accent4">
                     <a:lumMod val="50000"/>
@@ -5896,21 +5896,40 @@
                 </a:effectLst>
                 <a:latin typeface="Dom Casual" charset="0"/>
               </a:rPr>
-              <a:t>Tipos de señales Wi-Fi</a:t>
-            </a:r>
-            <a:endParaRPr lang="es-ES_tradnl" sz="3200" b="1" dirty="0">
-              <a:solidFill>
-                <a:schemeClr val="accent4">
-                  <a:lumMod val="50000"/>
-                </a:schemeClr>
-              </a:solidFill>
-              <a:effectLst>
-                <a:outerShdw blurRad="38100" dist="38100" dir="2700000" algn="tl">
-                  <a:srgbClr val="C0C0C0"/>
-                </a:outerShdw>
-              </a:effectLst>
-              <a:latin typeface="Dom Casual" charset="0"/>
-            </a:endParaRPr>
+              <a:t>Tipos de señales </a:t>
+            </a:r>
+            <a:r>
+              <a:rPr lang="es-ES_tradnl" sz="3200" b="1" dirty="0" err="1">
+                <a:solidFill>
+                  <a:schemeClr val="accent4">
+                    <a:lumMod val="50000"/>
+                  </a:schemeClr>
+                </a:solidFill>
+                <a:effectLst>
+                  <a:outerShdw blurRad="38100" dist="38100" dir="2700000" algn="tl">
+                    <a:srgbClr val="C0C0C0"/>
+                  </a:outerShdw>
+                </a:effectLst>
+                <a:latin typeface="Dom Casual" charset="0"/>
+              </a:rPr>
+              <a:t>Wi</a:t>
+            </a:r>
+            <a:r>
+              <a:rPr lang="es-ES_tradnl" sz="3200" b="1" dirty="0">
+                <a:solidFill>
+                  <a:schemeClr val="accent4">
+                    <a:lumMod val="50000"/>
+                  </a:schemeClr>
+                </a:solidFill>
+                <a:effectLst>
+                  <a:outerShdw blurRad="38100" dist="38100" dir="2700000" algn="tl">
+                    <a:srgbClr val="C0C0C0"/>
+                  </a:outerShdw>
+                </a:effectLst>
+                <a:latin typeface="Dom Casual" charset="0"/>
+              </a:rPr>
+              <a:t>-Fi</a:t>
+            </a:r>
           </a:p>
         </p:txBody>
       </p:sp>
@@ -5930,8 +5949,8 @@
         </p:nvSpPr>
         <p:spPr bwMode="auto">
           <a:xfrm>
-            <a:off x="611560" y="1268761"/>
-            <a:ext cx="4824536" cy="2016224"/>
+            <a:off x="2339752" y="1238600"/>
+            <a:ext cx="6120680" cy="1674186"/>
           </a:xfrm>
           <a:prstGeom prst="rect">
             <a:avLst/>
@@ -6165,6 +6184,9 @@
           </a:p>
           <a:p>
             <a:pPr algn="just">
+              <a:lnSpc>
+                <a:spcPct val="150000"/>
+              </a:lnSpc>
               <a:buFont typeface="Arial" panose="020B0604020202020204" pitchFamily="34" charset="0"/>
               <a:buChar char="•"/>
             </a:pPr>
@@ -6226,7 +6248,7 @@
           <p:nvPr/>
         </p:nvPicPr>
         <p:blipFill>
-          <a:blip r:embed="rId3">
+          <a:blip r:embed="rId3" cstate="print">
             <a:extLst>
               <a:ext uri="{28A0092B-C50C-407E-A947-70E740481C1C}">
                 <a14:useLocalDpi xmlns:a14="http://schemas.microsoft.com/office/drawing/2010/main" val="0"/>
@@ -6239,8 +6261,8 @@
         </p:blipFill>
         <p:spPr>
           <a:xfrm>
-            <a:off x="6732240" y="1175593"/>
-            <a:ext cx="1800200" cy="1800200"/>
+            <a:off x="578927" y="1156410"/>
+            <a:ext cx="1296144" cy="1296144"/>
           </a:xfrm>
           <a:prstGeom prst="rect">
             <a:avLst/>
@@ -6263,8 +6285,8 @@
         </p:nvSpPr>
         <p:spPr bwMode="auto">
           <a:xfrm>
-            <a:off x="611560" y="2564904"/>
-            <a:ext cx="7344816" cy="2232248"/>
+            <a:off x="611560" y="2708920"/>
+            <a:ext cx="7920880" cy="2232248"/>
           </a:xfrm>
           <a:prstGeom prst="rect">
             <a:avLst/>
@@ -6605,7 +6627,7 @@
                   <a:srgbClr val="333333"/>
                 </a:solidFill>
               </a:rPr>
-              <a:t>No interfiere en redes </a:t>
+              <a:t>No interfiere con redes </a:t>
             </a:r>
             <a:r>
               <a:rPr lang="es-ES" sz="1600" dirty="0" err="1">
@@ -6727,8 +6749,8 @@
         </p:blipFill>
         <p:spPr>
           <a:xfrm>
-            <a:off x="3720470" y="4523964"/>
-            <a:ext cx="5087878" cy="2130549"/>
+            <a:off x="3864486" y="4725144"/>
+            <a:ext cx="4595946" cy="1924552"/>
           </a:xfrm>
           <a:prstGeom prst="rect">
             <a:avLst/>
@@ -6769,7 +6791,7 @@
                             </p:stCondLst>
                             <p:childTnLst>
                               <p:par>
-                                <p:cTn id="5" presetID="1" presetClass="entr" presetSubtype="0" fill="hold" grpId="0" nodeType="clickEffect">
+                                <p:cTn id="5" presetID="1" presetClass="entr" presetSubtype="0" fill="hold" nodeType="clickEffect">
                                   <p:stCondLst>
                                     <p:cond delay="0"/>
                                   </p:stCondLst>
@@ -6782,7 +6804,7 @@
                                           </p:stCondLst>
                                         </p:cTn>
                                         <p:tgtEl>
-                                          <p:spTgt spid="8"/>
+                                          <p:spTgt spid="22"/>
                                         </p:tgtEl>
                                         <p:attrNameLst>
                                           <p:attrName>style.visibility</p:attrName>
@@ -6827,7 +6849,97 @@
                                           </p:stCondLst>
                                         </p:cTn>
                                         <p:tgtEl>
+                                          <p:spTgt spid="8"/>
+                                        </p:tgtEl>
+                                        <p:attrNameLst>
+                                          <p:attrName>style.visibility</p:attrName>
+                                        </p:attrNameLst>
+                                      </p:cBhvr>
+                                      <p:to>
+                                        <p:strVal val="visible"/>
+                                      </p:to>
+                                    </p:set>
+                                  </p:childTnLst>
+                                </p:cTn>
+                              </p:par>
+                            </p:childTnLst>
+                          </p:cTn>
+                        </p:par>
+                      </p:childTnLst>
+                    </p:cTn>
+                  </p:par>
+                  <p:par>
+                    <p:cTn id="11" fill="hold">
+                      <p:stCondLst>
+                        <p:cond delay="indefinite"/>
+                      </p:stCondLst>
+                      <p:childTnLst>
+                        <p:par>
+                          <p:cTn id="12" fill="hold">
+                            <p:stCondLst>
+                              <p:cond delay="0"/>
+                            </p:stCondLst>
+                            <p:childTnLst>
+                              <p:par>
+                                <p:cTn id="13" presetID="1" presetClass="entr" presetSubtype="0" fill="hold" grpId="0" nodeType="clickEffect">
+                                  <p:stCondLst>
+                                    <p:cond delay="0"/>
+                                  </p:stCondLst>
+                                  <p:childTnLst>
+                                    <p:set>
+                                      <p:cBhvr>
+                                        <p:cTn id="14" dur="1" fill="hold">
+                                          <p:stCondLst>
+                                            <p:cond delay="0"/>
+                                          </p:stCondLst>
+                                        </p:cTn>
+                                        <p:tgtEl>
                                           <p:spTgt spid="23"/>
+                                        </p:tgtEl>
+                                        <p:attrNameLst>
+                                          <p:attrName>style.visibility</p:attrName>
+                                        </p:attrNameLst>
+                                      </p:cBhvr>
+                                      <p:to>
+                                        <p:strVal val="visible"/>
+                                      </p:to>
+                                    </p:set>
+                                  </p:childTnLst>
+                                </p:cTn>
+                              </p:par>
+                            </p:childTnLst>
+                          </p:cTn>
+                        </p:par>
+                      </p:childTnLst>
+                    </p:cTn>
+                  </p:par>
+                  <p:par>
+                    <p:cTn id="15" fill="hold">
+                      <p:stCondLst>
+                        <p:cond delay="indefinite"/>
+                      </p:stCondLst>
+                      <p:childTnLst>
+                        <p:par>
+                          <p:cTn id="16" fill="hold">
+                            <p:stCondLst>
+                              <p:cond delay="0"/>
+                            </p:stCondLst>
+                            <p:childTnLst>
+                              <p:par>
+                                <p:cTn id="17" presetID="1" presetClass="entr" presetSubtype="0" fill="hold" nodeType="clickEffect">
+                                  <p:stCondLst>
+                                    <p:cond delay="0"/>
+                                  </p:stCondLst>
+                                  <p:childTnLst>
+                                    <p:set>
+                                      <p:cBhvr>
+                                        <p:cTn id="18" dur="1" fill="hold">
+                                          <p:stCondLst>
+                                            <p:cond delay="0"/>
+                                          </p:stCondLst>
+                                        </p:cTn>
+                                        <p:tgtEl>
+                                          <p:spTgt spid="24"/>
                                         </p:tgtEl>
                                         <p:attrNameLst>
                                           <p:attrName>style.visibility</p:attrName>
@@ -7022,7 +7134,7 @@
         </p:nvSpPr>
         <p:spPr>
           <a:xfrm>
-            <a:off x="323528" y="1268760"/>
+            <a:off x="323528" y="1201050"/>
             <a:ext cx="8568952" cy="504056"/>
           </a:xfrm>
         </p:spPr>
@@ -7078,7 +7190,7 @@
         </p:blipFill>
         <p:spPr>
           <a:xfrm>
-            <a:off x="323528" y="1924057"/>
+            <a:off x="388640" y="1831646"/>
             <a:ext cx="8244408" cy="3194708"/>
           </a:xfrm>
           <a:prstGeom prst="rect">
@@ -7100,8 +7212,8 @@
         </p:nvSpPr>
         <p:spPr>
           <a:xfrm>
-            <a:off x="336834" y="5301208"/>
-            <a:ext cx="8244408" cy="830997"/>
+            <a:off x="449796" y="5152894"/>
+            <a:ext cx="8244408" cy="1080039"/>
           </a:xfrm>
           <a:prstGeom prst="rect">
             <a:avLst/>
@@ -7114,8 +7226,13 @@
           </a:bodyPr>
           <a:lstStyle/>
           <a:p>
-            <a:r>
-              <a:rPr lang="es-MX" sz="1200" dirty="0">
+            <a:pPr>
+              <a:lnSpc>
+                <a:spcPct val="150000"/>
+              </a:lnSpc>
+            </a:pPr>
+            <a:r>
+              <a:rPr lang="es-MX" sz="1100" dirty="0">
                 <a:solidFill>
                   <a:srgbClr val="262626"/>
                 </a:solidFill>
@@ -7126,7 +7243,7 @@
               <a:t>Los números 2.4 GHz, 5 GHz y 6 GHz se refieren a las bandas de frecuencia de RF específicas aprobadas para uso inalámbrico. Un menor número significa menos repeticiones de patrones de onda con el tiempo, mientras que un mayor número significa más repeticiones que pueden transmitir más datos. 1 hercio (Hz) representa una repetición por segundo y 1 </a:t>
             </a:r>
             <a:r>
-              <a:rPr lang="es-MX" sz="1200" dirty="0" err="1">
+              <a:rPr lang="es-MX" sz="1100" dirty="0" err="1">
                 <a:solidFill>
                   <a:srgbClr val="262626"/>
                 </a:solidFill>
@@ -7137,7 +7254,7 @@
               <a:t>gigahertcio</a:t>
             </a:r>
             <a:r>
-              <a:rPr lang="es-MX" sz="1200" dirty="0">
+              <a:rPr lang="es-MX" sz="1100" dirty="0">
                 <a:solidFill>
                   <a:srgbClr val="262626"/>
                 </a:solidFill>
@@ -7147,7 +7264,7 @@
               </a:rPr>
               <a:t> (GHz) representa mil millones de repeticiones por segundo.</a:t>
             </a:r>
-            <a:endParaRPr lang="es-MX" sz="1200" dirty="0"/>
+            <a:endParaRPr lang="es-MX" sz="1100" dirty="0"/>
           </a:p>
         </p:txBody>
       </p:sp>
@@ -7221,6 +7338,96 @@
                       </p:childTnLst>
                     </p:cTn>
                   </p:par>
+                  <p:par>
+                    <p:cTn id="7" fill="hold">
+                      <p:stCondLst>
+                        <p:cond delay="indefinite"/>
+                      </p:stCondLst>
+                      <p:childTnLst>
+                        <p:par>
+                          <p:cTn id="8" fill="hold">
+                            <p:stCondLst>
+                              <p:cond delay="0"/>
+                            </p:stCondLst>
+                            <p:childTnLst>
+                              <p:par>
+                                <p:cTn id="9" presetID="1" presetClass="entr" presetSubtype="0" fill="hold" nodeType="clickEffect">
+                                  <p:stCondLst>
+                                    <p:cond delay="0"/>
+                                  </p:stCondLst>
+                                  <p:childTnLst>
+                                    <p:set>
+                                      <p:cBhvr>
+                                        <p:cTn id="10" dur="1" fill="hold">
+                                          <p:stCondLst>
+                                            <p:cond delay="0"/>
+                                          </p:stCondLst>
+                                        </p:cTn>
+                                        <p:tgtEl>
+                                          <p:spTgt spid="3"/>
+                                        </p:tgtEl>
+                                        <p:attrNameLst>
+                                          <p:attrName>style.visibility</p:attrName>
+                                        </p:attrNameLst>
+                                      </p:cBhvr>
+                                      <p:to>
+                                        <p:strVal val="visible"/>
+                                      </p:to>
+                                    </p:set>
+                                  </p:childTnLst>
+                                </p:cTn>
+                              </p:par>
+                            </p:childTnLst>
+                          </p:cTn>
+                        </p:par>
+                      </p:childTnLst>
+                    </p:cTn>
+                  </p:par>
+                  <p:par>
+                    <p:cTn id="11" fill="hold">
+                      <p:stCondLst>
+                        <p:cond delay="indefinite"/>
+                      </p:stCondLst>
+                      <p:childTnLst>
+                        <p:par>
+                          <p:cTn id="12" fill="hold">
+                            <p:stCondLst>
+                              <p:cond delay="0"/>
+                            </p:stCondLst>
+                            <p:childTnLst>
+                              <p:par>
+                                <p:cTn id="13" presetID="1" presetClass="entr" presetSubtype="0" fill="hold" grpId="0" nodeType="clickEffect">
+                                  <p:stCondLst>
+                                    <p:cond delay="0"/>
+                                  </p:stCondLst>
+                                  <p:childTnLst>
+                                    <p:set>
+                                      <p:cBhvr>
+                                        <p:cTn id="14" dur="1" fill="hold">
+                                          <p:stCondLst>
+                                            <p:cond delay="0"/>
+                                          </p:stCondLst>
+                                        </p:cTn>
+                                        <p:tgtEl>
+                                          <p:spTgt spid="4"/>
+                                        </p:tgtEl>
+                                        <p:attrNameLst>
+                                          <p:attrName>style.visibility</p:attrName>
+                                        </p:attrNameLst>
+                                      </p:cBhvr>
+                                      <p:to>
+                                        <p:strVal val="visible"/>
+                                      </p:to>
+                                    </p:set>
+                                  </p:childTnLst>
+                                </p:cTn>
+                              </p:par>
+                            </p:childTnLst>
+                          </p:cTn>
+                        </p:par>
+                      </p:childTnLst>
+                    </p:cTn>
+                  </p:par>
                 </p:childTnLst>
               </p:cTn>
               <p:prevCondLst>
@@ -7244,6 +7451,7 @@
     </p:tnLst>
     <p:bldLst>
       <p:bldP spid="7" grpId="0" build="p"/>
+      <p:bldP spid="4" grpId="0"/>
     </p:bldLst>
   </p:timing>
 </p:sld>
